--- a/week10/caicai_demo.pptx
+++ b/week10/caicai_demo.pptx
@@ -1847,1467 +1847,1408 @@
           </a:p>
         </p:txBody>
       </p:sp>
-      <p:grpSp>
-        <p:nvGrpSpPr>
-          <p:cNvPr id="3" name="object 3"/>
-          <p:cNvGrpSpPr/>
+      <p:sp>
+        <p:nvSpPr>
+          <p:cNvPr id="4" name="object 4"/>
+          <p:cNvSpPr/>
           <p:nvPr/>
-        </p:nvGrpSpPr>
-        <p:grpSpPr>
+        </p:nvSpPr>
+        <p:spPr>
           <a:xfrm>
-            <a:off x="859790" y="1142999"/>
-            <a:ext cx="7411720" cy="4060190"/>
-            <a:chOff x="836930" y="1123314"/>
-            <a:chExt cx="7411720" cy="4060190"/>
+            <a:off x="865505" y="1148715"/>
+            <a:ext cx="2167255" cy="91440"/>
           </a:xfrm>
-        </p:grpSpPr>
-        <p:sp>
-          <p:nvSpPr>
-            <p:cNvPr id="4" name="object 4"/>
-            <p:cNvSpPr/>
-            <p:nvPr/>
-          </p:nvSpPr>
-          <p:spPr>
-            <a:xfrm>
-              <a:off x="842772" y="1129283"/>
-              <a:ext cx="2167255" cy="91440"/>
-            </a:xfrm>
-            <a:custGeom>
-              <a:avLst/>
-              <a:gdLst/>
-              <a:ahLst/>
-              <a:cxnLst/>
-              <a:rect l="l" t="t" r="r" b="b"/>
-              <a:pathLst>
-                <a:path w="2167255" h="91440">
-                  <a:moveTo>
-                    <a:pt x="2167128" y="91439"/>
-                  </a:moveTo>
-                  <a:lnTo>
-                    <a:pt x="0" y="91439"/>
-                  </a:lnTo>
-                  <a:lnTo>
-                    <a:pt x="0" y="0"/>
-                  </a:lnTo>
-                  <a:lnTo>
-                    <a:pt x="2167128" y="0"/>
-                  </a:lnTo>
-                  <a:lnTo>
-                    <a:pt x="2167128" y="91439"/>
-                  </a:lnTo>
-                  <a:close/>
-                </a:path>
-              </a:pathLst>
-            </a:custGeom>
-            <a:solidFill>
-              <a:srgbClr val="DF535D"/>
-            </a:solidFill>
-          </p:spPr>
-          <p:txBody>
-            <a:bodyPr wrap="square" lIns="0" tIns="0" rIns="0" bIns="0" rtlCol="0"/>
-            <a:lstStyle/>
-            <a:p/>
-          </p:txBody>
-        </p:sp>
-        <p:sp>
-          <p:nvSpPr>
-            <p:cNvPr id="5" name="object 5"/>
-            <p:cNvSpPr/>
-            <p:nvPr/>
-          </p:nvSpPr>
-          <p:spPr>
-            <a:xfrm>
-              <a:off x="836930" y="1123314"/>
-              <a:ext cx="2179955" cy="104139"/>
-            </a:xfrm>
-            <a:custGeom>
-              <a:avLst/>
-              <a:gdLst/>
-              <a:ahLst/>
-              <a:cxnLst/>
-              <a:rect l="l" t="t" r="r" b="b"/>
-              <a:pathLst>
-                <a:path w="2179955" h="104140">
-                  <a:moveTo>
-                    <a:pt x="2179955" y="104140"/>
-                  </a:moveTo>
-                  <a:lnTo>
-                    <a:pt x="0" y="104140"/>
-                  </a:lnTo>
-                  <a:lnTo>
-                    <a:pt x="0" y="0"/>
-                  </a:lnTo>
-                  <a:lnTo>
-                    <a:pt x="2179955" y="0"/>
-                  </a:lnTo>
-                  <a:lnTo>
-                    <a:pt x="2179955" y="6350"/>
-                  </a:lnTo>
-                  <a:lnTo>
-                    <a:pt x="12700" y="6350"/>
-                  </a:lnTo>
-                  <a:lnTo>
-                    <a:pt x="6350" y="12700"/>
-                  </a:lnTo>
-                  <a:lnTo>
-                    <a:pt x="12700" y="12700"/>
-                  </a:lnTo>
-                  <a:lnTo>
-                    <a:pt x="12700" y="91440"/>
-                  </a:lnTo>
-                  <a:lnTo>
-                    <a:pt x="6350" y="91440"/>
-                  </a:lnTo>
-                  <a:lnTo>
-                    <a:pt x="12700" y="97790"/>
-                  </a:lnTo>
-                  <a:lnTo>
-                    <a:pt x="2179955" y="97790"/>
-                  </a:lnTo>
-                  <a:lnTo>
-                    <a:pt x="2179955" y="104140"/>
-                  </a:lnTo>
-                  <a:close/>
-                </a:path>
-                <a:path w="2179955" h="104140">
-                  <a:moveTo>
-                    <a:pt x="12700" y="12700"/>
-                  </a:moveTo>
-                  <a:lnTo>
-                    <a:pt x="6350" y="12700"/>
-                  </a:lnTo>
-                  <a:lnTo>
-                    <a:pt x="12700" y="6350"/>
-                  </a:lnTo>
-                  <a:lnTo>
-                    <a:pt x="12700" y="12700"/>
-                  </a:lnTo>
-                  <a:close/>
-                </a:path>
-                <a:path w="2179955" h="104140">
-                  <a:moveTo>
-                    <a:pt x="2167255" y="12700"/>
-                  </a:moveTo>
-                  <a:lnTo>
-                    <a:pt x="12700" y="12700"/>
-                  </a:lnTo>
-                  <a:lnTo>
-                    <a:pt x="12700" y="6350"/>
-                  </a:lnTo>
-                  <a:lnTo>
-                    <a:pt x="2167255" y="6350"/>
-                  </a:lnTo>
-                  <a:lnTo>
-                    <a:pt x="2167255" y="12700"/>
-                  </a:lnTo>
-                  <a:close/>
-                </a:path>
-                <a:path w="2179955" h="104140">
-                  <a:moveTo>
-                    <a:pt x="2167255" y="97790"/>
-                  </a:moveTo>
-                  <a:lnTo>
-                    <a:pt x="2167255" y="6350"/>
-                  </a:lnTo>
-                  <a:lnTo>
-                    <a:pt x="2173605" y="12700"/>
-                  </a:lnTo>
-                  <a:lnTo>
-                    <a:pt x="2179955" y="12700"/>
-                  </a:lnTo>
-                  <a:lnTo>
-                    <a:pt x="2179955" y="91440"/>
-                  </a:lnTo>
-                  <a:lnTo>
-                    <a:pt x="2173605" y="91440"/>
-                  </a:lnTo>
-                  <a:lnTo>
-                    <a:pt x="2167255" y="97790"/>
-                  </a:lnTo>
-                  <a:close/>
-                </a:path>
-                <a:path w="2179955" h="104140">
-                  <a:moveTo>
-                    <a:pt x="2179955" y="12700"/>
-                  </a:moveTo>
-                  <a:lnTo>
-                    <a:pt x="2173605" y="12700"/>
-                  </a:lnTo>
-                  <a:lnTo>
-                    <a:pt x="2167255" y="6350"/>
-                  </a:lnTo>
-                  <a:lnTo>
-                    <a:pt x="2179955" y="6350"/>
-                  </a:lnTo>
-                  <a:lnTo>
-                    <a:pt x="2179955" y="12700"/>
-                  </a:lnTo>
-                  <a:close/>
-                </a:path>
-                <a:path w="2179955" h="104140">
-                  <a:moveTo>
-                    <a:pt x="12700" y="97790"/>
-                  </a:moveTo>
-                  <a:lnTo>
-                    <a:pt x="6350" y="91440"/>
-                  </a:lnTo>
-                  <a:lnTo>
-                    <a:pt x="12700" y="91440"/>
-                  </a:lnTo>
-                  <a:lnTo>
-                    <a:pt x="12700" y="97790"/>
-                  </a:lnTo>
-                  <a:close/>
-                </a:path>
-                <a:path w="2179955" h="104140">
-                  <a:moveTo>
-                    <a:pt x="2167255" y="97790"/>
-                  </a:moveTo>
-                  <a:lnTo>
-                    <a:pt x="12700" y="97790"/>
-                  </a:lnTo>
-                  <a:lnTo>
-                    <a:pt x="12700" y="91440"/>
-                  </a:lnTo>
-                  <a:lnTo>
-                    <a:pt x="2167255" y="91440"/>
-                  </a:lnTo>
-                  <a:lnTo>
-                    <a:pt x="2167255" y="97790"/>
-                  </a:lnTo>
-                  <a:close/>
-                </a:path>
-                <a:path w="2179955" h="104140">
-                  <a:moveTo>
-                    <a:pt x="2179955" y="97790"/>
-                  </a:moveTo>
-                  <a:lnTo>
-                    <a:pt x="2167255" y="97790"/>
-                  </a:lnTo>
-                  <a:lnTo>
-                    <a:pt x="2173605" y="91440"/>
-                  </a:lnTo>
-                  <a:lnTo>
-                    <a:pt x="2179955" y="91440"/>
-                  </a:lnTo>
-                  <a:lnTo>
-                    <a:pt x="2179955" y="97790"/>
-                  </a:lnTo>
-                  <a:close/>
-                </a:path>
-              </a:pathLst>
-            </a:custGeom>
-            <a:solidFill>
-              <a:srgbClr val="DE545C"/>
-            </a:solidFill>
-          </p:spPr>
-          <p:txBody>
-            <a:bodyPr wrap="square" lIns="0" tIns="0" rIns="0" bIns="0" rtlCol="0"/>
-            <a:lstStyle/>
-            <a:p/>
-          </p:txBody>
-        </p:sp>
-        <p:sp>
-          <p:nvSpPr>
-            <p:cNvPr id="6" name="object 6"/>
-            <p:cNvSpPr/>
-            <p:nvPr/>
-          </p:nvSpPr>
-          <p:spPr>
-            <a:xfrm>
-              <a:off x="2953512" y="2264663"/>
-              <a:ext cx="3268979" cy="473075"/>
-            </a:xfrm>
-            <a:custGeom>
-              <a:avLst/>
-              <a:gdLst/>
-              <a:ahLst/>
-              <a:cxnLst/>
-              <a:rect l="l" t="t" r="r" b="b"/>
-              <a:pathLst>
-                <a:path w="3268979" h="473075">
-                  <a:moveTo>
-                    <a:pt x="1716274" y="472992"/>
-                  </a:moveTo>
-                  <a:lnTo>
-                    <a:pt x="1553086" y="472992"/>
-                  </a:lnTo>
-                  <a:lnTo>
-                    <a:pt x="1393100" y="472342"/>
-                  </a:lnTo>
-                  <a:lnTo>
-                    <a:pt x="1238005" y="471073"/>
-                  </a:lnTo>
-                  <a:lnTo>
-                    <a:pt x="1088551" y="469214"/>
-                  </a:lnTo>
-                  <a:lnTo>
-                    <a:pt x="945488" y="466796"/>
-                  </a:lnTo>
-                  <a:lnTo>
-                    <a:pt x="809565" y="463851"/>
-                  </a:lnTo>
-                  <a:lnTo>
-                    <a:pt x="681532" y="460408"/>
-                  </a:lnTo>
-                  <a:lnTo>
-                    <a:pt x="562137" y="456498"/>
-                  </a:lnTo>
-                  <a:lnTo>
-                    <a:pt x="452131" y="452153"/>
-                  </a:lnTo>
-                  <a:lnTo>
-                    <a:pt x="352263" y="447402"/>
-                  </a:lnTo>
-                  <a:lnTo>
-                    <a:pt x="263282" y="442277"/>
-                  </a:lnTo>
-                  <a:lnTo>
-                    <a:pt x="223109" y="439584"/>
-                  </a:lnTo>
-                  <a:lnTo>
-                    <a:pt x="151864" y="433955"/>
-                  </a:lnTo>
-                  <a:lnTo>
-                    <a:pt x="93380" y="428028"/>
-                  </a:lnTo>
-                  <a:lnTo>
-                    <a:pt x="48407" y="421835"/>
-                  </a:lnTo>
-                  <a:lnTo>
-                    <a:pt x="7918" y="412110"/>
-                  </a:lnTo>
-                  <a:lnTo>
-                    <a:pt x="0" y="405384"/>
-                  </a:lnTo>
-                  <a:lnTo>
-                    <a:pt x="0" y="0"/>
-                  </a:lnTo>
-                  <a:lnTo>
-                    <a:pt x="1989" y="3418"/>
-                  </a:lnTo>
-                  <a:lnTo>
-                    <a:pt x="7918" y="6792"/>
-                  </a:lnTo>
-                  <a:lnTo>
-                    <a:pt x="48407" y="16599"/>
-                  </a:lnTo>
-                  <a:lnTo>
-                    <a:pt x="93380" y="22839"/>
-                  </a:lnTo>
-                  <a:lnTo>
-                    <a:pt x="151864" y="28806"/>
-                  </a:lnTo>
-                  <a:lnTo>
-                    <a:pt x="223109" y="34468"/>
-                  </a:lnTo>
-                  <a:lnTo>
-                    <a:pt x="263282" y="37176"/>
-                  </a:lnTo>
-                  <a:lnTo>
-                    <a:pt x="352263" y="42327"/>
-                  </a:lnTo>
-                  <a:lnTo>
-                    <a:pt x="452131" y="47098"/>
-                  </a:lnTo>
-                  <a:lnTo>
-                    <a:pt x="562137" y="51459"/>
-                  </a:lnTo>
-                  <a:lnTo>
-                    <a:pt x="681532" y="55381"/>
-                  </a:lnTo>
-                  <a:lnTo>
-                    <a:pt x="809565" y="58833"/>
-                  </a:lnTo>
-                  <a:lnTo>
-                    <a:pt x="945488" y="61785"/>
-                  </a:lnTo>
-                  <a:lnTo>
-                    <a:pt x="1088551" y="64207"/>
-                  </a:lnTo>
-                  <a:lnTo>
-                    <a:pt x="1238005" y="66068"/>
-                  </a:lnTo>
-                  <a:lnTo>
-                    <a:pt x="1393100" y="67339"/>
-                  </a:lnTo>
-                  <a:lnTo>
-                    <a:pt x="1553086" y="67989"/>
-                  </a:lnTo>
-                  <a:lnTo>
-                    <a:pt x="1716274" y="67989"/>
-                  </a:lnTo>
-                  <a:lnTo>
-                    <a:pt x="1876260" y="67339"/>
-                  </a:lnTo>
-                  <a:lnTo>
-                    <a:pt x="2031354" y="66068"/>
-                  </a:lnTo>
-                  <a:lnTo>
-                    <a:pt x="2180805" y="64207"/>
-                  </a:lnTo>
-                  <a:lnTo>
-                    <a:pt x="2323864" y="61785"/>
-                  </a:lnTo>
-                  <a:lnTo>
-                    <a:pt x="2459781" y="58833"/>
-                  </a:lnTo>
-                  <a:lnTo>
-                    <a:pt x="2587805" y="55381"/>
-                  </a:lnTo>
-                  <a:lnTo>
-                    <a:pt x="2707187" y="51459"/>
-                  </a:lnTo>
-                  <a:lnTo>
-                    <a:pt x="2817177" y="47098"/>
-                  </a:lnTo>
-                  <a:lnTo>
-                    <a:pt x="2917024" y="42327"/>
-                  </a:lnTo>
-                  <a:lnTo>
-                    <a:pt x="3005979" y="37176"/>
-                  </a:lnTo>
-                  <a:lnTo>
-                    <a:pt x="3046138" y="34468"/>
-                  </a:lnTo>
-                  <a:lnTo>
-                    <a:pt x="3117349" y="28806"/>
-                  </a:lnTo>
-                  <a:lnTo>
-                    <a:pt x="3175793" y="22839"/>
-                  </a:lnTo>
-                  <a:lnTo>
-                    <a:pt x="3220720" y="16599"/>
-                  </a:lnTo>
-                  <a:lnTo>
-                    <a:pt x="3261126" y="6792"/>
-                  </a:lnTo>
-                  <a:lnTo>
-                    <a:pt x="3268979" y="0"/>
-                  </a:lnTo>
-                  <a:lnTo>
-                    <a:pt x="3268979" y="405384"/>
-                  </a:lnTo>
-                  <a:lnTo>
-                    <a:pt x="3220720" y="421835"/>
-                  </a:lnTo>
-                  <a:lnTo>
-                    <a:pt x="3175793" y="428028"/>
-                  </a:lnTo>
-                  <a:lnTo>
-                    <a:pt x="3117349" y="433955"/>
-                  </a:lnTo>
-                  <a:lnTo>
-                    <a:pt x="3046138" y="439584"/>
-                  </a:lnTo>
-                  <a:lnTo>
-                    <a:pt x="3005979" y="442277"/>
-                  </a:lnTo>
-                  <a:lnTo>
-                    <a:pt x="2917024" y="447402"/>
-                  </a:lnTo>
-                  <a:lnTo>
-                    <a:pt x="2817177" y="452153"/>
-                  </a:lnTo>
-                  <a:lnTo>
-                    <a:pt x="2707187" y="456498"/>
-                  </a:lnTo>
-                  <a:lnTo>
-                    <a:pt x="2587805" y="460408"/>
-                  </a:lnTo>
-                  <a:lnTo>
-                    <a:pt x="2459781" y="463851"/>
-                  </a:lnTo>
-                  <a:lnTo>
-                    <a:pt x="2323864" y="466796"/>
-                  </a:lnTo>
-                  <a:lnTo>
-                    <a:pt x="2180805" y="469214"/>
-                  </a:lnTo>
-                  <a:lnTo>
-                    <a:pt x="2031354" y="471073"/>
-                  </a:lnTo>
-                  <a:lnTo>
-                    <a:pt x="1876260" y="472342"/>
-                  </a:lnTo>
-                  <a:lnTo>
-                    <a:pt x="1716274" y="472992"/>
-                  </a:lnTo>
-                  <a:close/>
-                </a:path>
-              </a:pathLst>
-            </a:custGeom>
-            <a:solidFill>
-              <a:srgbClr val="DF535D"/>
-            </a:solidFill>
-          </p:spPr>
-          <p:txBody>
-            <a:bodyPr wrap="square" lIns="0" tIns="0" rIns="0" bIns="0" rtlCol="0"/>
-            <a:lstStyle/>
-            <a:p/>
-          </p:txBody>
-        </p:sp>
-        <p:pic>
-          <p:nvPicPr>
-            <p:cNvPr id="7" name="object 7"/>
-            <p:cNvPicPr/>
-            <p:nvPr/>
-          </p:nvPicPr>
-          <p:blipFill>
-            <a:blip r:embed="rId1" cstate="print"/>
-            <a:stretch>
-              <a:fillRect/>
-            </a:stretch>
-          </p:blipFill>
-          <p:spPr>
-            <a:xfrm>
-              <a:off x="2950463" y="2194559"/>
-              <a:ext cx="3275076" cy="141732"/>
-            </a:xfrm>
-            <a:prstGeom prst="rect">
-              <a:avLst/>
-            </a:prstGeom>
-          </p:spPr>
-        </p:pic>
-        <p:pic>
-          <p:nvPicPr>
-            <p:cNvPr id="8" name="object 8"/>
-            <p:cNvPicPr/>
-            <p:nvPr/>
-          </p:nvPicPr>
-          <p:blipFill>
-            <a:blip r:embed="rId2" cstate="print"/>
-            <a:stretch>
-              <a:fillRect/>
-            </a:stretch>
-          </p:blipFill>
-          <p:spPr>
-            <a:xfrm>
-              <a:off x="2946958" y="2191384"/>
-              <a:ext cx="3282391" cy="552450"/>
-            </a:xfrm>
-            <a:prstGeom prst="rect">
-              <a:avLst/>
-            </a:prstGeom>
-          </p:spPr>
-        </p:pic>
-        <p:pic>
-          <p:nvPicPr>
-            <p:cNvPr id="9" name="object 9"/>
-            <p:cNvPicPr/>
-            <p:nvPr/>
-          </p:nvPicPr>
-          <p:blipFill>
-            <a:blip r:embed="rId3" cstate="print"/>
-            <a:stretch>
-              <a:fillRect/>
-            </a:stretch>
-          </p:blipFill>
-          <p:spPr>
-            <a:xfrm>
-              <a:off x="7569587" y="2948635"/>
-              <a:ext cx="563162" cy="173989"/>
-            </a:xfrm>
-            <a:prstGeom prst="rect">
-              <a:avLst/>
-            </a:prstGeom>
-          </p:spPr>
-        </p:pic>
-        <p:sp>
-          <p:nvSpPr>
-            <p:cNvPr id="10" name="object 10"/>
-            <p:cNvSpPr/>
-            <p:nvPr/>
-          </p:nvSpPr>
-          <p:spPr>
-            <a:xfrm>
-              <a:off x="3509772" y="3476244"/>
-              <a:ext cx="2158365" cy="472440"/>
-            </a:xfrm>
-            <a:custGeom>
-              <a:avLst/>
-              <a:gdLst/>
-              <a:ahLst/>
-              <a:cxnLst/>
-              <a:rect l="l" t="t" r="r" b="b"/>
-              <a:pathLst>
-                <a:path w="2158365" h="472439">
-                  <a:moveTo>
-                    <a:pt x="1079055" y="472185"/>
-                  </a:moveTo>
-                  <a:lnTo>
-                    <a:pt x="998515" y="472000"/>
-                  </a:lnTo>
-                  <a:lnTo>
-                    <a:pt x="919583" y="471454"/>
-                  </a:lnTo>
-                  <a:lnTo>
-                    <a:pt x="842466" y="470559"/>
-                  </a:lnTo>
-                  <a:lnTo>
-                    <a:pt x="767375" y="469330"/>
-                  </a:lnTo>
-                  <a:lnTo>
-                    <a:pt x="694518" y="467780"/>
-                  </a:lnTo>
-                  <a:lnTo>
-                    <a:pt x="624104" y="465923"/>
-                  </a:lnTo>
-                  <a:lnTo>
-                    <a:pt x="556340" y="463772"/>
-                  </a:lnTo>
-                  <a:lnTo>
-                    <a:pt x="491437" y="461340"/>
-                  </a:lnTo>
-                  <a:lnTo>
-                    <a:pt x="429603" y="458641"/>
-                  </a:lnTo>
-                  <a:lnTo>
-                    <a:pt x="371046" y="455688"/>
-                  </a:lnTo>
-                  <a:lnTo>
-                    <a:pt x="315976" y="452496"/>
-                  </a:lnTo>
-                  <a:lnTo>
-                    <a:pt x="264600" y="449076"/>
-                  </a:lnTo>
-                  <a:lnTo>
-                    <a:pt x="217128" y="445444"/>
-                  </a:lnTo>
-                  <a:lnTo>
-                    <a:pt x="173769" y="441612"/>
-                  </a:lnTo>
-                  <a:lnTo>
-                    <a:pt x="134732" y="437594"/>
-                  </a:lnTo>
-                  <a:lnTo>
-                    <a:pt x="70455" y="429052"/>
-                  </a:lnTo>
-                  <a:lnTo>
-                    <a:pt x="25969" y="419928"/>
-                  </a:lnTo>
-                  <a:lnTo>
-                    <a:pt x="0" y="405383"/>
-                  </a:lnTo>
-                  <a:lnTo>
-                    <a:pt x="0" y="0"/>
-                  </a:lnTo>
-                  <a:lnTo>
-                    <a:pt x="2943" y="4956"/>
-                  </a:lnTo>
-                  <a:lnTo>
-                    <a:pt x="11669" y="9819"/>
-                  </a:lnTo>
-                  <a:lnTo>
-                    <a:pt x="70455" y="23718"/>
-                  </a:lnTo>
-                  <a:lnTo>
-                    <a:pt x="134732" y="32273"/>
-                  </a:lnTo>
-                  <a:lnTo>
-                    <a:pt x="173769" y="36298"/>
-                  </a:lnTo>
-                  <a:lnTo>
-                    <a:pt x="217128" y="40135"/>
-                  </a:lnTo>
-                  <a:lnTo>
-                    <a:pt x="264600" y="43772"/>
-                  </a:lnTo>
-                  <a:lnTo>
-                    <a:pt x="315975" y="47196"/>
-                  </a:lnTo>
-                  <a:lnTo>
-                    <a:pt x="371046" y="50392"/>
-                  </a:lnTo>
-                  <a:lnTo>
-                    <a:pt x="429603" y="53348"/>
-                  </a:lnTo>
-                  <a:lnTo>
-                    <a:pt x="491437" y="56049"/>
-                  </a:lnTo>
-                  <a:lnTo>
-                    <a:pt x="556340" y="58483"/>
-                  </a:lnTo>
-                  <a:lnTo>
-                    <a:pt x="624104" y="60637"/>
-                  </a:lnTo>
-                  <a:lnTo>
-                    <a:pt x="694518" y="62495"/>
-                  </a:lnTo>
-                  <a:lnTo>
-                    <a:pt x="767375" y="64046"/>
-                  </a:lnTo>
-                  <a:lnTo>
-                    <a:pt x="842466" y="65276"/>
-                  </a:lnTo>
-                  <a:lnTo>
-                    <a:pt x="919583" y="66171"/>
-                  </a:lnTo>
-                  <a:lnTo>
-                    <a:pt x="998515" y="66718"/>
-                  </a:lnTo>
-                  <a:lnTo>
-                    <a:pt x="1079055" y="66903"/>
-                  </a:lnTo>
-                  <a:lnTo>
-                    <a:pt x="1159595" y="66718"/>
-                  </a:lnTo>
-                  <a:lnTo>
-                    <a:pt x="1238527" y="66171"/>
-                  </a:lnTo>
-                  <a:lnTo>
-                    <a:pt x="1315643" y="65276"/>
-                  </a:lnTo>
-                  <a:lnTo>
-                    <a:pt x="1390734" y="64046"/>
-                  </a:lnTo>
-                  <a:lnTo>
-                    <a:pt x="1463590" y="62495"/>
-                  </a:lnTo>
-                  <a:lnTo>
-                    <a:pt x="1534004" y="60637"/>
-                  </a:lnTo>
-                  <a:lnTo>
-                    <a:pt x="1601766" y="58483"/>
-                  </a:lnTo>
-                  <a:lnTo>
-                    <a:pt x="1666667" y="56049"/>
-                  </a:lnTo>
-                  <a:lnTo>
-                    <a:pt x="1728499" y="53348"/>
-                  </a:lnTo>
-                  <a:lnTo>
-                    <a:pt x="1787052" y="50392"/>
-                  </a:lnTo>
-                  <a:lnTo>
-                    <a:pt x="1842119" y="47196"/>
-                  </a:lnTo>
-                  <a:lnTo>
-                    <a:pt x="1893489" y="43772"/>
-                  </a:lnTo>
-                  <a:lnTo>
-                    <a:pt x="1940955" y="40135"/>
-                  </a:lnTo>
-                  <a:lnTo>
-                    <a:pt x="1984308" y="36298"/>
-                  </a:lnTo>
-                  <a:lnTo>
-                    <a:pt x="2023338" y="32273"/>
-                  </a:lnTo>
-                  <a:lnTo>
-                    <a:pt x="2087596" y="23718"/>
-                  </a:lnTo>
-                  <a:lnTo>
-                    <a:pt x="2132059" y="14576"/>
-                  </a:lnTo>
-                  <a:lnTo>
-                    <a:pt x="2157983" y="0"/>
-                  </a:lnTo>
-                  <a:lnTo>
-                    <a:pt x="2157983" y="405383"/>
-                  </a:lnTo>
-                  <a:lnTo>
-                    <a:pt x="2112406" y="424556"/>
-                  </a:lnTo>
-                  <a:lnTo>
-                    <a:pt x="2057837" y="433403"/>
-                  </a:lnTo>
-                  <a:lnTo>
-                    <a:pt x="1984308" y="441612"/>
-                  </a:lnTo>
-                  <a:lnTo>
-                    <a:pt x="1940955" y="445444"/>
-                  </a:lnTo>
-                  <a:lnTo>
-                    <a:pt x="1893489" y="449076"/>
-                  </a:lnTo>
-                  <a:lnTo>
-                    <a:pt x="1842119" y="452496"/>
-                  </a:lnTo>
-                  <a:lnTo>
-                    <a:pt x="1787052" y="455688"/>
-                  </a:lnTo>
-                  <a:lnTo>
-                    <a:pt x="1728499" y="458641"/>
-                  </a:lnTo>
-                  <a:lnTo>
-                    <a:pt x="1666667" y="461340"/>
-                  </a:lnTo>
-                  <a:lnTo>
-                    <a:pt x="1601766" y="463772"/>
-                  </a:lnTo>
-                  <a:lnTo>
-                    <a:pt x="1534004" y="465923"/>
-                  </a:lnTo>
-                  <a:lnTo>
-                    <a:pt x="1463590" y="467780"/>
-                  </a:lnTo>
-                  <a:lnTo>
-                    <a:pt x="1390734" y="469330"/>
-                  </a:lnTo>
-                  <a:lnTo>
-                    <a:pt x="1315643" y="470559"/>
-                  </a:lnTo>
-                  <a:lnTo>
-                    <a:pt x="1238527" y="471454"/>
-                  </a:lnTo>
-                  <a:lnTo>
-                    <a:pt x="1159595" y="472000"/>
-                  </a:lnTo>
-                  <a:lnTo>
-                    <a:pt x="1079055" y="472185"/>
-                  </a:lnTo>
-                  <a:close/>
-                </a:path>
-              </a:pathLst>
-            </a:custGeom>
-            <a:solidFill>
-              <a:srgbClr val="DE545C"/>
-            </a:solidFill>
-          </p:spPr>
-          <p:txBody>
-            <a:bodyPr wrap="square" lIns="0" tIns="0" rIns="0" bIns="0" rtlCol="0"/>
-            <a:lstStyle/>
-            <a:p/>
-          </p:txBody>
-        </p:sp>
-        <p:pic>
-          <p:nvPicPr>
-            <p:cNvPr id="11" name="object 11"/>
-            <p:cNvPicPr/>
-            <p:nvPr/>
-          </p:nvPicPr>
-          <p:blipFill>
-            <a:blip r:embed="rId4" cstate="print"/>
-            <a:stretch>
-              <a:fillRect/>
-            </a:stretch>
-          </p:blipFill>
-          <p:spPr>
-            <a:xfrm>
-              <a:off x="3506724" y="3404616"/>
-              <a:ext cx="2164079" cy="141732"/>
-            </a:xfrm>
-            <a:prstGeom prst="rect">
-              <a:avLst/>
-            </a:prstGeom>
-          </p:spPr>
-        </p:pic>
-        <p:pic>
-          <p:nvPicPr>
-            <p:cNvPr id="12" name="object 12"/>
-            <p:cNvPicPr/>
-            <p:nvPr/>
-          </p:nvPicPr>
-          <p:blipFill>
-            <a:blip r:embed="rId5" cstate="print"/>
-            <a:stretch>
-              <a:fillRect/>
-            </a:stretch>
-          </p:blipFill>
-          <p:spPr>
-            <a:xfrm>
-              <a:off x="3503256" y="3401694"/>
-              <a:ext cx="2171103" cy="552450"/>
-            </a:xfrm>
-            <a:prstGeom prst="rect">
-              <a:avLst/>
-            </a:prstGeom>
-          </p:spPr>
-        </p:pic>
-        <p:pic>
-          <p:nvPicPr>
-            <p:cNvPr id="13" name="object 13"/>
-            <p:cNvPicPr/>
-            <p:nvPr/>
-          </p:nvPicPr>
-          <p:blipFill>
-            <a:blip r:embed="rId6" cstate="print"/>
-            <a:stretch>
-              <a:fillRect/>
-            </a:stretch>
-          </p:blipFill>
-          <p:spPr>
-            <a:xfrm>
-              <a:off x="7563296" y="4261815"/>
-              <a:ext cx="685023" cy="173989"/>
-            </a:xfrm>
-            <a:prstGeom prst="rect">
-              <a:avLst/>
-            </a:prstGeom>
-          </p:spPr>
-        </p:pic>
-        <p:sp>
-          <p:nvSpPr>
-            <p:cNvPr id="14" name="object 14"/>
-            <p:cNvSpPr/>
-            <p:nvPr/>
-          </p:nvSpPr>
-          <p:spPr>
-            <a:xfrm>
-              <a:off x="4055363" y="4704587"/>
-              <a:ext cx="1066800" cy="473075"/>
-            </a:xfrm>
-            <a:custGeom>
-              <a:avLst/>
-              <a:gdLst/>
-              <a:ahLst/>
-              <a:cxnLst/>
-              <a:rect l="l" t="t" r="r" b="b"/>
-              <a:pathLst>
-                <a:path w="1066800" h="473075">
-                  <a:moveTo>
-                    <a:pt x="533146" y="472821"/>
-                  </a:moveTo>
-                  <a:lnTo>
-                    <a:pt x="454324" y="472089"/>
-                  </a:lnTo>
-                  <a:lnTo>
-                    <a:pt x="379094" y="469963"/>
-                  </a:lnTo>
-                  <a:lnTo>
-                    <a:pt x="308282" y="466547"/>
-                  </a:lnTo>
-                  <a:lnTo>
-                    <a:pt x="242716" y="461948"/>
-                  </a:lnTo>
-                  <a:lnTo>
-                    <a:pt x="183220" y="456268"/>
-                  </a:lnTo>
-                  <a:lnTo>
-                    <a:pt x="130621" y="449614"/>
-                  </a:lnTo>
-                  <a:lnTo>
-                    <a:pt x="85745" y="442089"/>
-                  </a:lnTo>
-                  <a:lnTo>
-                    <a:pt x="22468" y="424848"/>
-                  </a:lnTo>
-                  <a:lnTo>
-                    <a:pt x="0" y="405384"/>
-                  </a:lnTo>
-                  <a:lnTo>
-                    <a:pt x="0" y="0"/>
-                  </a:lnTo>
-                  <a:lnTo>
-                    <a:pt x="5720" y="10052"/>
-                  </a:lnTo>
-                  <a:lnTo>
-                    <a:pt x="22468" y="19636"/>
-                  </a:lnTo>
-                  <a:lnTo>
-                    <a:pt x="85745" y="36988"/>
-                  </a:lnTo>
-                  <a:lnTo>
-                    <a:pt x="130621" y="44549"/>
-                  </a:lnTo>
-                  <a:lnTo>
-                    <a:pt x="183220" y="51229"/>
-                  </a:lnTo>
-                  <a:lnTo>
-                    <a:pt x="242716" y="56926"/>
-                  </a:lnTo>
-                  <a:lnTo>
-                    <a:pt x="308282" y="61537"/>
-                  </a:lnTo>
-                  <a:lnTo>
-                    <a:pt x="379094" y="64957"/>
-                  </a:lnTo>
-                  <a:lnTo>
-                    <a:pt x="454324" y="67085"/>
-                  </a:lnTo>
-                  <a:lnTo>
-                    <a:pt x="533146" y="67817"/>
-                  </a:lnTo>
-                  <a:lnTo>
-                    <a:pt x="611968" y="67085"/>
-                  </a:lnTo>
-                  <a:lnTo>
-                    <a:pt x="687200" y="64957"/>
-                  </a:lnTo>
-                  <a:lnTo>
-                    <a:pt x="758019" y="61537"/>
-                  </a:lnTo>
-                  <a:lnTo>
-                    <a:pt x="823600" y="56926"/>
-                  </a:lnTo>
-                  <a:lnTo>
-                    <a:pt x="883119" y="51229"/>
-                  </a:lnTo>
-                  <a:lnTo>
-                    <a:pt x="935753" y="44549"/>
-                  </a:lnTo>
-                  <a:lnTo>
-                    <a:pt x="980677" y="36988"/>
-                  </a:lnTo>
-                  <a:lnTo>
-                    <a:pt x="1044101" y="19636"/>
-                  </a:lnTo>
-                  <a:lnTo>
-                    <a:pt x="1066800" y="0"/>
-                  </a:lnTo>
-                  <a:lnTo>
-                    <a:pt x="1066800" y="405384"/>
-                  </a:lnTo>
-                  <a:lnTo>
-                    <a:pt x="1017068" y="433799"/>
-                  </a:lnTo>
-                  <a:lnTo>
-                    <a:pt x="935753" y="449614"/>
-                  </a:lnTo>
-                  <a:lnTo>
-                    <a:pt x="883119" y="456268"/>
-                  </a:lnTo>
-                  <a:lnTo>
-                    <a:pt x="823600" y="461948"/>
-                  </a:lnTo>
-                  <a:lnTo>
-                    <a:pt x="758019" y="466547"/>
-                  </a:lnTo>
-                  <a:lnTo>
-                    <a:pt x="687200" y="469963"/>
-                  </a:lnTo>
-                  <a:lnTo>
-                    <a:pt x="611968" y="472089"/>
-                  </a:lnTo>
-                  <a:lnTo>
-                    <a:pt x="533146" y="472821"/>
-                  </a:lnTo>
-                  <a:close/>
-                </a:path>
-              </a:pathLst>
-            </a:custGeom>
-            <a:solidFill>
-              <a:srgbClr val="DE545C"/>
-            </a:solidFill>
-          </p:spPr>
-          <p:txBody>
-            <a:bodyPr wrap="square" lIns="0" tIns="0" rIns="0" bIns="0" rtlCol="0"/>
-            <a:lstStyle/>
-            <a:p/>
-          </p:txBody>
-        </p:sp>
-        <p:pic>
-          <p:nvPicPr>
-            <p:cNvPr id="15" name="object 15"/>
-            <p:cNvPicPr/>
-            <p:nvPr/>
-          </p:nvPicPr>
-          <p:blipFill>
-            <a:blip r:embed="rId7" cstate="print"/>
-            <a:stretch>
-              <a:fillRect/>
-            </a:stretch>
-          </p:blipFill>
-          <p:spPr>
-            <a:xfrm>
-              <a:off x="4052315" y="4634483"/>
-              <a:ext cx="1072896" cy="141731"/>
-            </a:xfrm>
-            <a:prstGeom prst="rect">
-              <a:avLst/>
-            </a:prstGeom>
-          </p:spPr>
-        </p:pic>
-        <p:pic>
-          <p:nvPicPr>
-            <p:cNvPr id="16" name="object 16"/>
-            <p:cNvPicPr/>
-            <p:nvPr/>
-          </p:nvPicPr>
-          <p:blipFill>
-            <a:blip r:embed="rId8" cstate="print"/>
-            <a:stretch>
-              <a:fillRect/>
-            </a:stretch>
-          </p:blipFill>
-          <p:spPr>
-            <a:xfrm>
-              <a:off x="4048721" y="4631055"/>
-              <a:ext cx="1079505" cy="552450"/>
-            </a:xfrm>
-            <a:prstGeom prst="rect">
-              <a:avLst/>
-            </a:prstGeom>
-          </p:spPr>
-        </p:pic>
-        <p:sp>
-          <p:nvSpPr>
-            <p:cNvPr id="17" name="object 17"/>
-            <p:cNvSpPr/>
-            <p:nvPr/>
-          </p:nvSpPr>
-          <p:spPr>
-            <a:xfrm>
-              <a:off x="6423659" y="3127120"/>
-              <a:ext cx="664210" cy="614680"/>
-            </a:xfrm>
-            <a:custGeom>
-              <a:avLst/>
-              <a:gdLst/>
-              <a:ahLst/>
-              <a:cxnLst/>
-              <a:rect l="l" t="t" r="r" b="b"/>
-              <a:pathLst>
-                <a:path w="664209" h="614679">
-                  <a:moveTo>
-                    <a:pt x="166115" y="614299"/>
-                  </a:moveTo>
-                  <a:lnTo>
-                    <a:pt x="0" y="463423"/>
-                  </a:lnTo>
-                  <a:lnTo>
-                    <a:pt x="166115" y="282066"/>
-                  </a:lnTo>
-                  <a:lnTo>
-                    <a:pt x="166115" y="364363"/>
-                  </a:lnTo>
-                  <a:lnTo>
-                    <a:pt x="222379" y="352462"/>
-                  </a:lnTo>
-                  <a:lnTo>
-                    <a:pt x="276412" y="337244"/>
-                  </a:lnTo>
-                  <a:lnTo>
-                    <a:pt x="327968" y="318880"/>
-                  </a:lnTo>
-                  <a:lnTo>
-                    <a:pt x="376802" y="297541"/>
-                  </a:lnTo>
-                  <a:lnTo>
-                    <a:pt x="422666" y="273401"/>
-                  </a:lnTo>
-                  <a:lnTo>
-                    <a:pt x="465316" y="246630"/>
-                  </a:lnTo>
-                  <a:lnTo>
-                    <a:pt x="504505" y="217399"/>
-                  </a:lnTo>
-                  <a:lnTo>
-                    <a:pt x="539987" y="185882"/>
-                  </a:lnTo>
-                  <a:lnTo>
-                    <a:pt x="571515" y="152249"/>
-                  </a:lnTo>
-                  <a:lnTo>
-                    <a:pt x="598844" y="116673"/>
-                  </a:lnTo>
-                  <a:lnTo>
-                    <a:pt x="621727" y="79325"/>
-                  </a:lnTo>
-                  <a:lnTo>
-                    <a:pt x="639919" y="40376"/>
-                  </a:lnTo>
-                  <a:lnTo>
-                    <a:pt x="653173" y="0"/>
-                  </a:lnTo>
-                  <a:lnTo>
-                    <a:pt x="657836" y="20470"/>
-                  </a:lnTo>
-                  <a:lnTo>
-                    <a:pt x="661198" y="41187"/>
-                  </a:lnTo>
-                  <a:lnTo>
-                    <a:pt x="663233" y="62145"/>
-                  </a:lnTo>
-                  <a:lnTo>
-                    <a:pt x="663917" y="83337"/>
-                  </a:lnTo>
-                  <a:lnTo>
-                    <a:pt x="661134" y="125964"/>
-                  </a:lnTo>
-                  <a:lnTo>
-                    <a:pt x="652948" y="167504"/>
-                  </a:lnTo>
-                  <a:lnTo>
-                    <a:pt x="639602" y="207789"/>
-                  </a:lnTo>
-                  <a:lnTo>
-                    <a:pt x="621343" y="246651"/>
-                  </a:lnTo>
-                  <a:lnTo>
-                    <a:pt x="598414" y="283921"/>
-                  </a:lnTo>
-                  <a:lnTo>
-                    <a:pt x="571060" y="319430"/>
-                  </a:lnTo>
-                  <a:lnTo>
-                    <a:pt x="539526" y="353011"/>
-                  </a:lnTo>
-                  <a:lnTo>
-                    <a:pt x="504056" y="384494"/>
-                  </a:lnTo>
-                  <a:lnTo>
-                    <a:pt x="464895" y="413711"/>
-                  </a:lnTo>
-                  <a:lnTo>
-                    <a:pt x="422288" y="440495"/>
-                  </a:lnTo>
-                  <a:lnTo>
-                    <a:pt x="376479" y="464675"/>
-                  </a:lnTo>
-                  <a:lnTo>
-                    <a:pt x="327712" y="486085"/>
-                  </a:lnTo>
-                  <a:lnTo>
-                    <a:pt x="276233" y="504555"/>
-                  </a:lnTo>
-                  <a:lnTo>
-                    <a:pt x="222286" y="519917"/>
-                  </a:lnTo>
-                  <a:lnTo>
-                    <a:pt x="166115" y="532002"/>
-                  </a:lnTo>
-                  <a:lnTo>
-                    <a:pt x="166115" y="614299"/>
-                  </a:lnTo>
-                  <a:close/>
-                </a:path>
-              </a:pathLst>
-            </a:custGeom>
-            <a:solidFill>
-              <a:srgbClr val="FFC000"/>
-            </a:solidFill>
-          </p:spPr>
-          <p:txBody>
-            <a:bodyPr wrap="square" lIns="0" tIns="0" rIns="0" bIns="0" rtlCol="0"/>
-            <a:lstStyle/>
-            <a:p/>
-          </p:txBody>
-        </p:sp>
-        <p:pic>
-          <p:nvPicPr>
-            <p:cNvPr id="18" name="object 18"/>
-            <p:cNvPicPr/>
-            <p:nvPr/>
-          </p:nvPicPr>
-          <p:blipFill>
-            <a:blip r:embed="rId9" cstate="print"/>
-            <a:stretch>
-              <a:fillRect/>
-            </a:stretch>
-          </p:blipFill>
-          <p:spPr>
-            <a:xfrm>
-              <a:off x="6420612" y="2578607"/>
-              <a:ext cx="670560" cy="633984"/>
-            </a:xfrm>
-            <a:prstGeom prst="rect">
-              <a:avLst/>
-            </a:prstGeom>
-          </p:spPr>
-        </p:pic>
-        <p:pic>
-          <p:nvPicPr>
-            <p:cNvPr id="19" name="object 19"/>
-            <p:cNvPicPr/>
-            <p:nvPr/>
-          </p:nvPicPr>
-          <p:blipFill>
-            <a:blip r:embed="rId10" cstate="print"/>
-            <a:stretch>
-              <a:fillRect/>
-            </a:stretch>
-          </p:blipFill>
-          <p:spPr>
-            <a:xfrm>
-              <a:off x="6414033" y="2574874"/>
-              <a:ext cx="680186" cy="1179830"/>
-            </a:xfrm>
-            <a:prstGeom prst="rect">
-              <a:avLst/>
-            </a:prstGeom>
-          </p:spPr>
-        </p:pic>
-        <p:sp>
-          <p:nvSpPr>
-            <p:cNvPr id="20" name="object 20"/>
-            <p:cNvSpPr/>
-            <p:nvPr/>
-          </p:nvSpPr>
-          <p:spPr>
-            <a:xfrm>
-              <a:off x="6522720" y="4462525"/>
-              <a:ext cx="664845" cy="614045"/>
-            </a:xfrm>
-            <a:custGeom>
-              <a:avLst/>
-              <a:gdLst/>
-              <a:ahLst/>
-              <a:cxnLst/>
-              <a:rect l="l" t="t" r="r" b="b"/>
-              <a:pathLst>
-                <a:path w="664845" h="614045">
-                  <a:moveTo>
-                    <a:pt x="166115" y="613918"/>
-                  </a:moveTo>
-                  <a:lnTo>
-                    <a:pt x="0" y="463041"/>
-                  </a:lnTo>
-                  <a:lnTo>
-                    <a:pt x="166115" y="281686"/>
-                  </a:lnTo>
-                  <a:lnTo>
-                    <a:pt x="166115" y="365506"/>
-                  </a:lnTo>
-                  <a:lnTo>
-                    <a:pt x="222514" y="353361"/>
-                  </a:lnTo>
-                  <a:lnTo>
-                    <a:pt x="276662" y="337936"/>
-                  </a:lnTo>
-                  <a:lnTo>
-                    <a:pt x="328314" y="319400"/>
-                  </a:lnTo>
-                  <a:lnTo>
-                    <a:pt x="377226" y="297921"/>
-                  </a:lnTo>
-                  <a:lnTo>
-                    <a:pt x="423153" y="273667"/>
-                  </a:lnTo>
-                  <a:lnTo>
-                    <a:pt x="465852" y="246808"/>
-                  </a:lnTo>
-                  <a:lnTo>
-                    <a:pt x="505078" y="217512"/>
-                  </a:lnTo>
-                  <a:lnTo>
-                    <a:pt x="540585" y="185947"/>
-                  </a:lnTo>
-                  <a:lnTo>
-                    <a:pt x="572131" y="152283"/>
-                  </a:lnTo>
-                  <a:lnTo>
-                    <a:pt x="599471" y="116687"/>
-                  </a:lnTo>
-                  <a:lnTo>
-                    <a:pt x="622360" y="79329"/>
-                  </a:lnTo>
-                  <a:lnTo>
-                    <a:pt x="640554" y="40377"/>
-                  </a:lnTo>
-                  <a:lnTo>
-                    <a:pt x="653808" y="0"/>
-                  </a:lnTo>
-                  <a:lnTo>
-                    <a:pt x="658471" y="20470"/>
-                  </a:lnTo>
-                  <a:lnTo>
-                    <a:pt x="661833" y="41187"/>
-                  </a:lnTo>
-                  <a:lnTo>
-                    <a:pt x="663868" y="62145"/>
-                  </a:lnTo>
-                  <a:lnTo>
-                    <a:pt x="664552" y="83337"/>
-                  </a:lnTo>
-                  <a:lnTo>
-                    <a:pt x="661769" y="125964"/>
-                  </a:lnTo>
-                  <a:lnTo>
-                    <a:pt x="653581" y="167503"/>
-                  </a:lnTo>
-                  <a:lnTo>
-                    <a:pt x="640232" y="207786"/>
-                  </a:lnTo>
-                  <a:lnTo>
-                    <a:pt x="621966" y="246644"/>
-                  </a:lnTo>
-                  <a:lnTo>
-                    <a:pt x="599026" y="283907"/>
-                  </a:lnTo>
-                  <a:lnTo>
-                    <a:pt x="571655" y="319406"/>
-                  </a:lnTo>
-                  <a:lnTo>
-                    <a:pt x="540097" y="352972"/>
-                  </a:lnTo>
-                  <a:lnTo>
-                    <a:pt x="504595" y="384436"/>
-                  </a:lnTo>
-                  <a:lnTo>
-                    <a:pt x="465393" y="413629"/>
-                  </a:lnTo>
-                  <a:lnTo>
-                    <a:pt x="422735" y="440382"/>
-                  </a:lnTo>
-                  <a:lnTo>
-                    <a:pt x="376863" y="464525"/>
-                  </a:lnTo>
-                  <a:lnTo>
-                    <a:pt x="328022" y="485890"/>
-                  </a:lnTo>
-                  <a:lnTo>
-                    <a:pt x="276455" y="504307"/>
-                  </a:lnTo>
-                  <a:lnTo>
-                    <a:pt x="222405" y="519607"/>
-                  </a:lnTo>
-                  <a:lnTo>
-                    <a:pt x="166115" y="531622"/>
-                  </a:lnTo>
-                  <a:lnTo>
-                    <a:pt x="166115" y="613918"/>
-                  </a:lnTo>
-                  <a:close/>
-                </a:path>
-              </a:pathLst>
-            </a:custGeom>
-            <a:solidFill>
-              <a:srgbClr val="FFC000"/>
-            </a:solidFill>
-          </p:spPr>
-          <p:txBody>
-            <a:bodyPr wrap="square" lIns="0" tIns="0" rIns="0" bIns="0" rtlCol="0"/>
-            <a:lstStyle/>
-            <a:p/>
-          </p:txBody>
-        </p:sp>
-        <p:pic>
-          <p:nvPicPr>
-            <p:cNvPr id="21" name="object 21"/>
-            <p:cNvPicPr/>
-            <p:nvPr/>
-          </p:nvPicPr>
-          <p:blipFill>
-            <a:blip r:embed="rId11" cstate="print"/>
-            <a:stretch>
-              <a:fillRect/>
-            </a:stretch>
-          </p:blipFill>
-          <p:spPr>
-            <a:xfrm>
-              <a:off x="6519671" y="3913632"/>
-              <a:ext cx="670559" cy="635507"/>
-            </a:xfrm>
-            <a:prstGeom prst="rect">
-              <a:avLst/>
-            </a:prstGeom>
-          </p:spPr>
-        </p:pic>
-        <p:pic>
-          <p:nvPicPr>
-            <p:cNvPr id="22" name="object 22"/>
-            <p:cNvPicPr/>
-            <p:nvPr/>
-          </p:nvPicPr>
-          <p:blipFill>
-            <a:blip r:embed="rId12" cstate="print"/>
-            <a:stretch>
-              <a:fillRect/>
-            </a:stretch>
-          </p:blipFill>
-          <p:spPr>
-            <a:xfrm>
-              <a:off x="6513728" y="3910279"/>
-              <a:ext cx="680186" cy="1179830"/>
-            </a:xfrm>
-            <a:prstGeom prst="rect">
-              <a:avLst/>
-            </a:prstGeom>
-          </p:spPr>
-        </p:pic>
-      </p:grpSp>
+          <a:custGeom>
+            <a:avLst/>
+            <a:gdLst/>
+            <a:ahLst/>
+            <a:cxnLst/>
+            <a:rect l="l" t="t" r="r" b="b"/>
+            <a:pathLst>
+              <a:path w="2167255" h="91440">
+                <a:moveTo>
+                  <a:pt x="2167128" y="91439"/>
+                </a:moveTo>
+                <a:lnTo>
+                  <a:pt x="0" y="91439"/>
+                </a:lnTo>
+                <a:lnTo>
+                  <a:pt x="0" y="0"/>
+                </a:lnTo>
+                <a:lnTo>
+                  <a:pt x="2167128" y="0"/>
+                </a:lnTo>
+                <a:lnTo>
+                  <a:pt x="2167128" y="91439"/>
+                </a:lnTo>
+                <a:close/>
+              </a:path>
+            </a:pathLst>
+          </a:custGeom>
+          <a:solidFill>
+            <a:srgbClr val="DF535D"/>
+          </a:solidFill>
+        </p:spPr>
+        <p:txBody>
+          <a:bodyPr wrap="square" lIns="0" tIns="0" rIns="0" bIns="0" rtlCol="0"/>
+          <a:lstStyle/>
+          <a:p/>
+        </p:txBody>
+      </p:sp>
+      <p:sp>
+        <p:nvSpPr>
+          <p:cNvPr id="5" name="object 5"/>
+          <p:cNvSpPr/>
+          <p:nvPr/>
+        </p:nvSpPr>
+        <p:spPr>
+          <a:xfrm>
+            <a:off x="859790" y="1143000"/>
+            <a:ext cx="2179955" cy="104140"/>
+          </a:xfrm>
+          <a:custGeom>
+            <a:avLst/>
+            <a:gdLst/>
+            <a:ahLst/>
+            <a:cxnLst/>
+            <a:rect l="l" t="t" r="r" b="b"/>
+            <a:pathLst>
+              <a:path w="2179955" h="104140">
+                <a:moveTo>
+                  <a:pt x="2179955" y="104140"/>
+                </a:moveTo>
+                <a:lnTo>
+                  <a:pt x="0" y="104140"/>
+                </a:lnTo>
+                <a:lnTo>
+                  <a:pt x="0" y="0"/>
+                </a:lnTo>
+                <a:lnTo>
+                  <a:pt x="2179955" y="0"/>
+                </a:lnTo>
+                <a:lnTo>
+                  <a:pt x="2179955" y="6350"/>
+                </a:lnTo>
+                <a:lnTo>
+                  <a:pt x="12700" y="6350"/>
+                </a:lnTo>
+                <a:lnTo>
+                  <a:pt x="6350" y="12700"/>
+                </a:lnTo>
+                <a:lnTo>
+                  <a:pt x="12700" y="12700"/>
+                </a:lnTo>
+                <a:lnTo>
+                  <a:pt x="12700" y="91440"/>
+                </a:lnTo>
+                <a:lnTo>
+                  <a:pt x="6350" y="91440"/>
+                </a:lnTo>
+                <a:lnTo>
+                  <a:pt x="12700" y="97790"/>
+                </a:lnTo>
+                <a:lnTo>
+                  <a:pt x="2179955" y="97790"/>
+                </a:lnTo>
+                <a:lnTo>
+                  <a:pt x="2179955" y="104140"/>
+                </a:lnTo>
+                <a:close/>
+              </a:path>
+              <a:path w="2179955" h="104140">
+                <a:moveTo>
+                  <a:pt x="12700" y="12700"/>
+                </a:moveTo>
+                <a:lnTo>
+                  <a:pt x="6350" y="12700"/>
+                </a:lnTo>
+                <a:lnTo>
+                  <a:pt x="12700" y="6350"/>
+                </a:lnTo>
+                <a:lnTo>
+                  <a:pt x="12700" y="12700"/>
+                </a:lnTo>
+                <a:close/>
+              </a:path>
+              <a:path w="2179955" h="104140">
+                <a:moveTo>
+                  <a:pt x="2167255" y="12700"/>
+                </a:moveTo>
+                <a:lnTo>
+                  <a:pt x="12700" y="12700"/>
+                </a:lnTo>
+                <a:lnTo>
+                  <a:pt x="12700" y="6350"/>
+                </a:lnTo>
+                <a:lnTo>
+                  <a:pt x="2167255" y="6350"/>
+                </a:lnTo>
+                <a:lnTo>
+                  <a:pt x="2167255" y="12700"/>
+                </a:lnTo>
+                <a:close/>
+              </a:path>
+              <a:path w="2179955" h="104140">
+                <a:moveTo>
+                  <a:pt x="2167255" y="97790"/>
+                </a:moveTo>
+                <a:lnTo>
+                  <a:pt x="2167255" y="6350"/>
+                </a:lnTo>
+                <a:lnTo>
+                  <a:pt x="2173605" y="12700"/>
+                </a:lnTo>
+                <a:lnTo>
+                  <a:pt x="2179955" y="12700"/>
+                </a:lnTo>
+                <a:lnTo>
+                  <a:pt x="2179955" y="91440"/>
+                </a:lnTo>
+                <a:lnTo>
+                  <a:pt x="2173605" y="91440"/>
+                </a:lnTo>
+                <a:lnTo>
+                  <a:pt x="2167255" y="97790"/>
+                </a:lnTo>
+                <a:close/>
+              </a:path>
+              <a:path w="2179955" h="104140">
+                <a:moveTo>
+                  <a:pt x="2179955" y="12700"/>
+                </a:moveTo>
+                <a:lnTo>
+                  <a:pt x="2173605" y="12700"/>
+                </a:lnTo>
+                <a:lnTo>
+                  <a:pt x="2167255" y="6350"/>
+                </a:lnTo>
+                <a:lnTo>
+                  <a:pt x="2179955" y="6350"/>
+                </a:lnTo>
+                <a:lnTo>
+                  <a:pt x="2179955" y="12700"/>
+                </a:lnTo>
+                <a:close/>
+              </a:path>
+              <a:path w="2179955" h="104140">
+                <a:moveTo>
+                  <a:pt x="12700" y="97790"/>
+                </a:moveTo>
+                <a:lnTo>
+                  <a:pt x="6350" y="91440"/>
+                </a:lnTo>
+                <a:lnTo>
+                  <a:pt x="12700" y="91440"/>
+                </a:lnTo>
+                <a:lnTo>
+                  <a:pt x="12700" y="97790"/>
+                </a:lnTo>
+                <a:close/>
+              </a:path>
+              <a:path w="2179955" h="104140">
+                <a:moveTo>
+                  <a:pt x="2167255" y="97790"/>
+                </a:moveTo>
+                <a:lnTo>
+                  <a:pt x="12700" y="97790"/>
+                </a:lnTo>
+                <a:lnTo>
+                  <a:pt x="12700" y="91440"/>
+                </a:lnTo>
+                <a:lnTo>
+                  <a:pt x="2167255" y="91440"/>
+                </a:lnTo>
+                <a:lnTo>
+                  <a:pt x="2167255" y="97790"/>
+                </a:lnTo>
+                <a:close/>
+              </a:path>
+              <a:path w="2179955" h="104140">
+                <a:moveTo>
+                  <a:pt x="2179955" y="97790"/>
+                </a:moveTo>
+                <a:lnTo>
+                  <a:pt x="2167255" y="97790"/>
+                </a:lnTo>
+                <a:lnTo>
+                  <a:pt x="2173605" y="91440"/>
+                </a:lnTo>
+                <a:lnTo>
+                  <a:pt x="2179955" y="91440"/>
+                </a:lnTo>
+                <a:lnTo>
+                  <a:pt x="2179955" y="97790"/>
+                </a:lnTo>
+                <a:close/>
+              </a:path>
+            </a:pathLst>
+          </a:custGeom>
+          <a:solidFill>
+            <a:srgbClr val="DE545C"/>
+          </a:solidFill>
+        </p:spPr>
+        <p:txBody>
+          <a:bodyPr wrap="square" lIns="0" tIns="0" rIns="0" bIns="0" rtlCol="0"/>
+          <a:lstStyle/>
+          <a:p/>
+        </p:txBody>
+      </p:sp>
+      <p:sp>
+        <p:nvSpPr>
+          <p:cNvPr id="6" name="object 6"/>
+          <p:cNvSpPr/>
+          <p:nvPr/>
+        </p:nvSpPr>
+        <p:spPr>
+          <a:xfrm>
+            <a:off x="2976245" y="2284095"/>
+            <a:ext cx="3268980" cy="473075"/>
+          </a:xfrm>
+          <a:custGeom>
+            <a:avLst/>
+            <a:gdLst/>
+            <a:ahLst/>
+            <a:cxnLst/>
+            <a:rect l="l" t="t" r="r" b="b"/>
+            <a:pathLst>
+              <a:path w="3268979" h="473075">
+                <a:moveTo>
+                  <a:pt x="1716274" y="472992"/>
+                </a:moveTo>
+                <a:lnTo>
+                  <a:pt x="1553086" y="472992"/>
+                </a:lnTo>
+                <a:lnTo>
+                  <a:pt x="1393100" y="472342"/>
+                </a:lnTo>
+                <a:lnTo>
+                  <a:pt x="1238005" y="471073"/>
+                </a:lnTo>
+                <a:lnTo>
+                  <a:pt x="1088551" y="469214"/>
+                </a:lnTo>
+                <a:lnTo>
+                  <a:pt x="945488" y="466796"/>
+                </a:lnTo>
+                <a:lnTo>
+                  <a:pt x="809565" y="463851"/>
+                </a:lnTo>
+                <a:lnTo>
+                  <a:pt x="681532" y="460408"/>
+                </a:lnTo>
+                <a:lnTo>
+                  <a:pt x="562137" y="456498"/>
+                </a:lnTo>
+                <a:lnTo>
+                  <a:pt x="452131" y="452153"/>
+                </a:lnTo>
+                <a:lnTo>
+                  <a:pt x="352263" y="447402"/>
+                </a:lnTo>
+                <a:lnTo>
+                  <a:pt x="263282" y="442277"/>
+                </a:lnTo>
+                <a:lnTo>
+                  <a:pt x="223109" y="439584"/>
+                </a:lnTo>
+                <a:lnTo>
+                  <a:pt x="151864" y="433955"/>
+                </a:lnTo>
+                <a:lnTo>
+                  <a:pt x="93380" y="428028"/>
+                </a:lnTo>
+                <a:lnTo>
+                  <a:pt x="48407" y="421835"/>
+                </a:lnTo>
+                <a:lnTo>
+                  <a:pt x="7918" y="412110"/>
+                </a:lnTo>
+                <a:lnTo>
+                  <a:pt x="0" y="405384"/>
+                </a:lnTo>
+                <a:lnTo>
+                  <a:pt x="0" y="0"/>
+                </a:lnTo>
+                <a:lnTo>
+                  <a:pt x="1989" y="3418"/>
+                </a:lnTo>
+                <a:lnTo>
+                  <a:pt x="7918" y="6792"/>
+                </a:lnTo>
+                <a:lnTo>
+                  <a:pt x="48407" y="16599"/>
+                </a:lnTo>
+                <a:lnTo>
+                  <a:pt x="93380" y="22839"/>
+                </a:lnTo>
+                <a:lnTo>
+                  <a:pt x="151864" y="28806"/>
+                </a:lnTo>
+                <a:lnTo>
+                  <a:pt x="223109" y="34468"/>
+                </a:lnTo>
+                <a:lnTo>
+                  <a:pt x="263282" y="37176"/>
+                </a:lnTo>
+                <a:lnTo>
+                  <a:pt x="352263" y="42327"/>
+                </a:lnTo>
+                <a:lnTo>
+                  <a:pt x="452131" y="47098"/>
+                </a:lnTo>
+                <a:lnTo>
+                  <a:pt x="562137" y="51459"/>
+                </a:lnTo>
+                <a:lnTo>
+                  <a:pt x="681532" y="55381"/>
+                </a:lnTo>
+                <a:lnTo>
+                  <a:pt x="809565" y="58833"/>
+                </a:lnTo>
+                <a:lnTo>
+                  <a:pt x="945488" y="61785"/>
+                </a:lnTo>
+                <a:lnTo>
+                  <a:pt x="1088551" y="64207"/>
+                </a:lnTo>
+                <a:lnTo>
+                  <a:pt x="1238005" y="66068"/>
+                </a:lnTo>
+                <a:lnTo>
+                  <a:pt x="1393100" y="67339"/>
+                </a:lnTo>
+                <a:lnTo>
+                  <a:pt x="1553086" y="67989"/>
+                </a:lnTo>
+                <a:lnTo>
+                  <a:pt x="1716274" y="67989"/>
+                </a:lnTo>
+                <a:lnTo>
+                  <a:pt x="1876260" y="67339"/>
+                </a:lnTo>
+                <a:lnTo>
+                  <a:pt x="2031354" y="66068"/>
+                </a:lnTo>
+                <a:lnTo>
+                  <a:pt x="2180805" y="64207"/>
+                </a:lnTo>
+                <a:lnTo>
+                  <a:pt x="2323864" y="61785"/>
+                </a:lnTo>
+                <a:lnTo>
+                  <a:pt x="2459781" y="58833"/>
+                </a:lnTo>
+                <a:lnTo>
+                  <a:pt x="2587805" y="55381"/>
+                </a:lnTo>
+                <a:lnTo>
+                  <a:pt x="2707187" y="51459"/>
+                </a:lnTo>
+                <a:lnTo>
+                  <a:pt x="2817177" y="47098"/>
+                </a:lnTo>
+                <a:lnTo>
+                  <a:pt x="2917024" y="42327"/>
+                </a:lnTo>
+                <a:lnTo>
+                  <a:pt x="3005979" y="37176"/>
+                </a:lnTo>
+                <a:lnTo>
+                  <a:pt x="3046138" y="34468"/>
+                </a:lnTo>
+                <a:lnTo>
+                  <a:pt x="3117349" y="28806"/>
+                </a:lnTo>
+                <a:lnTo>
+                  <a:pt x="3175793" y="22839"/>
+                </a:lnTo>
+                <a:lnTo>
+                  <a:pt x="3220720" y="16599"/>
+                </a:lnTo>
+                <a:lnTo>
+                  <a:pt x="3261126" y="6792"/>
+                </a:lnTo>
+                <a:lnTo>
+                  <a:pt x="3268979" y="0"/>
+                </a:lnTo>
+                <a:lnTo>
+                  <a:pt x="3268979" y="405384"/>
+                </a:lnTo>
+                <a:lnTo>
+                  <a:pt x="3220720" y="421835"/>
+                </a:lnTo>
+                <a:lnTo>
+                  <a:pt x="3175793" y="428028"/>
+                </a:lnTo>
+                <a:lnTo>
+                  <a:pt x="3117349" y="433955"/>
+                </a:lnTo>
+                <a:lnTo>
+                  <a:pt x="3046138" y="439584"/>
+                </a:lnTo>
+                <a:lnTo>
+                  <a:pt x="3005979" y="442277"/>
+                </a:lnTo>
+                <a:lnTo>
+                  <a:pt x="2917024" y="447402"/>
+                </a:lnTo>
+                <a:lnTo>
+                  <a:pt x="2817177" y="452153"/>
+                </a:lnTo>
+                <a:lnTo>
+                  <a:pt x="2707187" y="456498"/>
+                </a:lnTo>
+                <a:lnTo>
+                  <a:pt x="2587805" y="460408"/>
+                </a:lnTo>
+                <a:lnTo>
+                  <a:pt x="2459781" y="463851"/>
+                </a:lnTo>
+                <a:lnTo>
+                  <a:pt x="2323864" y="466796"/>
+                </a:lnTo>
+                <a:lnTo>
+                  <a:pt x="2180805" y="469214"/>
+                </a:lnTo>
+                <a:lnTo>
+                  <a:pt x="2031354" y="471073"/>
+                </a:lnTo>
+                <a:lnTo>
+                  <a:pt x="1876260" y="472342"/>
+                </a:lnTo>
+                <a:lnTo>
+                  <a:pt x="1716274" y="472992"/>
+                </a:lnTo>
+                <a:close/>
+              </a:path>
+            </a:pathLst>
+          </a:custGeom>
+          <a:solidFill>
+            <a:srgbClr val="DF535D"/>
+          </a:solidFill>
+        </p:spPr>
+        <p:txBody>
+          <a:bodyPr wrap="square" lIns="0" tIns="0" rIns="0" bIns="0" rtlCol="0"/>
+          <a:lstStyle/>
+          <a:p/>
+        </p:txBody>
+      </p:sp>
+      <p:pic>
+        <p:nvPicPr>
+          <p:cNvPr id="7" name="object 7"/>
+          <p:cNvPicPr/>
+          <p:nvPr/>
+        </p:nvPicPr>
+        <p:blipFill>
+          <a:blip r:embed="rId1" cstate="print"/>
+          <a:stretch>
+            <a:fillRect/>
+          </a:stretch>
+        </p:blipFill>
+        <p:spPr>
+          <a:xfrm>
+            <a:off x="2973070" y="2214245"/>
+            <a:ext cx="3275330" cy="141605"/>
+          </a:xfrm>
+          <a:prstGeom prst="rect">
+            <a:avLst/>
+          </a:prstGeom>
+        </p:spPr>
+      </p:pic>
+      <p:pic>
+        <p:nvPicPr>
+          <p:cNvPr id="8" name="object 8"/>
+          <p:cNvPicPr/>
+          <p:nvPr/>
+        </p:nvPicPr>
+        <p:blipFill>
+          <a:blip r:embed="rId2" cstate="print"/>
+          <a:stretch>
+            <a:fillRect/>
+          </a:stretch>
+        </p:blipFill>
+        <p:spPr>
+          <a:xfrm>
+            <a:off x="2969895" y="2211070"/>
+            <a:ext cx="3282315" cy="552450"/>
+          </a:xfrm>
+          <a:prstGeom prst="rect">
+            <a:avLst/>
+          </a:prstGeom>
+        </p:spPr>
+      </p:pic>
+      <p:sp>
+        <p:nvSpPr>
+          <p:cNvPr id="10" name="object 10"/>
+          <p:cNvSpPr/>
+          <p:nvPr/>
+        </p:nvSpPr>
+        <p:spPr>
+          <a:xfrm>
+            <a:off x="3532505" y="3495675"/>
+            <a:ext cx="2158365" cy="472440"/>
+          </a:xfrm>
+          <a:custGeom>
+            <a:avLst/>
+            <a:gdLst/>
+            <a:ahLst/>
+            <a:cxnLst/>
+            <a:rect l="l" t="t" r="r" b="b"/>
+            <a:pathLst>
+              <a:path w="2158365" h="472439">
+                <a:moveTo>
+                  <a:pt x="1079055" y="472185"/>
+                </a:moveTo>
+                <a:lnTo>
+                  <a:pt x="998515" y="472000"/>
+                </a:lnTo>
+                <a:lnTo>
+                  <a:pt x="919583" y="471454"/>
+                </a:lnTo>
+                <a:lnTo>
+                  <a:pt x="842466" y="470559"/>
+                </a:lnTo>
+                <a:lnTo>
+                  <a:pt x="767375" y="469330"/>
+                </a:lnTo>
+                <a:lnTo>
+                  <a:pt x="694518" y="467780"/>
+                </a:lnTo>
+                <a:lnTo>
+                  <a:pt x="624104" y="465923"/>
+                </a:lnTo>
+                <a:lnTo>
+                  <a:pt x="556340" y="463772"/>
+                </a:lnTo>
+                <a:lnTo>
+                  <a:pt x="491437" y="461340"/>
+                </a:lnTo>
+                <a:lnTo>
+                  <a:pt x="429603" y="458641"/>
+                </a:lnTo>
+                <a:lnTo>
+                  <a:pt x="371046" y="455688"/>
+                </a:lnTo>
+                <a:lnTo>
+                  <a:pt x="315976" y="452496"/>
+                </a:lnTo>
+                <a:lnTo>
+                  <a:pt x="264600" y="449076"/>
+                </a:lnTo>
+                <a:lnTo>
+                  <a:pt x="217128" y="445444"/>
+                </a:lnTo>
+                <a:lnTo>
+                  <a:pt x="173769" y="441612"/>
+                </a:lnTo>
+                <a:lnTo>
+                  <a:pt x="134732" y="437594"/>
+                </a:lnTo>
+                <a:lnTo>
+                  <a:pt x="70455" y="429052"/>
+                </a:lnTo>
+                <a:lnTo>
+                  <a:pt x="25969" y="419928"/>
+                </a:lnTo>
+                <a:lnTo>
+                  <a:pt x="0" y="405383"/>
+                </a:lnTo>
+                <a:lnTo>
+                  <a:pt x="0" y="0"/>
+                </a:lnTo>
+                <a:lnTo>
+                  <a:pt x="2943" y="4956"/>
+                </a:lnTo>
+                <a:lnTo>
+                  <a:pt x="11669" y="9819"/>
+                </a:lnTo>
+                <a:lnTo>
+                  <a:pt x="70455" y="23718"/>
+                </a:lnTo>
+                <a:lnTo>
+                  <a:pt x="134732" y="32273"/>
+                </a:lnTo>
+                <a:lnTo>
+                  <a:pt x="173769" y="36298"/>
+                </a:lnTo>
+                <a:lnTo>
+                  <a:pt x="217128" y="40135"/>
+                </a:lnTo>
+                <a:lnTo>
+                  <a:pt x="264600" y="43772"/>
+                </a:lnTo>
+                <a:lnTo>
+                  <a:pt x="315975" y="47196"/>
+                </a:lnTo>
+                <a:lnTo>
+                  <a:pt x="371046" y="50392"/>
+                </a:lnTo>
+                <a:lnTo>
+                  <a:pt x="429603" y="53348"/>
+                </a:lnTo>
+                <a:lnTo>
+                  <a:pt x="491437" y="56049"/>
+                </a:lnTo>
+                <a:lnTo>
+                  <a:pt x="556340" y="58483"/>
+                </a:lnTo>
+                <a:lnTo>
+                  <a:pt x="624104" y="60637"/>
+                </a:lnTo>
+                <a:lnTo>
+                  <a:pt x="694518" y="62495"/>
+                </a:lnTo>
+                <a:lnTo>
+                  <a:pt x="767375" y="64046"/>
+                </a:lnTo>
+                <a:lnTo>
+                  <a:pt x="842466" y="65276"/>
+                </a:lnTo>
+                <a:lnTo>
+                  <a:pt x="919583" y="66171"/>
+                </a:lnTo>
+                <a:lnTo>
+                  <a:pt x="998515" y="66718"/>
+                </a:lnTo>
+                <a:lnTo>
+                  <a:pt x="1079055" y="66903"/>
+                </a:lnTo>
+                <a:lnTo>
+                  <a:pt x="1159595" y="66718"/>
+                </a:lnTo>
+                <a:lnTo>
+                  <a:pt x="1238527" y="66171"/>
+                </a:lnTo>
+                <a:lnTo>
+                  <a:pt x="1315643" y="65276"/>
+                </a:lnTo>
+                <a:lnTo>
+                  <a:pt x="1390734" y="64046"/>
+                </a:lnTo>
+                <a:lnTo>
+                  <a:pt x="1463590" y="62495"/>
+                </a:lnTo>
+                <a:lnTo>
+                  <a:pt x="1534004" y="60637"/>
+                </a:lnTo>
+                <a:lnTo>
+                  <a:pt x="1601766" y="58483"/>
+                </a:lnTo>
+                <a:lnTo>
+                  <a:pt x="1666667" y="56049"/>
+                </a:lnTo>
+                <a:lnTo>
+                  <a:pt x="1728499" y="53348"/>
+                </a:lnTo>
+                <a:lnTo>
+                  <a:pt x="1787052" y="50392"/>
+                </a:lnTo>
+                <a:lnTo>
+                  <a:pt x="1842119" y="47196"/>
+                </a:lnTo>
+                <a:lnTo>
+                  <a:pt x="1893489" y="43772"/>
+                </a:lnTo>
+                <a:lnTo>
+                  <a:pt x="1940955" y="40135"/>
+                </a:lnTo>
+                <a:lnTo>
+                  <a:pt x="1984308" y="36298"/>
+                </a:lnTo>
+                <a:lnTo>
+                  <a:pt x="2023338" y="32273"/>
+                </a:lnTo>
+                <a:lnTo>
+                  <a:pt x="2087596" y="23718"/>
+                </a:lnTo>
+                <a:lnTo>
+                  <a:pt x="2132059" y="14576"/>
+                </a:lnTo>
+                <a:lnTo>
+                  <a:pt x="2157983" y="0"/>
+                </a:lnTo>
+                <a:lnTo>
+                  <a:pt x="2157983" y="405383"/>
+                </a:lnTo>
+                <a:lnTo>
+                  <a:pt x="2112406" y="424556"/>
+                </a:lnTo>
+                <a:lnTo>
+                  <a:pt x="2057837" y="433403"/>
+                </a:lnTo>
+                <a:lnTo>
+                  <a:pt x="1984308" y="441612"/>
+                </a:lnTo>
+                <a:lnTo>
+                  <a:pt x="1940955" y="445444"/>
+                </a:lnTo>
+                <a:lnTo>
+                  <a:pt x="1893489" y="449076"/>
+                </a:lnTo>
+                <a:lnTo>
+                  <a:pt x="1842119" y="452496"/>
+                </a:lnTo>
+                <a:lnTo>
+                  <a:pt x="1787052" y="455688"/>
+                </a:lnTo>
+                <a:lnTo>
+                  <a:pt x="1728499" y="458641"/>
+                </a:lnTo>
+                <a:lnTo>
+                  <a:pt x="1666667" y="461340"/>
+                </a:lnTo>
+                <a:lnTo>
+                  <a:pt x="1601766" y="463772"/>
+                </a:lnTo>
+                <a:lnTo>
+                  <a:pt x="1534004" y="465923"/>
+                </a:lnTo>
+                <a:lnTo>
+                  <a:pt x="1463590" y="467780"/>
+                </a:lnTo>
+                <a:lnTo>
+                  <a:pt x="1390734" y="469330"/>
+                </a:lnTo>
+                <a:lnTo>
+                  <a:pt x="1315643" y="470559"/>
+                </a:lnTo>
+                <a:lnTo>
+                  <a:pt x="1238527" y="471454"/>
+                </a:lnTo>
+                <a:lnTo>
+                  <a:pt x="1159595" y="472000"/>
+                </a:lnTo>
+                <a:lnTo>
+                  <a:pt x="1079055" y="472185"/>
+                </a:lnTo>
+                <a:close/>
+              </a:path>
+            </a:pathLst>
+          </a:custGeom>
+          <a:solidFill>
+            <a:srgbClr val="DE545C"/>
+          </a:solidFill>
+        </p:spPr>
+        <p:txBody>
+          <a:bodyPr wrap="square" lIns="0" tIns="0" rIns="0" bIns="0" rtlCol="0"/>
+          <a:lstStyle/>
+          <a:p/>
+        </p:txBody>
+      </p:sp>
+      <p:pic>
+        <p:nvPicPr>
+          <p:cNvPr id="11" name="object 11"/>
+          <p:cNvPicPr/>
+          <p:nvPr/>
+        </p:nvPicPr>
+        <p:blipFill>
+          <a:blip r:embed="rId3" cstate="print"/>
+          <a:stretch>
+            <a:fillRect/>
+          </a:stretch>
+        </p:blipFill>
+        <p:spPr>
+          <a:xfrm>
+            <a:off x="3529330" y="3424555"/>
+            <a:ext cx="2164080" cy="141605"/>
+          </a:xfrm>
+          <a:prstGeom prst="rect">
+            <a:avLst/>
+          </a:prstGeom>
+        </p:spPr>
+      </p:pic>
+      <p:pic>
+        <p:nvPicPr>
+          <p:cNvPr id="12" name="object 12"/>
+          <p:cNvPicPr/>
+          <p:nvPr/>
+        </p:nvPicPr>
+        <p:blipFill>
+          <a:blip r:embed="rId4" cstate="print"/>
+          <a:stretch>
+            <a:fillRect/>
+          </a:stretch>
+        </p:blipFill>
+        <p:spPr>
+          <a:xfrm>
+            <a:off x="3526155" y="3421380"/>
+            <a:ext cx="2171065" cy="552450"/>
+          </a:xfrm>
+          <a:prstGeom prst="rect">
+            <a:avLst/>
+          </a:prstGeom>
+        </p:spPr>
+      </p:pic>
+      <p:sp>
+        <p:nvSpPr>
+          <p:cNvPr id="14" name="object 14"/>
+          <p:cNvSpPr/>
+          <p:nvPr/>
+        </p:nvSpPr>
+        <p:spPr>
+          <a:xfrm>
+            <a:off x="4077970" y="4724400"/>
+            <a:ext cx="1066800" cy="473075"/>
+          </a:xfrm>
+          <a:custGeom>
+            <a:avLst/>
+            <a:gdLst/>
+            <a:ahLst/>
+            <a:cxnLst/>
+            <a:rect l="l" t="t" r="r" b="b"/>
+            <a:pathLst>
+              <a:path w="1066800" h="473075">
+                <a:moveTo>
+                  <a:pt x="533146" y="472821"/>
+                </a:moveTo>
+                <a:lnTo>
+                  <a:pt x="454324" y="472089"/>
+                </a:lnTo>
+                <a:lnTo>
+                  <a:pt x="379094" y="469963"/>
+                </a:lnTo>
+                <a:lnTo>
+                  <a:pt x="308282" y="466547"/>
+                </a:lnTo>
+                <a:lnTo>
+                  <a:pt x="242716" y="461948"/>
+                </a:lnTo>
+                <a:lnTo>
+                  <a:pt x="183220" y="456268"/>
+                </a:lnTo>
+                <a:lnTo>
+                  <a:pt x="130621" y="449614"/>
+                </a:lnTo>
+                <a:lnTo>
+                  <a:pt x="85745" y="442089"/>
+                </a:lnTo>
+                <a:lnTo>
+                  <a:pt x="22468" y="424848"/>
+                </a:lnTo>
+                <a:lnTo>
+                  <a:pt x="0" y="405384"/>
+                </a:lnTo>
+                <a:lnTo>
+                  <a:pt x="0" y="0"/>
+                </a:lnTo>
+                <a:lnTo>
+                  <a:pt x="5720" y="10052"/>
+                </a:lnTo>
+                <a:lnTo>
+                  <a:pt x="22468" y="19636"/>
+                </a:lnTo>
+                <a:lnTo>
+                  <a:pt x="85745" y="36988"/>
+                </a:lnTo>
+                <a:lnTo>
+                  <a:pt x="130621" y="44549"/>
+                </a:lnTo>
+                <a:lnTo>
+                  <a:pt x="183220" y="51229"/>
+                </a:lnTo>
+                <a:lnTo>
+                  <a:pt x="242716" y="56926"/>
+                </a:lnTo>
+                <a:lnTo>
+                  <a:pt x="308282" y="61537"/>
+                </a:lnTo>
+                <a:lnTo>
+                  <a:pt x="379094" y="64957"/>
+                </a:lnTo>
+                <a:lnTo>
+                  <a:pt x="454324" y="67085"/>
+                </a:lnTo>
+                <a:lnTo>
+                  <a:pt x="533146" y="67817"/>
+                </a:lnTo>
+                <a:lnTo>
+                  <a:pt x="611968" y="67085"/>
+                </a:lnTo>
+                <a:lnTo>
+                  <a:pt x="687200" y="64957"/>
+                </a:lnTo>
+                <a:lnTo>
+                  <a:pt x="758019" y="61537"/>
+                </a:lnTo>
+                <a:lnTo>
+                  <a:pt x="823600" y="56926"/>
+                </a:lnTo>
+                <a:lnTo>
+                  <a:pt x="883119" y="51229"/>
+                </a:lnTo>
+                <a:lnTo>
+                  <a:pt x="935753" y="44549"/>
+                </a:lnTo>
+                <a:lnTo>
+                  <a:pt x="980677" y="36988"/>
+                </a:lnTo>
+                <a:lnTo>
+                  <a:pt x="1044101" y="19636"/>
+                </a:lnTo>
+                <a:lnTo>
+                  <a:pt x="1066800" y="0"/>
+                </a:lnTo>
+                <a:lnTo>
+                  <a:pt x="1066800" y="405384"/>
+                </a:lnTo>
+                <a:lnTo>
+                  <a:pt x="1017068" y="433799"/>
+                </a:lnTo>
+                <a:lnTo>
+                  <a:pt x="935753" y="449614"/>
+                </a:lnTo>
+                <a:lnTo>
+                  <a:pt x="883119" y="456268"/>
+                </a:lnTo>
+                <a:lnTo>
+                  <a:pt x="823600" y="461948"/>
+                </a:lnTo>
+                <a:lnTo>
+                  <a:pt x="758019" y="466547"/>
+                </a:lnTo>
+                <a:lnTo>
+                  <a:pt x="687200" y="469963"/>
+                </a:lnTo>
+                <a:lnTo>
+                  <a:pt x="611968" y="472089"/>
+                </a:lnTo>
+                <a:lnTo>
+                  <a:pt x="533146" y="472821"/>
+                </a:lnTo>
+                <a:close/>
+              </a:path>
+            </a:pathLst>
+          </a:custGeom>
+          <a:solidFill>
+            <a:srgbClr val="DE545C"/>
+          </a:solidFill>
+        </p:spPr>
+        <p:txBody>
+          <a:bodyPr wrap="square" lIns="0" tIns="0" rIns="0" bIns="0" rtlCol="0"/>
+          <a:lstStyle/>
+          <a:p/>
+        </p:txBody>
+      </p:sp>
+      <p:pic>
+        <p:nvPicPr>
+          <p:cNvPr id="15" name="object 15"/>
+          <p:cNvPicPr/>
+          <p:nvPr/>
+        </p:nvPicPr>
+        <p:blipFill>
+          <a:blip r:embed="rId5" cstate="print"/>
+          <a:stretch>
+            <a:fillRect/>
+          </a:stretch>
+        </p:blipFill>
+        <p:spPr>
+          <a:xfrm>
+            <a:off x="4075430" y="4653915"/>
+            <a:ext cx="1072515" cy="142240"/>
+          </a:xfrm>
+          <a:prstGeom prst="rect">
+            <a:avLst/>
+          </a:prstGeom>
+        </p:spPr>
+      </p:pic>
+      <p:pic>
+        <p:nvPicPr>
+          <p:cNvPr id="16" name="object 16"/>
+          <p:cNvPicPr/>
+          <p:nvPr/>
+        </p:nvPicPr>
+        <p:blipFill>
+          <a:blip r:embed="rId6" cstate="print"/>
+          <a:stretch>
+            <a:fillRect/>
+          </a:stretch>
+        </p:blipFill>
+        <p:spPr>
+          <a:xfrm>
+            <a:off x="4071620" y="4650740"/>
+            <a:ext cx="1079500" cy="552450"/>
+          </a:xfrm>
+          <a:prstGeom prst="rect">
+            <a:avLst/>
+          </a:prstGeom>
+        </p:spPr>
+      </p:pic>
+      <p:sp>
+        <p:nvSpPr>
+          <p:cNvPr id="17" name="object 17"/>
+          <p:cNvSpPr/>
+          <p:nvPr/>
+        </p:nvSpPr>
+        <p:spPr>
+          <a:xfrm>
+            <a:off x="6446520" y="3147060"/>
+            <a:ext cx="664210" cy="614680"/>
+          </a:xfrm>
+          <a:custGeom>
+            <a:avLst/>
+            <a:gdLst/>
+            <a:ahLst/>
+            <a:cxnLst/>
+            <a:rect l="l" t="t" r="r" b="b"/>
+            <a:pathLst>
+              <a:path w="664209" h="614679">
+                <a:moveTo>
+                  <a:pt x="166115" y="614299"/>
+                </a:moveTo>
+                <a:lnTo>
+                  <a:pt x="0" y="463423"/>
+                </a:lnTo>
+                <a:lnTo>
+                  <a:pt x="166115" y="282066"/>
+                </a:lnTo>
+                <a:lnTo>
+                  <a:pt x="166115" y="364363"/>
+                </a:lnTo>
+                <a:lnTo>
+                  <a:pt x="222379" y="352462"/>
+                </a:lnTo>
+                <a:lnTo>
+                  <a:pt x="276412" y="337244"/>
+                </a:lnTo>
+                <a:lnTo>
+                  <a:pt x="327968" y="318880"/>
+                </a:lnTo>
+                <a:lnTo>
+                  <a:pt x="376802" y="297541"/>
+                </a:lnTo>
+                <a:lnTo>
+                  <a:pt x="422666" y="273401"/>
+                </a:lnTo>
+                <a:lnTo>
+                  <a:pt x="465316" y="246630"/>
+                </a:lnTo>
+                <a:lnTo>
+                  <a:pt x="504505" y="217399"/>
+                </a:lnTo>
+                <a:lnTo>
+                  <a:pt x="539987" y="185882"/>
+                </a:lnTo>
+                <a:lnTo>
+                  <a:pt x="571515" y="152249"/>
+                </a:lnTo>
+                <a:lnTo>
+                  <a:pt x="598844" y="116673"/>
+                </a:lnTo>
+                <a:lnTo>
+                  <a:pt x="621727" y="79325"/>
+                </a:lnTo>
+                <a:lnTo>
+                  <a:pt x="639919" y="40376"/>
+                </a:lnTo>
+                <a:lnTo>
+                  <a:pt x="653173" y="0"/>
+                </a:lnTo>
+                <a:lnTo>
+                  <a:pt x="657836" y="20470"/>
+                </a:lnTo>
+                <a:lnTo>
+                  <a:pt x="661198" y="41187"/>
+                </a:lnTo>
+                <a:lnTo>
+                  <a:pt x="663233" y="62145"/>
+                </a:lnTo>
+                <a:lnTo>
+                  <a:pt x="663917" y="83337"/>
+                </a:lnTo>
+                <a:lnTo>
+                  <a:pt x="661134" y="125964"/>
+                </a:lnTo>
+                <a:lnTo>
+                  <a:pt x="652948" y="167504"/>
+                </a:lnTo>
+                <a:lnTo>
+                  <a:pt x="639602" y="207789"/>
+                </a:lnTo>
+                <a:lnTo>
+                  <a:pt x="621343" y="246651"/>
+                </a:lnTo>
+                <a:lnTo>
+                  <a:pt x="598414" y="283921"/>
+                </a:lnTo>
+                <a:lnTo>
+                  <a:pt x="571060" y="319430"/>
+                </a:lnTo>
+                <a:lnTo>
+                  <a:pt x="539526" y="353011"/>
+                </a:lnTo>
+                <a:lnTo>
+                  <a:pt x="504056" y="384494"/>
+                </a:lnTo>
+                <a:lnTo>
+                  <a:pt x="464895" y="413711"/>
+                </a:lnTo>
+                <a:lnTo>
+                  <a:pt x="422288" y="440495"/>
+                </a:lnTo>
+                <a:lnTo>
+                  <a:pt x="376479" y="464675"/>
+                </a:lnTo>
+                <a:lnTo>
+                  <a:pt x="327712" y="486085"/>
+                </a:lnTo>
+                <a:lnTo>
+                  <a:pt x="276233" y="504555"/>
+                </a:lnTo>
+                <a:lnTo>
+                  <a:pt x="222286" y="519917"/>
+                </a:lnTo>
+                <a:lnTo>
+                  <a:pt x="166115" y="532002"/>
+                </a:lnTo>
+                <a:lnTo>
+                  <a:pt x="166115" y="614299"/>
+                </a:lnTo>
+                <a:close/>
+              </a:path>
+            </a:pathLst>
+          </a:custGeom>
+          <a:solidFill>
+            <a:srgbClr val="FFC000"/>
+          </a:solidFill>
+        </p:spPr>
+        <p:txBody>
+          <a:bodyPr wrap="square" lIns="0" tIns="0" rIns="0" bIns="0" rtlCol="0"/>
+          <a:lstStyle/>
+          <a:p/>
+        </p:txBody>
+      </p:sp>
+      <p:pic>
+        <p:nvPicPr>
+          <p:cNvPr id="18" name="object 18"/>
+          <p:cNvPicPr/>
+          <p:nvPr/>
+        </p:nvPicPr>
+        <p:blipFill>
+          <a:blip r:embed="rId7" cstate="print"/>
+          <a:stretch>
+            <a:fillRect/>
+          </a:stretch>
+        </p:blipFill>
+        <p:spPr>
+          <a:xfrm>
+            <a:off x="6443345" y="2598420"/>
+            <a:ext cx="670560" cy="633730"/>
+          </a:xfrm>
+          <a:prstGeom prst="rect">
+            <a:avLst/>
+          </a:prstGeom>
+        </p:spPr>
+      </p:pic>
+      <p:pic>
+        <p:nvPicPr>
+          <p:cNvPr id="19" name="object 19"/>
+          <p:cNvPicPr/>
+          <p:nvPr/>
+        </p:nvPicPr>
+        <p:blipFill>
+          <a:blip r:embed="rId8" cstate="print"/>
+          <a:stretch>
+            <a:fillRect/>
+          </a:stretch>
+        </p:blipFill>
+        <p:spPr>
+          <a:xfrm>
+            <a:off x="6436995" y="2594610"/>
+            <a:ext cx="680085" cy="1179830"/>
+          </a:xfrm>
+          <a:prstGeom prst="rect">
+            <a:avLst/>
+          </a:prstGeom>
+        </p:spPr>
+      </p:pic>
+      <p:sp>
+        <p:nvSpPr>
+          <p:cNvPr id="20" name="object 20"/>
+          <p:cNvSpPr/>
+          <p:nvPr/>
+        </p:nvSpPr>
+        <p:spPr>
+          <a:xfrm>
+            <a:off x="6545580" y="4482465"/>
+            <a:ext cx="664845" cy="614045"/>
+          </a:xfrm>
+          <a:custGeom>
+            <a:avLst/>
+            <a:gdLst/>
+            <a:ahLst/>
+            <a:cxnLst/>
+            <a:rect l="l" t="t" r="r" b="b"/>
+            <a:pathLst>
+              <a:path w="664845" h="614045">
+                <a:moveTo>
+                  <a:pt x="166115" y="613918"/>
+                </a:moveTo>
+                <a:lnTo>
+                  <a:pt x="0" y="463041"/>
+                </a:lnTo>
+                <a:lnTo>
+                  <a:pt x="166115" y="281686"/>
+                </a:lnTo>
+                <a:lnTo>
+                  <a:pt x="166115" y="365506"/>
+                </a:lnTo>
+                <a:lnTo>
+                  <a:pt x="222514" y="353361"/>
+                </a:lnTo>
+                <a:lnTo>
+                  <a:pt x="276662" y="337936"/>
+                </a:lnTo>
+                <a:lnTo>
+                  <a:pt x="328314" y="319400"/>
+                </a:lnTo>
+                <a:lnTo>
+                  <a:pt x="377226" y="297921"/>
+                </a:lnTo>
+                <a:lnTo>
+                  <a:pt x="423153" y="273667"/>
+                </a:lnTo>
+                <a:lnTo>
+                  <a:pt x="465852" y="246808"/>
+                </a:lnTo>
+                <a:lnTo>
+                  <a:pt x="505078" y="217512"/>
+                </a:lnTo>
+                <a:lnTo>
+                  <a:pt x="540585" y="185947"/>
+                </a:lnTo>
+                <a:lnTo>
+                  <a:pt x="572131" y="152283"/>
+                </a:lnTo>
+                <a:lnTo>
+                  <a:pt x="599471" y="116687"/>
+                </a:lnTo>
+                <a:lnTo>
+                  <a:pt x="622360" y="79329"/>
+                </a:lnTo>
+                <a:lnTo>
+                  <a:pt x="640554" y="40377"/>
+                </a:lnTo>
+                <a:lnTo>
+                  <a:pt x="653808" y="0"/>
+                </a:lnTo>
+                <a:lnTo>
+                  <a:pt x="658471" y="20470"/>
+                </a:lnTo>
+                <a:lnTo>
+                  <a:pt x="661833" y="41187"/>
+                </a:lnTo>
+                <a:lnTo>
+                  <a:pt x="663868" y="62145"/>
+                </a:lnTo>
+                <a:lnTo>
+                  <a:pt x="664552" y="83337"/>
+                </a:lnTo>
+                <a:lnTo>
+                  <a:pt x="661769" y="125964"/>
+                </a:lnTo>
+                <a:lnTo>
+                  <a:pt x="653581" y="167503"/>
+                </a:lnTo>
+                <a:lnTo>
+                  <a:pt x="640232" y="207786"/>
+                </a:lnTo>
+                <a:lnTo>
+                  <a:pt x="621966" y="246644"/>
+                </a:lnTo>
+                <a:lnTo>
+                  <a:pt x="599026" y="283907"/>
+                </a:lnTo>
+                <a:lnTo>
+                  <a:pt x="571655" y="319406"/>
+                </a:lnTo>
+                <a:lnTo>
+                  <a:pt x="540097" y="352972"/>
+                </a:lnTo>
+                <a:lnTo>
+                  <a:pt x="504595" y="384436"/>
+                </a:lnTo>
+                <a:lnTo>
+                  <a:pt x="465393" y="413629"/>
+                </a:lnTo>
+                <a:lnTo>
+                  <a:pt x="422735" y="440382"/>
+                </a:lnTo>
+                <a:lnTo>
+                  <a:pt x="376863" y="464525"/>
+                </a:lnTo>
+                <a:lnTo>
+                  <a:pt x="328022" y="485890"/>
+                </a:lnTo>
+                <a:lnTo>
+                  <a:pt x="276455" y="504307"/>
+                </a:lnTo>
+                <a:lnTo>
+                  <a:pt x="222405" y="519607"/>
+                </a:lnTo>
+                <a:lnTo>
+                  <a:pt x="166115" y="531622"/>
+                </a:lnTo>
+                <a:lnTo>
+                  <a:pt x="166115" y="613918"/>
+                </a:lnTo>
+                <a:close/>
+              </a:path>
+            </a:pathLst>
+          </a:custGeom>
+          <a:solidFill>
+            <a:srgbClr val="FFC000"/>
+          </a:solidFill>
+        </p:spPr>
+        <p:txBody>
+          <a:bodyPr wrap="square" lIns="0" tIns="0" rIns="0" bIns="0" rtlCol="0"/>
+          <a:lstStyle/>
+          <a:p/>
+        </p:txBody>
+      </p:sp>
+      <p:pic>
+        <p:nvPicPr>
+          <p:cNvPr id="21" name="object 21"/>
+          <p:cNvPicPr/>
+          <p:nvPr/>
+        </p:nvPicPr>
+        <p:blipFill>
+          <a:blip r:embed="rId9" cstate="print"/>
+          <a:stretch>
+            <a:fillRect/>
+          </a:stretch>
+        </p:blipFill>
+        <p:spPr>
+          <a:xfrm>
+            <a:off x="6542405" y="3933190"/>
+            <a:ext cx="670560" cy="635635"/>
+          </a:xfrm>
+          <a:prstGeom prst="rect">
+            <a:avLst/>
+          </a:prstGeom>
+        </p:spPr>
+      </p:pic>
+      <p:pic>
+        <p:nvPicPr>
+          <p:cNvPr id="22" name="object 22"/>
+          <p:cNvPicPr/>
+          <p:nvPr/>
+        </p:nvPicPr>
+        <p:blipFill>
+          <a:blip r:embed="rId10" cstate="print"/>
+          <a:stretch>
+            <a:fillRect/>
+          </a:stretch>
+        </p:blipFill>
+        <p:spPr>
+          <a:xfrm>
+            <a:off x="6536690" y="3930015"/>
+            <a:ext cx="680085" cy="1179830"/>
+          </a:xfrm>
+          <a:prstGeom prst="rect">
+            <a:avLst/>
+          </a:prstGeom>
+        </p:spPr>
+      </p:pic>
       <p:sp>
         <p:nvSpPr>
           <p:cNvPr id="23" name="object 23"/>
@@ -3317,7 +3258,7 @@
         <p:spPr>
           <a:xfrm>
             <a:off x="4272279" y="3375025"/>
-            <a:ext cx="634365" cy="502284"/>
+            <a:ext cx="634365" cy="494030"/>
           </a:xfrm>
           <a:prstGeom prst="rect">
             <a:avLst/>
@@ -3337,16 +3278,6 @@
                 <a:spcPts val="95"/>
               </a:spcBef>
             </a:pPr>
-            <a:r>
-              <a:rPr sz="1600" spc="-5" dirty="0">
-                <a:solidFill>
-                  <a:srgbClr val="DEEBF7"/>
-                </a:solidFill>
-                <a:latin typeface="Calibri"/>
-                <a:cs typeface="Calibri"/>
-              </a:rPr>
-              <a:t>387</a:t>
-            </a:r>
             <a:endParaRPr sz="1600">
               <a:latin typeface="Calibri"/>
               <a:cs typeface="Calibri"/>
@@ -3394,7 +3325,7 @@
         <p:spPr>
           <a:xfrm>
             <a:off x="4069079" y="4577714"/>
-            <a:ext cx="1040765" cy="496570"/>
+            <a:ext cx="1040765" cy="488950"/>
           </a:xfrm>
           <a:prstGeom prst="rect">
             <a:avLst/>
@@ -3414,16 +3345,6 @@
                 <a:spcPts val="95"/>
               </a:spcBef>
             </a:pPr>
-            <a:r>
-              <a:rPr sz="1600" spc="-5" dirty="0">
-                <a:solidFill>
-                  <a:srgbClr val="DEEBF7"/>
-                </a:solidFill>
-                <a:latin typeface="Calibri"/>
-                <a:cs typeface="Calibri"/>
-              </a:rPr>
-              <a:t>116</a:t>
-            </a:r>
             <a:endParaRPr sz="1600">
               <a:latin typeface="Calibri"/>
               <a:cs typeface="Calibri"/>
@@ -3470,8 +3391,8 @@
         </p:nvSpPr>
         <p:spPr>
           <a:xfrm>
-            <a:off x="4284345" y="1356995"/>
-            <a:ext cx="3451860" cy="1294130"/>
+            <a:off x="4352925" y="1356995"/>
+            <a:ext cx="4123690" cy="870585"/>
           </a:xfrm>
           <a:prstGeom prst="rect">
             <a:avLst/>
@@ -3526,47 +3447,6 @@
                 <a:spcPts val="5"/>
               </a:spcBef>
             </a:pPr>
-            <a:r>
-              <a:rPr sz="1600" spc="-5" dirty="0">
-                <a:solidFill>
-                  <a:srgbClr val="DEEBF7"/>
-                </a:solidFill>
-                <a:latin typeface="Calibri"/>
-                <a:cs typeface="Calibri"/>
-              </a:rPr>
-              <a:t>2069</a:t>
-            </a:r>
-            <a:endParaRPr sz="1600">
-              <a:latin typeface="Calibri"/>
-              <a:cs typeface="Calibri"/>
-            </a:endParaRPr>
-          </a:p>
-          <a:p>
-            <a:pPr marL="12700">
-              <a:lnSpc>
-                <a:spcPts val="1885"/>
-              </a:lnSpc>
-            </a:pPr>
-            <a:r>
-              <a:rPr sz="1600" dirty="0">
-                <a:solidFill>
-                  <a:srgbClr val="FFFFFF"/>
-                </a:solidFill>
-                <a:latin typeface="微软雅黑"/>
-                <a:cs typeface="微软雅黑"/>
-              </a:rPr>
-              <a:t>活动</a:t>
-            </a:r>
-            <a:r>
-              <a:rPr sz="1600" spc="-5" dirty="0">
-                <a:solidFill>
-                  <a:srgbClr val="FFFFFF"/>
-                </a:solidFill>
-                <a:latin typeface="微软雅黑"/>
-                <a:cs typeface="微软雅黑"/>
-              </a:rPr>
-              <a:t>页</a:t>
-            </a:r>
             <a:endParaRPr sz="1600">
               <a:latin typeface="微软雅黑"/>
               <a:cs typeface="微软雅黑"/>
@@ -3640,495 +3520,684 @@
           </a:p>
         </p:txBody>
       </p:sp>
-      <p:grpSp>
-        <p:nvGrpSpPr>
-          <p:cNvPr id="27" name="object 27"/>
-          <p:cNvGrpSpPr/>
+      <p:sp>
+        <p:nvSpPr>
+          <p:cNvPr id="28" name="object 28"/>
+          <p:cNvSpPr/>
           <p:nvPr/>
-        </p:nvGrpSpPr>
-        <p:grpSpPr>
+        </p:nvSpPr>
+        <p:spPr>
           <a:xfrm>
-            <a:off x="1821814" y="1429385"/>
+            <a:off x="1821815" y="1438275"/>
             <a:ext cx="8870950" cy="4681220"/>
-            <a:chOff x="1821814" y="1429385"/>
-            <a:chExt cx="8870950" cy="4681220"/>
           </a:xfrm>
-        </p:grpSpPr>
-        <p:sp>
-          <p:nvSpPr>
-            <p:cNvPr id="28" name="object 28"/>
-            <p:cNvSpPr/>
-            <p:nvPr/>
-          </p:nvSpPr>
-          <p:spPr>
-            <a:xfrm>
-              <a:off x="1821815" y="1429384"/>
-              <a:ext cx="8870950" cy="4681220"/>
-            </a:xfrm>
-            <a:custGeom>
-              <a:avLst/>
-              <a:gdLst/>
-              <a:ahLst/>
-              <a:cxnLst/>
-              <a:rect l="l" t="t" r="r" b="b"/>
-              <a:pathLst>
-                <a:path w="8870950" h="4681220">
-                  <a:moveTo>
-                    <a:pt x="8870950" y="4271010"/>
-                  </a:moveTo>
-                  <a:lnTo>
-                    <a:pt x="8789149" y="4223182"/>
-                  </a:lnTo>
-                  <a:lnTo>
-                    <a:pt x="8787752" y="4222699"/>
-                  </a:lnTo>
-                  <a:lnTo>
-                    <a:pt x="8786266" y="4222788"/>
-                  </a:lnTo>
-                  <a:lnTo>
-                    <a:pt x="8784933" y="4223436"/>
-                  </a:lnTo>
-                  <a:lnTo>
-                    <a:pt x="8783942" y="4224553"/>
-                  </a:lnTo>
-                  <a:lnTo>
-                    <a:pt x="8783460" y="4225963"/>
-                  </a:lnTo>
-                  <a:lnTo>
-                    <a:pt x="8783549" y="4227436"/>
-                  </a:lnTo>
-                  <a:lnTo>
-                    <a:pt x="8784196" y="4228782"/>
-                  </a:lnTo>
-                  <a:lnTo>
-                    <a:pt x="8785314" y="4229760"/>
-                  </a:lnTo>
-                  <a:lnTo>
-                    <a:pt x="8849296" y="4267174"/>
-                  </a:lnTo>
-                  <a:lnTo>
-                    <a:pt x="618782" y="4258932"/>
-                  </a:lnTo>
-                  <a:lnTo>
-                    <a:pt x="609003" y="21640"/>
-                  </a:lnTo>
-                  <a:lnTo>
-                    <a:pt x="608977" y="9474"/>
-                  </a:lnTo>
-                  <a:lnTo>
-                    <a:pt x="609028" y="21678"/>
-                  </a:lnTo>
-                  <a:lnTo>
-                    <a:pt x="646506" y="85585"/>
-                  </a:lnTo>
-                  <a:lnTo>
-                    <a:pt x="647496" y="86702"/>
-                  </a:lnTo>
-                  <a:lnTo>
-                    <a:pt x="648843" y="87350"/>
-                  </a:lnTo>
-                  <a:lnTo>
-                    <a:pt x="650316" y="87439"/>
-                  </a:lnTo>
-                  <a:lnTo>
-                    <a:pt x="651725" y="86944"/>
-                  </a:lnTo>
-                  <a:lnTo>
-                    <a:pt x="652830" y="85953"/>
-                  </a:lnTo>
-                  <a:lnTo>
-                    <a:pt x="653491" y="84620"/>
-                  </a:lnTo>
-                  <a:lnTo>
-                    <a:pt x="653567" y="83134"/>
-                  </a:lnTo>
-                  <a:lnTo>
-                    <a:pt x="653084" y="81737"/>
-                  </a:lnTo>
-                  <a:lnTo>
-                    <a:pt x="609587" y="7569"/>
-                  </a:lnTo>
-                  <a:lnTo>
-                    <a:pt x="609015" y="7569"/>
-                  </a:lnTo>
-                  <a:lnTo>
-                    <a:pt x="609574" y="7556"/>
-                  </a:lnTo>
-                  <a:lnTo>
-                    <a:pt x="605155" y="0"/>
-                  </a:lnTo>
-                  <a:lnTo>
-                    <a:pt x="557606" y="81953"/>
-                  </a:lnTo>
-                  <a:lnTo>
-                    <a:pt x="557199" y="83134"/>
-                  </a:lnTo>
-                  <a:lnTo>
-                    <a:pt x="557212" y="84836"/>
-                  </a:lnTo>
-                  <a:lnTo>
-                    <a:pt x="557872" y="86182"/>
-                  </a:lnTo>
-                  <a:lnTo>
-                    <a:pt x="558990" y="87160"/>
-                  </a:lnTo>
-                  <a:lnTo>
-                    <a:pt x="560387" y="87642"/>
-                  </a:lnTo>
-                  <a:lnTo>
-                    <a:pt x="561873" y="87541"/>
-                  </a:lnTo>
-                  <a:lnTo>
-                    <a:pt x="563206" y="86893"/>
-                  </a:lnTo>
-                  <a:lnTo>
-                    <a:pt x="564197" y="85775"/>
-                  </a:lnTo>
-                  <a:lnTo>
-                    <a:pt x="601383" y="21678"/>
-                  </a:lnTo>
-                  <a:lnTo>
-                    <a:pt x="601535" y="87655"/>
-                  </a:lnTo>
-                  <a:lnTo>
-                    <a:pt x="611162" y="4258932"/>
-                  </a:lnTo>
-                  <a:lnTo>
-                    <a:pt x="0" y="4258310"/>
-                  </a:lnTo>
-                  <a:lnTo>
-                    <a:pt x="0" y="4265930"/>
-                  </a:lnTo>
-                  <a:lnTo>
-                    <a:pt x="611174" y="4266552"/>
-                  </a:lnTo>
-                  <a:lnTo>
-                    <a:pt x="612140" y="4680597"/>
-                  </a:lnTo>
-                  <a:lnTo>
-                    <a:pt x="619760" y="4680572"/>
-                  </a:lnTo>
-                  <a:lnTo>
-                    <a:pt x="618794" y="4266552"/>
-                  </a:lnTo>
-                  <a:lnTo>
-                    <a:pt x="8849296" y="4274794"/>
-                  </a:lnTo>
-                  <a:lnTo>
-                    <a:pt x="8785225" y="4312082"/>
-                  </a:lnTo>
-                  <a:lnTo>
-                    <a:pt x="8784107" y="4313072"/>
-                  </a:lnTo>
-                  <a:lnTo>
-                    <a:pt x="8783460" y="4314406"/>
-                  </a:lnTo>
-                  <a:lnTo>
-                    <a:pt x="8783371" y="4315892"/>
-                  </a:lnTo>
-                  <a:lnTo>
-                    <a:pt x="8783853" y="4317289"/>
-                  </a:lnTo>
-                  <a:lnTo>
-                    <a:pt x="8784831" y="4318406"/>
-                  </a:lnTo>
-                  <a:lnTo>
-                    <a:pt x="8786165" y="4319054"/>
-                  </a:lnTo>
-                  <a:lnTo>
-                    <a:pt x="8787651" y="4319155"/>
-                  </a:lnTo>
-                  <a:lnTo>
-                    <a:pt x="8789060" y="4318673"/>
-                  </a:lnTo>
-                  <a:lnTo>
-                    <a:pt x="8864422" y="4274807"/>
-                  </a:lnTo>
-                  <a:lnTo>
-                    <a:pt x="8870950" y="4271010"/>
-                  </a:lnTo>
-                  <a:close/>
-                </a:path>
-              </a:pathLst>
-            </a:custGeom>
-            <a:solidFill>
-              <a:srgbClr val="DE545C"/>
-            </a:solidFill>
-          </p:spPr>
-          <p:txBody>
-            <a:bodyPr wrap="square" lIns="0" tIns="0" rIns="0" bIns="0" rtlCol="0"/>
-            <a:lstStyle/>
-            <a:p/>
-          </p:txBody>
-        </p:sp>
-        <p:sp>
-          <p:nvSpPr>
-            <p:cNvPr id="29" name="object 29"/>
-            <p:cNvSpPr/>
-            <p:nvPr/>
-          </p:nvSpPr>
-          <p:spPr>
-            <a:xfrm>
-              <a:off x="8638032" y="3746449"/>
-              <a:ext cx="664210" cy="1329055"/>
-            </a:xfrm>
-            <a:custGeom>
-              <a:avLst/>
-              <a:gdLst/>
-              <a:ahLst/>
-              <a:cxnLst/>
-              <a:rect l="l" t="t" r="r" b="b"/>
-              <a:pathLst>
-                <a:path w="664209" h="1329054">
-                  <a:moveTo>
-                    <a:pt x="166116" y="1328470"/>
-                  </a:moveTo>
-                  <a:lnTo>
-                    <a:pt x="0" y="1200454"/>
-                  </a:lnTo>
-                  <a:lnTo>
-                    <a:pt x="166116" y="996238"/>
-                  </a:lnTo>
-                  <a:lnTo>
-                    <a:pt x="166116" y="1080058"/>
-                  </a:lnTo>
-                  <a:lnTo>
-                    <a:pt x="197151" y="1064052"/>
-                  </a:lnTo>
-                  <a:lnTo>
-                    <a:pt x="257278" y="1024250"/>
-                  </a:lnTo>
-                  <a:lnTo>
-                    <a:pt x="314546" y="974543"/>
-                  </a:lnTo>
-                  <a:lnTo>
-                    <a:pt x="342007" y="946156"/>
-                  </a:lnTo>
-                  <a:lnTo>
-                    <a:pt x="368633" y="915509"/>
-                  </a:lnTo>
-                  <a:lnTo>
-                    <a:pt x="394382" y="882675"/>
-                  </a:lnTo>
-                  <a:lnTo>
-                    <a:pt x="419216" y="847726"/>
-                  </a:lnTo>
-                  <a:lnTo>
-                    <a:pt x="443093" y="810734"/>
-                  </a:lnTo>
-                  <a:lnTo>
-                    <a:pt x="465974" y="771771"/>
-                  </a:lnTo>
-                  <a:lnTo>
-                    <a:pt x="487817" y="730910"/>
-                  </a:lnTo>
-                  <a:lnTo>
-                    <a:pt x="508584" y="688224"/>
-                  </a:lnTo>
-                  <a:lnTo>
-                    <a:pt x="528232" y="643783"/>
-                  </a:lnTo>
-                  <a:lnTo>
-                    <a:pt x="546723" y="597661"/>
-                  </a:lnTo>
-                  <a:lnTo>
-                    <a:pt x="564016" y="549929"/>
-                  </a:lnTo>
-                  <a:lnTo>
-                    <a:pt x="580071" y="500661"/>
-                  </a:lnTo>
-                  <a:lnTo>
-                    <a:pt x="594847" y="449928"/>
-                  </a:lnTo>
-                  <a:lnTo>
-                    <a:pt x="608304" y="397802"/>
-                  </a:lnTo>
-                  <a:lnTo>
-                    <a:pt x="620402" y="344356"/>
-                  </a:lnTo>
-                  <a:lnTo>
-                    <a:pt x="631100" y="289662"/>
-                  </a:lnTo>
-                  <a:lnTo>
-                    <a:pt x="640359" y="233792"/>
-                  </a:lnTo>
-                  <a:lnTo>
-                    <a:pt x="648137" y="176818"/>
-                  </a:lnTo>
-                  <a:lnTo>
-                    <a:pt x="654396" y="118814"/>
-                  </a:lnTo>
-                  <a:lnTo>
-                    <a:pt x="659093" y="59850"/>
-                  </a:lnTo>
-                  <a:lnTo>
-                    <a:pt x="662190" y="0"/>
-                  </a:lnTo>
-                  <a:lnTo>
-                    <a:pt x="663373" y="41660"/>
-                  </a:lnTo>
-                  <a:lnTo>
-                    <a:pt x="663765" y="83464"/>
-                  </a:lnTo>
-                  <a:lnTo>
-                    <a:pt x="662900" y="145247"/>
-                  </a:lnTo>
-                  <a:lnTo>
-                    <a:pt x="660334" y="206220"/>
-                  </a:lnTo>
-                  <a:lnTo>
-                    <a:pt x="656109" y="266306"/>
-                  </a:lnTo>
-                  <a:lnTo>
-                    <a:pt x="650267" y="325430"/>
-                  </a:lnTo>
-                  <a:lnTo>
-                    <a:pt x="642849" y="383517"/>
-                  </a:lnTo>
-                  <a:lnTo>
-                    <a:pt x="633898" y="440490"/>
-                  </a:lnTo>
-                  <a:lnTo>
-                    <a:pt x="623455" y="496276"/>
-                  </a:lnTo>
-                  <a:lnTo>
-                    <a:pt x="611564" y="550797"/>
-                  </a:lnTo>
-                  <a:lnTo>
-                    <a:pt x="598265" y="603980"/>
-                  </a:lnTo>
-                  <a:lnTo>
-                    <a:pt x="583600" y="655747"/>
-                  </a:lnTo>
-                  <a:lnTo>
-                    <a:pt x="567613" y="706024"/>
-                  </a:lnTo>
-                  <a:lnTo>
-                    <a:pt x="550344" y="754735"/>
-                  </a:lnTo>
-                  <a:lnTo>
-                    <a:pt x="531836" y="801805"/>
-                  </a:lnTo>
-                  <a:lnTo>
-                    <a:pt x="512130" y="847158"/>
-                  </a:lnTo>
-                  <a:lnTo>
-                    <a:pt x="491269" y="890719"/>
-                  </a:lnTo>
-                  <a:lnTo>
-                    <a:pt x="469295" y="932412"/>
-                  </a:lnTo>
-                  <a:lnTo>
-                    <a:pt x="446250" y="972162"/>
-                  </a:lnTo>
-                  <a:lnTo>
-                    <a:pt x="422175" y="1009893"/>
-                  </a:lnTo>
-                  <a:lnTo>
-                    <a:pt x="397113" y="1045530"/>
-                  </a:lnTo>
-                  <a:lnTo>
-                    <a:pt x="371106" y="1078997"/>
-                  </a:lnTo>
-                  <a:lnTo>
-                    <a:pt x="344196" y="1110219"/>
-                  </a:lnTo>
-                  <a:lnTo>
-                    <a:pt x="316424" y="1139120"/>
-                  </a:lnTo>
-                  <a:lnTo>
-                    <a:pt x="287833" y="1165625"/>
-                  </a:lnTo>
-                  <a:lnTo>
-                    <a:pt x="228361" y="1211145"/>
-                  </a:lnTo>
-                  <a:lnTo>
-                    <a:pt x="166116" y="1246174"/>
-                  </a:lnTo>
-                  <a:lnTo>
-                    <a:pt x="166116" y="1328470"/>
-                  </a:lnTo>
-                  <a:close/>
-                </a:path>
-              </a:pathLst>
-            </a:custGeom>
-            <a:solidFill>
-              <a:srgbClr val="FFC000"/>
-            </a:solidFill>
-          </p:spPr>
-          <p:txBody>
-            <a:bodyPr wrap="square" lIns="0" tIns="0" rIns="0" bIns="0" rtlCol="0"/>
-            <a:lstStyle/>
-            <a:p/>
-          </p:txBody>
-        </p:sp>
-        <p:pic>
-          <p:nvPicPr>
-            <p:cNvPr id="30" name="object 30"/>
-            <p:cNvPicPr/>
-            <p:nvPr/>
-          </p:nvPicPr>
-          <p:blipFill>
-            <a:blip r:embed="rId13" cstate="print"/>
-            <a:stretch>
-              <a:fillRect/>
-            </a:stretch>
-          </p:blipFill>
-          <p:spPr>
-            <a:xfrm>
-              <a:off x="8634983" y="2459736"/>
-              <a:ext cx="670559" cy="1373124"/>
-            </a:xfrm>
-            <a:prstGeom prst="rect">
-              <a:avLst/>
-            </a:prstGeom>
-          </p:spPr>
-        </p:pic>
-        <p:pic>
-          <p:nvPicPr>
-            <p:cNvPr id="31" name="object 31"/>
-            <p:cNvPicPr/>
-            <p:nvPr/>
-          </p:nvPicPr>
-          <p:blipFill>
-            <a:blip r:embed="rId14" cstate="print"/>
-            <a:stretch>
-              <a:fillRect/>
-            </a:stretch>
-          </p:blipFill>
-          <p:spPr>
-            <a:xfrm>
-              <a:off x="8628227" y="2456103"/>
-              <a:ext cx="680237" cy="2628900"/>
-            </a:xfrm>
-            <a:prstGeom prst="rect">
-              <a:avLst/>
-            </a:prstGeom>
-          </p:spPr>
-        </p:pic>
-        <p:pic>
-          <p:nvPicPr>
-            <p:cNvPr id="32" name="object 32"/>
-            <p:cNvPicPr/>
-            <p:nvPr/>
-          </p:nvPicPr>
-          <p:blipFill>
-            <a:blip r:embed="rId15" cstate="print"/>
-            <a:stretch>
-              <a:fillRect/>
-            </a:stretch>
-          </p:blipFill>
-          <p:spPr>
-            <a:xfrm>
-              <a:off x="9750179" y="3593160"/>
-              <a:ext cx="889562" cy="327660"/>
-            </a:xfrm>
-            <a:prstGeom prst="rect">
-              <a:avLst/>
-            </a:prstGeom>
-          </p:spPr>
-        </p:pic>
-      </p:grpSp>
+          <a:custGeom>
+            <a:avLst/>
+            <a:gdLst/>
+            <a:ahLst/>
+            <a:cxnLst/>
+            <a:rect l="l" t="t" r="r" b="b"/>
+            <a:pathLst>
+              <a:path w="8870950" h="4681220">
+                <a:moveTo>
+                  <a:pt x="8870950" y="4271010"/>
+                </a:moveTo>
+                <a:lnTo>
+                  <a:pt x="8789149" y="4223182"/>
+                </a:lnTo>
+                <a:lnTo>
+                  <a:pt x="8787752" y="4222699"/>
+                </a:lnTo>
+                <a:lnTo>
+                  <a:pt x="8786266" y="4222788"/>
+                </a:lnTo>
+                <a:lnTo>
+                  <a:pt x="8784933" y="4223436"/>
+                </a:lnTo>
+                <a:lnTo>
+                  <a:pt x="8783942" y="4224553"/>
+                </a:lnTo>
+                <a:lnTo>
+                  <a:pt x="8783460" y="4225963"/>
+                </a:lnTo>
+                <a:lnTo>
+                  <a:pt x="8783549" y="4227436"/>
+                </a:lnTo>
+                <a:lnTo>
+                  <a:pt x="8784196" y="4228782"/>
+                </a:lnTo>
+                <a:lnTo>
+                  <a:pt x="8785314" y="4229760"/>
+                </a:lnTo>
+                <a:lnTo>
+                  <a:pt x="8849296" y="4267174"/>
+                </a:lnTo>
+                <a:lnTo>
+                  <a:pt x="618782" y="4258932"/>
+                </a:lnTo>
+                <a:lnTo>
+                  <a:pt x="609003" y="21640"/>
+                </a:lnTo>
+                <a:lnTo>
+                  <a:pt x="608977" y="9474"/>
+                </a:lnTo>
+                <a:lnTo>
+                  <a:pt x="609028" y="21678"/>
+                </a:lnTo>
+                <a:lnTo>
+                  <a:pt x="646506" y="85585"/>
+                </a:lnTo>
+                <a:lnTo>
+                  <a:pt x="647496" y="86702"/>
+                </a:lnTo>
+                <a:lnTo>
+                  <a:pt x="648843" y="87350"/>
+                </a:lnTo>
+                <a:lnTo>
+                  <a:pt x="650316" y="87439"/>
+                </a:lnTo>
+                <a:lnTo>
+                  <a:pt x="651725" y="86944"/>
+                </a:lnTo>
+                <a:lnTo>
+                  <a:pt x="652830" y="85953"/>
+                </a:lnTo>
+                <a:lnTo>
+                  <a:pt x="653491" y="84620"/>
+                </a:lnTo>
+                <a:lnTo>
+                  <a:pt x="653567" y="83134"/>
+                </a:lnTo>
+                <a:lnTo>
+                  <a:pt x="653084" y="81737"/>
+                </a:lnTo>
+                <a:lnTo>
+                  <a:pt x="609587" y="7569"/>
+                </a:lnTo>
+                <a:lnTo>
+                  <a:pt x="609015" y="7569"/>
+                </a:lnTo>
+                <a:lnTo>
+                  <a:pt x="609574" y="7556"/>
+                </a:lnTo>
+                <a:lnTo>
+                  <a:pt x="605155" y="0"/>
+                </a:lnTo>
+                <a:lnTo>
+                  <a:pt x="557606" y="81953"/>
+                </a:lnTo>
+                <a:lnTo>
+                  <a:pt x="557199" y="83134"/>
+                </a:lnTo>
+                <a:lnTo>
+                  <a:pt x="557212" y="84836"/>
+                </a:lnTo>
+                <a:lnTo>
+                  <a:pt x="557872" y="86182"/>
+                </a:lnTo>
+                <a:lnTo>
+                  <a:pt x="558990" y="87160"/>
+                </a:lnTo>
+                <a:lnTo>
+                  <a:pt x="560387" y="87642"/>
+                </a:lnTo>
+                <a:lnTo>
+                  <a:pt x="561873" y="87541"/>
+                </a:lnTo>
+                <a:lnTo>
+                  <a:pt x="563206" y="86893"/>
+                </a:lnTo>
+                <a:lnTo>
+                  <a:pt x="564197" y="85775"/>
+                </a:lnTo>
+                <a:lnTo>
+                  <a:pt x="601383" y="21678"/>
+                </a:lnTo>
+                <a:lnTo>
+                  <a:pt x="601535" y="87655"/>
+                </a:lnTo>
+                <a:lnTo>
+                  <a:pt x="611162" y="4258932"/>
+                </a:lnTo>
+                <a:lnTo>
+                  <a:pt x="0" y="4258310"/>
+                </a:lnTo>
+                <a:lnTo>
+                  <a:pt x="0" y="4265930"/>
+                </a:lnTo>
+                <a:lnTo>
+                  <a:pt x="611174" y="4266552"/>
+                </a:lnTo>
+                <a:lnTo>
+                  <a:pt x="612140" y="4680597"/>
+                </a:lnTo>
+                <a:lnTo>
+                  <a:pt x="619760" y="4680572"/>
+                </a:lnTo>
+                <a:lnTo>
+                  <a:pt x="618794" y="4266552"/>
+                </a:lnTo>
+                <a:lnTo>
+                  <a:pt x="8849296" y="4274794"/>
+                </a:lnTo>
+                <a:lnTo>
+                  <a:pt x="8785225" y="4312082"/>
+                </a:lnTo>
+                <a:lnTo>
+                  <a:pt x="8784107" y="4313072"/>
+                </a:lnTo>
+                <a:lnTo>
+                  <a:pt x="8783460" y="4314406"/>
+                </a:lnTo>
+                <a:lnTo>
+                  <a:pt x="8783371" y="4315892"/>
+                </a:lnTo>
+                <a:lnTo>
+                  <a:pt x="8783853" y="4317289"/>
+                </a:lnTo>
+                <a:lnTo>
+                  <a:pt x="8784831" y="4318406"/>
+                </a:lnTo>
+                <a:lnTo>
+                  <a:pt x="8786165" y="4319054"/>
+                </a:lnTo>
+                <a:lnTo>
+                  <a:pt x="8787651" y="4319155"/>
+                </a:lnTo>
+                <a:lnTo>
+                  <a:pt x="8789060" y="4318673"/>
+                </a:lnTo>
+                <a:lnTo>
+                  <a:pt x="8864422" y="4274807"/>
+                </a:lnTo>
+                <a:lnTo>
+                  <a:pt x="8870950" y="4271010"/>
+                </a:lnTo>
+                <a:close/>
+              </a:path>
+            </a:pathLst>
+          </a:custGeom>
+          <a:solidFill>
+            <a:srgbClr val="DE545C"/>
+          </a:solidFill>
+        </p:spPr>
+        <p:txBody>
+          <a:bodyPr wrap="square" lIns="0" tIns="0" rIns="0" bIns="0" rtlCol="0"/>
+          <a:lstStyle/>
+          <a:p/>
+        </p:txBody>
+      </p:sp>
+      <p:sp>
+        <p:nvSpPr>
+          <p:cNvPr id="29" name="object 29"/>
+          <p:cNvSpPr/>
+          <p:nvPr/>
+        </p:nvSpPr>
+        <p:spPr>
+          <a:xfrm>
+            <a:off x="8637905" y="3755390"/>
+            <a:ext cx="664210" cy="1329055"/>
+          </a:xfrm>
+          <a:custGeom>
+            <a:avLst/>
+            <a:gdLst/>
+            <a:ahLst/>
+            <a:cxnLst/>
+            <a:rect l="l" t="t" r="r" b="b"/>
+            <a:pathLst>
+              <a:path w="664209" h="1329054">
+                <a:moveTo>
+                  <a:pt x="166116" y="1328470"/>
+                </a:moveTo>
+                <a:lnTo>
+                  <a:pt x="0" y="1200454"/>
+                </a:lnTo>
+                <a:lnTo>
+                  <a:pt x="166116" y="996238"/>
+                </a:lnTo>
+                <a:lnTo>
+                  <a:pt x="166116" y="1080058"/>
+                </a:lnTo>
+                <a:lnTo>
+                  <a:pt x="197151" y="1064052"/>
+                </a:lnTo>
+                <a:lnTo>
+                  <a:pt x="257278" y="1024250"/>
+                </a:lnTo>
+                <a:lnTo>
+                  <a:pt x="314546" y="974543"/>
+                </a:lnTo>
+                <a:lnTo>
+                  <a:pt x="342007" y="946156"/>
+                </a:lnTo>
+                <a:lnTo>
+                  <a:pt x="368633" y="915509"/>
+                </a:lnTo>
+                <a:lnTo>
+                  <a:pt x="394382" y="882675"/>
+                </a:lnTo>
+                <a:lnTo>
+                  <a:pt x="419216" y="847726"/>
+                </a:lnTo>
+                <a:lnTo>
+                  <a:pt x="443093" y="810734"/>
+                </a:lnTo>
+                <a:lnTo>
+                  <a:pt x="465974" y="771771"/>
+                </a:lnTo>
+                <a:lnTo>
+                  <a:pt x="487817" y="730910"/>
+                </a:lnTo>
+                <a:lnTo>
+                  <a:pt x="508584" y="688224"/>
+                </a:lnTo>
+                <a:lnTo>
+                  <a:pt x="528232" y="643783"/>
+                </a:lnTo>
+                <a:lnTo>
+                  <a:pt x="546723" y="597661"/>
+                </a:lnTo>
+                <a:lnTo>
+                  <a:pt x="564016" y="549929"/>
+                </a:lnTo>
+                <a:lnTo>
+                  <a:pt x="580071" y="500661"/>
+                </a:lnTo>
+                <a:lnTo>
+                  <a:pt x="594847" y="449928"/>
+                </a:lnTo>
+                <a:lnTo>
+                  <a:pt x="608304" y="397802"/>
+                </a:lnTo>
+                <a:lnTo>
+                  <a:pt x="620402" y="344356"/>
+                </a:lnTo>
+                <a:lnTo>
+                  <a:pt x="631100" y="289662"/>
+                </a:lnTo>
+                <a:lnTo>
+                  <a:pt x="640359" y="233792"/>
+                </a:lnTo>
+                <a:lnTo>
+                  <a:pt x="648137" y="176818"/>
+                </a:lnTo>
+                <a:lnTo>
+                  <a:pt x="654396" y="118814"/>
+                </a:lnTo>
+                <a:lnTo>
+                  <a:pt x="659093" y="59850"/>
+                </a:lnTo>
+                <a:lnTo>
+                  <a:pt x="662190" y="0"/>
+                </a:lnTo>
+                <a:lnTo>
+                  <a:pt x="663373" y="41660"/>
+                </a:lnTo>
+                <a:lnTo>
+                  <a:pt x="663765" y="83464"/>
+                </a:lnTo>
+                <a:lnTo>
+                  <a:pt x="662900" y="145247"/>
+                </a:lnTo>
+                <a:lnTo>
+                  <a:pt x="660334" y="206220"/>
+                </a:lnTo>
+                <a:lnTo>
+                  <a:pt x="656109" y="266306"/>
+                </a:lnTo>
+                <a:lnTo>
+                  <a:pt x="650267" y="325430"/>
+                </a:lnTo>
+                <a:lnTo>
+                  <a:pt x="642849" y="383517"/>
+                </a:lnTo>
+                <a:lnTo>
+                  <a:pt x="633898" y="440490"/>
+                </a:lnTo>
+                <a:lnTo>
+                  <a:pt x="623455" y="496276"/>
+                </a:lnTo>
+                <a:lnTo>
+                  <a:pt x="611564" y="550797"/>
+                </a:lnTo>
+                <a:lnTo>
+                  <a:pt x="598265" y="603980"/>
+                </a:lnTo>
+                <a:lnTo>
+                  <a:pt x="583600" y="655747"/>
+                </a:lnTo>
+                <a:lnTo>
+                  <a:pt x="567613" y="706024"/>
+                </a:lnTo>
+                <a:lnTo>
+                  <a:pt x="550344" y="754735"/>
+                </a:lnTo>
+                <a:lnTo>
+                  <a:pt x="531836" y="801805"/>
+                </a:lnTo>
+                <a:lnTo>
+                  <a:pt x="512130" y="847158"/>
+                </a:lnTo>
+                <a:lnTo>
+                  <a:pt x="491269" y="890719"/>
+                </a:lnTo>
+                <a:lnTo>
+                  <a:pt x="469295" y="932412"/>
+                </a:lnTo>
+                <a:lnTo>
+                  <a:pt x="446250" y="972162"/>
+                </a:lnTo>
+                <a:lnTo>
+                  <a:pt x="422175" y="1009893"/>
+                </a:lnTo>
+                <a:lnTo>
+                  <a:pt x="397113" y="1045530"/>
+                </a:lnTo>
+                <a:lnTo>
+                  <a:pt x="371106" y="1078997"/>
+                </a:lnTo>
+                <a:lnTo>
+                  <a:pt x="344196" y="1110219"/>
+                </a:lnTo>
+                <a:lnTo>
+                  <a:pt x="316424" y="1139120"/>
+                </a:lnTo>
+                <a:lnTo>
+                  <a:pt x="287833" y="1165625"/>
+                </a:lnTo>
+                <a:lnTo>
+                  <a:pt x="228361" y="1211145"/>
+                </a:lnTo>
+                <a:lnTo>
+                  <a:pt x="166116" y="1246174"/>
+                </a:lnTo>
+                <a:lnTo>
+                  <a:pt x="166116" y="1328470"/>
+                </a:lnTo>
+                <a:close/>
+              </a:path>
+            </a:pathLst>
+          </a:custGeom>
+          <a:solidFill>
+            <a:srgbClr val="FFC000"/>
+          </a:solidFill>
+        </p:spPr>
+        <p:txBody>
+          <a:bodyPr wrap="square" lIns="0" tIns="0" rIns="0" bIns="0" rtlCol="0"/>
+          <a:lstStyle/>
+          <a:p/>
+        </p:txBody>
+      </p:sp>
+      <p:pic>
+        <p:nvPicPr>
+          <p:cNvPr id="30" name="object 30"/>
+          <p:cNvPicPr/>
+          <p:nvPr/>
+        </p:nvPicPr>
+        <p:blipFill>
+          <a:blip r:embed="rId11" cstate="print"/>
+          <a:stretch>
+            <a:fillRect/>
+          </a:stretch>
+        </p:blipFill>
+        <p:spPr>
+          <a:xfrm>
+            <a:off x="8634730" y="2468880"/>
+            <a:ext cx="670560" cy="1372870"/>
+          </a:xfrm>
+          <a:prstGeom prst="rect">
+            <a:avLst/>
+          </a:prstGeom>
+        </p:spPr>
+      </p:pic>
+      <p:pic>
+        <p:nvPicPr>
+          <p:cNvPr id="31" name="object 31"/>
+          <p:cNvPicPr/>
+          <p:nvPr/>
+        </p:nvPicPr>
+        <p:blipFill>
+          <a:blip r:embed="rId12" cstate="print"/>
+          <a:stretch>
+            <a:fillRect/>
+          </a:stretch>
+        </p:blipFill>
+        <p:spPr>
+          <a:xfrm>
+            <a:off x="8628380" y="2465070"/>
+            <a:ext cx="680085" cy="2628900"/>
+          </a:xfrm>
+          <a:prstGeom prst="rect">
+            <a:avLst/>
+          </a:prstGeom>
+        </p:spPr>
+      </p:pic>
+      <p:sp>
+        <p:nvSpPr>
+          <p:cNvPr id="33" name="文本框 32"/>
+          <p:cNvSpPr txBox="1"/>
+          <p:nvPr/>
+        </p:nvSpPr>
+        <p:spPr>
+          <a:xfrm>
+            <a:off x="4177665" y="2355850"/>
+            <a:ext cx="879475" cy="332105"/>
+          </a:xfrm>
+          <a:prstGeom prst="rect">
+            <a:avLst/>
+          </a:prstGeom>
+          <a:noFill/>
+        </p:spPr>
+        <p:txBody>
+          <a:bodyPr wrap="none" rtlCol="0">
+            <a:spAutoFit/>
+          </a:bodyPr>
+          <a:p>
+            <a:pPr marL="12700" algn="l">
+              <a:lnSpc>
+                <a:spcPts val="1880"/>
+              </a:lnSpc>
+            </a:pPr>
+            <a:r>
+              <a:rPr lang="zh-CN" spc="-5" dirty="0">
+                <a:solidFill>
+                  <a:srgbClr val="FFFFFF"/>
+                </a:solidFill>
+                <a:latin typeface="微软雅黑"/>
+                <a:cs typeface="微软雅黑"/>
+                <a:sym typeface="+mn-ea"/>
+              </a:rPr>
+              <a:t>活动</a:t>
+            </a:r>
+            <a:r>
+              <a:rPr spc="-5" dirty="0">
+                <a:solidFill>
+                  <a:srgbClr val="FFFFFF"/>
+                </a:solidFill>
+                <a:latin typeface="微软雅黑"/>
+                <a:cs typeface="微软雅黑"/>
+                <a:sym typeface="+mn-ea"/>
+              </a:rPr>
+              <a:t>页</a:t>
+            </a:r>
+            <a:endParaRPr lang="zh-CN" altLang="en-US"/>
+          </a:p>
+        </p:txBody>
+      </p:sp>
+      <p:sp>
+        <p:nvSpPr>
+          <p:cNvPr id="34" name="文本框 33"/>
+          <p:cNvSpPr txBox="1"/>
+          <p:nvPr/>
+        </p:nvSpPr>
+        <p:spPr>
+          <a:xfrm>
+            <a:off x="4272280" y="2101215"/>
+            <a:ext cx="993140" cy="368300"/>
+          </a:xfrm>
+          <a:prstGeom prst="rect">
+            <a:avLst/>
+          </a:prstGeom>
+          <a:noFill/>
+        </p:spPr>
+        <p:txBody>
+          <a:bodyPr wrap="square" rtlCol="0">
+            <a:spAutoFit/>
+          </a:bodyPr>
+          <a:p>
+            <a:r>
+              <a:rPr lang="en-US" altLang="zh-CN"/>
+              <a:t>2067</a:t>
+            </a:r>
+            <a:endParaRPr lang="en-US" altLang="zh-CN"/>
+          </a:p>
+        </p:txBody>
+      </p:sp>
+      <p:sp>
+        <p:nvSpPr>
+          <p:cNvPr id="35" name="文本框 34"/>
+          <p:cNvSpPr txBox="1"/>
+          <p:nvPr/>
+        </p:nvSpPr>
+        <p:spPr>
+          <a:xfrm>
+            <a:off x="7500620" y="2962275"/>
+            <a:ext cx="1137285" cy="368300"/>
+          </a:xfrm>
+          <a:prstGeom prst="rect">
+            <a:avLst/>
+          </a:prstGeom>
+          <a:noFill/>
+        </p:spPr>
+        <p:txBody>
+          <a:bodyPr wrap="square" rtlCol="0">
+            <a:spAutoFit/>
+          </a:bodyPr>
+          <a:p>
+            <a:r>
+              <a:rPr lang="en-US" altLang="zh-CN"/>
+              <a:t>18.7%</a:t>
+            </a:r>
+            <a:endParaRPr lang="en-US" altLang="zh-CN"/>
+          </a:p>
+        </p:txBody>
+      </p:sp>
+      <p:sp>
+        <p:nvSpPr>
+          <p:cNvPr id="36" name="文本框 35"/>
+          <p:cNvSpPr txBox="1"/>
+          <p:nvPr/>
+        </p:nvSpPr>
+        <p:spPr>
+          <a:xfrm>
+            <a:off x="7500620" y="4285615"/>
+            <a:ext cx="1254125" cy="368300"/>
+          </a:xfrm>
+          <a:prstGeom prst="rect">
+            <a:avLst/>
+          </a:prstGeom>
+          <a:noFill/>
+        </p:spPr>
+        <p:txBody>
+          <a:bodyPr wrap="square" rtlCol="0">
+            <a:spAutoFit/>
+          </a:bodyPr>
+          <a:p>
+            <a:r>
+              <a:rPr lang="en-US" altLang="zh-CN"/>
+              <a:t>29.97%</a:t>
+            </a:r>
+            <a:endParaRPr lang="en-US" altLang="zh-CN"/>
+          </a:p>
+        </p:txBody>
+      </p:sp>
+      <p:sp>
+        <p:nvSpPr>
+          <p:cNvPr id="37" name="文本框 36"/>
+          <p:cNvSpPr txBox="1"/>
+          <p:nvPr/>
+        </p:nvSpPr>
+        <p:spPr>
+          <a:xfrm>
+            <a:off x="9752965" y="3513455"/>
+            <a:ext cx="1407795" cy="368300"/>
+          </a:xfrm>
+          <a:prstGeom prst="rect">
+            <a:avLst/>
+          </a:prstGeom>
+          <a:noFill/>
+        </p:spPr>
+        <p:txBody>
+          <a:bodyPr wrap="square" rtlCol="0">
+            <a:spAutoFit/>
+          </a:bodyPr>
+          <a:p>
+            <a:r>
+              <a:rPr lang="en-US" altLang="zh-CN"/>
+              <a:t>5.6%</a:t>
+            </a:r>
+            <a:endParaRPr lang="en-US" altLang="zh-CN"/>
+          </a:p>
+        </p:txBody>
+      </p:sp>
+      <p:sp>
+        <p:nvSpPr>
+          <p:cNvPr id="38" name="文本框 37"/>
+          <p:cNvSpPr txBox="1"/>
+          <p:nvPr/>
+        </p:nvSpPr>
+        <p:spPr>
+          <a:xfrm>
+            <a:off x="4272280" y="3330575"/>
+            <a:ext cx="992505" cy="368300"/>
+          </a:xfrm>
+          <a:prstGeom prst="rect">
+            <a:avLst/>
+          </a:prstGeom>
+          <a:noFill/>
+        </p:spPr>
+        <p:txBody>
+          <a:bodyPr wrap="square" rtlCol="0">
+            <a:spAutoFit/>
+          </a:bodyPr>
+          <a:p>
+            <a:r>
+              <a:rPr lang="en-US" altLang="zh-CN"/>
+              <a:t>387</a:t>
+            </a:r>
+            <a:endParaRPr lang="en-US" altLang="zh-CN"/>
+          </a:p>
+        </p:txBody>
+      </p:sp>
+      <p:sp>
+        <p:nvSpPr>
+          <p:cNvPr id="39" name="文本框 38"/>
+          <p:cNvSpPr txBox="1"/>
+          <p:nvPr/>
+        </p:nvSpPr>
+        <p:spPr>
+          <a:xfrm>
+            <a:off x="4272280" y="4482465"/>
+            <a:ext cx="979170" cy="368300"/>
+          </a:xfrm>
+          <a:prstGeom prst="rect">
+            <a:avLst/>
+          </a:prstGeom>
+          <a:noFill/>
+        </p:spPr>
+        <p:txBody>
+          <a:bodyPr wrap="square" rtlCol="0">
+            <a:spAutoFit/>
+          </a:bodyPr>
+          <a:p>
+            <a:r>
+              <a:rPr lang="en-US" altLang="zh-CN"/>
+              <a:t>116</a:t>
+            </a:r>
+            <a:endParaRPr lang="en-US" altLang="zh-CN"/>
+          </a:p>
+        </p:txBody>
+      </p:sp>
     </p:spTree>
   </p:cSld>
   <p:clrMapOvr>
@@ -4904,13 +4973,13 @@
             <a:spLocks noGrp="1"/>
           </p:cNvSpPr>
           <p:nvPr>
-            <p:ph type="title"/>
+            <p:ph type="title" idx="4294967295"/>
           </p:nvPr>
         </p:nvSpPr>
         <p:spPr>
           <a:xfrm>
-            <a:off x="859789" y="509905"/>
-            <a:ext cx="1447165" cy="451484"/>
+            <a:off x="836930" y="522605"/>
+            <a:ext cx="1447165" cy="442595"/>
           </a:xfrm>
           <a:prstGeom prst="rect">
             <a:avLst/>
@@ -5212,2904 +5281,6 @@
           </p:txBody>
         </p:sp>
       </p:grpSp>
-      <p:graphicFrame>
-        <p:nvGraphicFramePr>
-          <p:cNvPr id="6" name="object 6"/>
-          <p:cNvGraphicFramePr>
-            <a:graphicFrameLocks noGrp="1"/>
-          </p:cNvGraphicFramePr>
-          <p:nvPr/>
-        </p:nvGraphicFramePr>
-        <p:xfrm>
-          <a:off x="1315211" y="1432560"/>
-          <a:ext cx="3048000" cy="4375150"/>
-        </p:xfrm>
-        <a:graphic>
-          <a:graphicData uri="http://schemas.openxmlformats.org/drawingml/2006/table">
-            <a:tbl>
-              <a:tblPr firstRow="1" bandRow="1">
-                <a:tableStyleId>{2D5ABB26-0587-4C30-8999-92F81FD0307C}</a:tableStyleId>
-              </a:tblPr>
-              <a:tblGrid>
-                <a:gridCol w="1524635"/>
-                <a:gridCol w="1523365"/>
-              </a:tblGrid>
-              <a:tr h="362711">
-                <a:tc gridSpan="2">
-                  <a:txBody>
-                    <a:bodyPr/>
-                    <a:lstStyle/>
-                    <a:p>
-                      <a:pPr marL="1270" algn="ctr">
-                        <a:lnSpc>
-                          <a:spcPct val="100000"/>
-                        </a:lnSpc>
-                        <a:spcBef>
-                          <a:spcPts val="425"/>
-                        </a:spcBef>
-                      </a:pPr>
-                      <a:r>
-                        <a:rPr sz="1400" dirty="0">
-                          <a:solidFill>
-                            <a:srgbClr val="FFFFFF"/>
-                          </a:solidFill>
-                          <a:latin typeface="微软雅黑"/>
-                          <a:cs typeface="微软雅黑"/>
-                        </a:rPr>
-                        <a:t>流</a:t>
-                      </a:r>
-                      <a:r>
-                        <a:rPr sz="1400" spc="5" dirty="0">
-                          <a:solidFill>
-                            <a:srgbClr val="FFFFFF"/>
-                          </a:solidFill>
-                          <a:latin typeface="微软雅黑"/>
-                          <a:cs typeface="微软雅黑"/>
-                        </a:rPr>
-                        <a:t>量</a:t>
-                      </a:r>
-                      <a:endParaRPr sz="1400">
-                        <a:latin typeface="微软雅黑"/>
-                        <a:cs typeface="微软雅黑"/>
-                      </a:endParaRPr>
-                    </a:p>
-                  </a:txBody>
-                  <a:tcPr marL="0" marR="0" marT="53975" marB="0">
-                    <a:solidFill>
-                      <a:srgbClr val="BEBEBE"/>
-                    </a:solidFill>
-                  </a:tcPr>
-                </a:tc>
-                <a:tc hMerge="1">
-                  <a:tcPr marL="0" marR="0" marT="0" marB="0"/>
-                </a:tc>
-              </a:tr>
-              <a:tr h="364236">
-                <a:tc>
-                  <a:txBody>
-                    <a:bodyPr/>
-                    <a:lstStyle/>
-                    <a:p>
-                      <a:pPr marL="635" algn="ctr">
-                        <a:lnSpc>
-                          <a:spcPct val="100000"/>
-                        </a:lnSpc>
-                        <a:spcBef>
-                          <a:spcPts val="435"/>
-                        </a:spcBef>
-                      </a:pPr>
-                      <a:r>
-                        <a:rPr sz="1400" dirty="0">
-                          <a:solidFill>
-                            <a:srgbClr val="FFFFFF"/>
-                          </a:solidFill>
-                          <a:latin typeface="微软雅黑"/>
-                          <a:cs typeface="微软雅黑"/>
-                        </a:rPr>
-                        <a:t>渠</a:t>
-                      </a:r>
-                      <a:r>
-                        <a:rPr sz="1400" spc="5" dirty="0">
-                          <a:solidFill>
-                            <a:srgbClr val="FFFFFF"/>
-                          </a:solidFill>
-                          <a:latin typeface="微软雅黑"/>
-                          <a:cs typeface="微软雅黑"/>
-                        </a:rPr>
-                        <a:t>道</a:t>
-                      </a:r>
-                      <a:endParaRPr sz="1400">
-                        <a:latin typeface="微软雅黑"/>
-                        <a:cs typeface="微软雅黑"/>
-                      </a:endParaRPr>
-                    </a:p>
-                  </a:txBody>
-                  <a:tcPr marL="0" marR="0" marT="55244" marB="0">
-                    <a:lnR w="19050">
-                      <a:solidFill>
-                        <a:srgbClr val="FFFFFF"/>
-                      </a:solidFill>
-                      <a:prstDash val="solid"/>
-                    </a:lnR>
-                    <a:solidFill>
-                      <a:srgbClr val="404040"/>
-                    </a:solidFill>
-                  </a:tcPr>
-                </a:tc>
-                <a:tc>
-                  <a:txBody>
-                    <a:bodyPr/>
-                    <a:lstStyle/>
-                    <a:p>
-                      <a:pPr marR="575310" algn="r">
-                        <a:lnSpc>
-                          <a:spcPct val="100000"/>
-                        </a:lnSpc>
-                        <a:spcBef>
-                          <a:spcPts val="435"/>
-                        </a:spcBef>
-                      </a:pPr>
-                      <a:r>
-                        <a:rPr sz="1400" dirty="0">
-                          <a:solidFill>
-                            <a:srgbClr val="FFFFFF"/>
-                          </a:solidFill>
-                          <a:latin typeface="微软雅黑"/>
-                          <a:cs typeface="微软雅黑"/>
-                        </a:rPr>
-                        <a:t>流</a:t>
-                      </a:r>
-                      <a:r>
-                        <a:rPr sz="1400" spc="5" dirty="0">
-                          <a:solidFill>
-                            <a:srgbClr val="FFFFFF"/>
-                          </a:solidFill>
-                          <a:latin typeface="微软雅黑"/>
-                          <a:cs typeface="微软雅黑"/>
-                        </a:rPr>
-                        <a:t>量</a:t>
-                      </a:r>
-                      <a:endParaRPr sz="1400">
-                        <a:latin typeface="微软雅黑"/>
-                        <a:cs typeface="微软雅黑"/>
-                      </a:endParaRPr>
-                    </a:p>
-                  </a:txBody>
-                  <a:tcPr marL="0" marR="0" marT="55244" marB="0">
-                    <a:lnL w="19050">
-                      <a:solidFill>
-                        <a:srgbClr val="FFFFFF"/>
-                      </a:solidFill>
-                      <a:prstDash val="solid"/>
-                    </a:lnL>
-                    <a:solidFill>
-                      <a:srgbClr val="E24D4D"/>
-                    </a:solidFill>
-                  </a:tcPr>
-                </a:tc>
-              </a:tr>
-              <a:tr h="364235">
-                <a:tc>
-                  <a:txBody>
-                    <a:bodyPr/>
-                    <a:lstStyle/>
-                    <a:p>
-                      <a:pPr algn="ctr">
-                        <a:lnSpc>
-                          <a:spcPct val="100000"/>
-                        </a:lnSpc>
-                        <a:spcBef>
-                          <a:spcPts val="555"/>
-                        </a:spcBef>
-                      </a:pPr>
-                      <a:r>
-                        <a:rPr sz="1200" dirty="0">
-                          <a:solidFill>
-                            <a:srgbClr val="404040"/>
-                          </a:solidFill>
-                          <a:latin typeface="微软雅黑"/>
-                          <a:cs typeface="微软雅黑"/>
-                        </a:rPr>
-                        <a:t>弹窗</a:t>
-                      </a:r>
-                      <a:endParaRPr sz="1200">
-                        <a:latin typeface="微软雅黑"/>
-                        <a:cs typeface="微软雅黑"/>
-                      </a:endParaRPr>
-                    </a:p>
-                  </a:txBody>
-                  <a:tcPr marL="0" marR="0" marT="70485" marB="0">
-                    <a:solidFill>
-                      <a:srgbClr val="FFFFFF"/>
-                    </a:solidFill>
-                  </a:tcPr>
-                </a:tc>
-                <a:tc>
-                  <a:txBody>
-                    <a:bodyPr/>
-                    <a:lstStyle/>
-                    <a:p>
-                      <a:pPr marR="619760" algn="r">
-                        <a:lnSpc>
-                          <a:spcPct val="100000"/>
-                        </a:lnSpc>
-                        <a:spcBef>
-                          <a:spcPts val="555"/>
-                        </a:spcBef>
-                      </a:pPr>
-                      <a:r>
-                        <a:rPr sz="1200" dirty="0">
-                          <a:solidFill>
-                            <a:srgbClr val="404040"/>
-                          </a:solidFill>
-                          <a:latin typeface="微软雅黑"/>
-                          <a:cs typeface="微软雅黑"/>
-                        </a:rPr>
-                        <a:t>729</a:t>
-                      </a:r>
-                      <a:endParaRPr sz="1200">
-                        <a:latin typeface="微软雅黑"/>
-                        <a:cs typeface="微软雅黑"/>
-                      </a:endParaRPr>
-                    </a:p>
-                  </a:txBody>
-                  <a:tcPr marL="0" marR="0" marT="70485" marB="0">
-                    <a:solidFill>
-                      <a:srgbClr val="FFFFFF"/>
-                    </a:solidFill>
-                  </a:tcPr>
-                </a:tc>
-              </a:tr>
-              <a:tr h="364235">
-                <a:tc>
-                  <a:txBody>
-                    <a:bodyPr/>
-                    <a:lstStyle/>
-                    <a:p>
-                      <a:pPr marR="346075" algn="r">
-                        <a:lnSpc>
-                          <a:spcPct val="100000"/>
-                        </a:lnSpc>
-                        <a:spcBef>
-                          <a:spcPts val="550"/>
-                        </a:spcBef>
-                      </a:pPr>
-                      <a:r>
-                        <a:rPr sz="1200" dirty="0">
-                          <a:solidFill>
-                            <a:srgbClr val="404040"/>
-                          </a:solidFill>
-                          <a:latin typeface="微软雅黑"/>
-                          <a:cs typeface="微软雅黑"/>
-                        </a:rPr>
-                        <a:t>首页</a:t>
-                      </a:r>
-                      <a:r>
-                        <a:rPr sz="1200" spc="-5" dirty="0">
-                          <a:solidFill>
-                            <a:srgbClr val="404040"/>
-                          </a:solidFill>
-                          <a:latin typeface="微软雅黑"/>
-                          <a:cs typeface="微软雅黑"/>
-                        </a:rPr>
-                        <a:t>banner</a:t>
-                      </a:r>
-                      <a:endParaRPr sz="1200">
-                        <a:latin typeface="微软雅黑"/>
-                        <a:cs typeface="微软雅黑"/>
-                      </a:endParaRPr>
-                    </a:p>
-                  </a:txBody>
-                  <a:tcPr marL="0" marR="0" marT="69850" marB="0">
-                    <a:lnR w="19050">
-                      <a:solidFill>
-                        <a:srgbClr val="FFFFFF"/>
-                      </a:solidFill>
-                      <a:prstDash val="solid"/>
-                    </a:lnR>
-                    <a:solidFill>
-                      <a:srgbClr val="F1F1F1"/>
-                    </a:solidFill>
-                  </a:tcPr>
-                </a:tc>
-                <a:tc>
-                  <a:txBody>
-                    <a:bodyPr/>
-                    <a:lstStyle/>
-                    <a:p>
-                      <a:pPr marR="619760" algn="r">
-                        <a:lnSpc>
-                          <a:spcPct val="100000"/>
-                        </a:lnSpc>
-                        <a:spcBef>
-                          <a:spcPts val="550"/>
-                        </a:spcBef>
-                      </a:pPr>
-                      <a:r>
-                        <a:rPr sz="1200" dirty="0">
-                          <a:solidFill>
-                            <a:srgbClr val="404040"/>
-                          </a:solidFill>
-                          <a:latin typeface="微软雅黑"/>
-                          <a:cs typeface="微软雅黑"/>
-                        </a:rPr>
-                        <a:t>201</a:t>
-                      </a:r>
-                      <a:endParaRPr sz="1200">
-                        <a:latin typeface="微软雅黑"/>
-                        <a:cs typeface="微软雅黑"/>
-                      </a:endParaRPr>
-                    </a:p>
-                  </a:txBody>
-                  <a:tcPr marL="0" marR="0" marT="69850" marB="0">
-                    <a:lnL w="19050">
-                      <a:solidFill>
-                        <a:srgbClr val="FFFFFF"/>
-                      </a:solidFill>
-                      <a:prstDash val="solid"/>
-                    </a:lnL>
-                    <a:solidFill>
-                      <a:srgbClr val="F1F1F1"/>
-                    </a:solidFill>
-                  </a:tcPr>
-                </a:tc>
-              </a:tr>
-              <a:tr h="362712">
-                <a:tc>
-                  <a:txBody>
-                    <a:bodyPr/>
-                    <a:lstStyle/>
-                    <a:p>
-                      <a:pPr marR="388620" algn="r">
-                        <a:lnSpc>
-                          <a:spcPct val="100000"/>
-                        </a:lnSpc>
-                        <a:spcBef>
-                          <a:spcPts val="550"/>
-                        </a:spcBef>
-                      </a:pPr>
-                      <a:r>
-                        <a:rPr sz="1200" dirty="0">
-                          <a:solidFill>
-                            <a:srgbClr val="404040"/>
-                          </a:solidFill>
-                          <a:latin typeface="微软雅黑"/>
-                          <a:cs typeface="微软雅黑"/>
-                        </a:rPr>
-                        <a:t>信息流B01</a:t>
-                      </a:r>
-                      <a:endParaRPr sz="1200">
-                        <a:latin typeface="微软雅黑"/>
-                        <a:cs typeface="微软雅黑"/>
-                      </a:endParaRPr>
-                    </a:p>
-                  </a:txBody>
-                  <a:tcPr marL="0" marR="0" marT="69850" marB="0">
-                    <a:solidFill>
-                      <a:srgbClr val="FFFFFF"/>
-                    </a:solidFill>
-                  </a:tcPr>
-                </a:tc>
-                <a:tc>
-                  <a:txBody>
-                    <a:bodyPr/>
-                    <a:lstStyle/>
-                    <a:p>
-                      <a:pPr marR="619760" algn="r">
-                        <a:lnSpc>
-                          <a:spcPct val="100000"/>
-                        </a:lnSpc>
-                        <a:spcBef>
-                          <a:spcPts val="550"/>
-                        </a:spcBef>
-                      </a:pPr>
-                      <a:r>
-                        <a:rPr sz="1200" dirty="0">
-                          <a:solidFill>
-                            <a:srgbClr val="404040"/>
-                          </a:solidFill>
-                          <a:latin typeface="微软雅黑"/>
-                          <a:cs typeface="微软雅黑"/>
-                        </a:rPr>
-                        <a:t>162</a:t>
-                      </a:r>
-                      <a:endParaRPr sz="1200">
-                        <a:latin typeface="微软雅黑"/>
-                        <a:cs typeface="微软雅黑"/>
-                      </a:endParaRPr>
-                    </a:p>
-                  </a:txBody>
-                  <a:tcPr marL="0" marR="0" marT="69850" marB="0">
-                    <a:solidFill>
-                      <a:srgbClr val="FFFFFF"/>
-                    </a:solidFill>
-                  </a:tcPr>
-                </a:tc>
-              </a:tr>
-              <a:tr h="364235">
-                <a:tc>
-                  <a:txBody>
-                    <a:bodyPr/>
-                    <a:lstStyle/>
-                    <a:p>
-                      <a:pPr algn="ctr">
-                        <a:lnSpc>
-                          <a:spcPct val="100000"/>
-                        </a:lnSpc>
-                        <a:spcBef>
-                          <a:spcPts val="555"/>
-                        </a:spcBef>
-                      </a:pPr>
-                      <a:r>
-                        <a:rPr sz="1200" dirty="0">
-                          <a:solidFill>
-                            <a:srgbClr val="404040"/>
-                          </a:solidFill>
-                          <a:latin typeface="微软雅黑"/>
-                          <a:cs typeface="微软雅黑"/>
-                        </a:rPr>
-                        <a:t>海报1</a:t>
-                      </a:r>
-                      <a:endParaRPr sz="1200">
-                        <a:latin typeface="微软雅黑"/>
-                        <a:cs typeface="微软雅黑"/>
-                      </a:endParaRPr>
-                    </a:p>
-                  </a:txBody>
-                  <a:tcPr marL="0" marR="0" marT="70485" marB="0">
-                    <a:lnR w="19050">
-                      <a:solidFill>
-                        <a:srgbClr val="FFFFFF"/>
-                      </a:solidFill>
-                      <a:prstDash val="solid"/>
-                    </a:lnR>
-                    <a:solidFill>
-                      <a:srgbClr val="F1F1F1"/>
-                    </a:solidFill>
-                  </a:tcPr>
-                </a:tc>
-                <a:tc>
-                  <a:txBody>
-                    <a:bodyPr/>
-                    <a:lstStyle/>
-                    <a:p>
-                      <a:pPr marR="619760" algn="r">
-                        <a:lnSpc>
-                          <a:spcPct val="100000"/>
-                        </a:lnSpc>
-                        <a:spcBef>
-                          <a:spcPts val="555"/>
-                        </a:spcBef>
-                      </a:pPr>
-                      <a:r>
-                        <a:rPr sz="1200" dirty="0">
-                          <a:solidFill>
-                            <a:srgbClr val="404040"/>
-                          </a:solidFill>
-                          <a:latin typeface="微软雅黑"/>
-                          <a:cs typeface="微软雅黑"/>
-                        </a:rPr>
-                        <a:t>114</a:t>
-                      </a:r>
-                      <a:endParaRPr sz="1200">
-                        <a:latin typeface="微软雅黑"/>
-                        <a:cs typeface="微软雅黑"/>
-                      </a:endParaRPr>
-                    </a:p>
-                  </a:txBody>
-                  <a:tcPr marL="0" marR="0" marT="70485" marB="0">
-                    <a:lnL w="19050">
-                      <a:solidFill>
-                        <a:srgbClr val="FFFFFF"/>
-                      </a:solidFill>
-                      <a:prstDash val="solid"/>
-                    </a:lnL>
-                    <a:solidFill>
-                      <a:srgbClr val="F1F1F1"/>
-                    </a:solidFill>
-                  </a:tcPr>
-                </a:tc>
-              </a:tr>
-              <a:tr h="364236">
-                <a:tc>
-                  <a:txBody>
-                    <a:bodyPr/>
-                    <a:lstStyle/>
-                    <a:p>
-                      <a:pPr marL="457200">
-                        <a:lnSpc>
-                          <a:spcPct val="100000"/>
-                        </a:lnSpc>
-                        <a:spcBef>
-                          <a:spcPts val="555"/>
-                        </a:spcBef>
-                      </a:pPr>
-                      <a:r>
-                        <a:rPr sz="1200" dirty="0">
-                          <a:solidFill>
-                            <a:srgbClr val="404040"/>
-                          </a:solidFill>
-                          <a:latin typeface="微软雅黑"/>
-                          <a:cs typeface="微软雅黑"/>
-                        </a:rPr>
-                        <a:t>首页轮播</a:t>
-                      </a:r>
-                      <a:endParaRPr sz="1200">
-                        <a:latin typeface="微软雅黑"/>
-                        <a:cs typeface="微软雅黑"/>
-                      </a:endParaRPr>
-                    </a:p>
-                  </a:txBody>
-                  <a:tcPr marL="0" marR="0" marT="70485" marB="0">
-                    <a:solidFill>
-                      <a:srgbClr val="FFFFFF"/>
-                    </a:solidFill>
-                  </a:tcPr>
-                </a:tc>
-                <a:tc>
-                  <a:txBody>
-                    <a:bodyPr/>
-                    <a:lstStyle/>
-                    <a:p>
-                      <a:pPr algn="ctr">
-                        <a:lnSpc>
-                          <a:spcPct val="100000"/>
-                        </a:lnSpc>
-                        <a:spcBef>
-                          <a:spcPts val="555"/>
-                        </a:spcBef>
-                      </a:pPr>
-                      <a:r>
-                        <a:rPr sz="1200" dirty="0">
-                          <a:solidFill>
-                            <a:srgbClr val="404040"/>
-                          </a:solidFill>
-                          <a:latin typeface="微软雅黑"/>
-                          <a:cs typeface="微软雅黑"/>
-                        </a:rPr>
-                        <a:t>96</a:t>
-                      </a:r>
-                      <a:endParaRPr sz="1200">
-                        <a:latin typeface="微软雅黑"/>
-                        <a:cs typeface="微软雅黑"/>
-                      </a:endParaRPr>
-                    </a:p>
-                  </a:txBody>
-                  <a:tcPr marL="0" marR="0" marT="70485" marB="0">
-                    <a:solidFill>
-                      <a:srgbClr val="FFFFFF"/>
-                    </a:solidFill>
-                  </a:tcPr>
-                </a:tc>
-              </a:tr>
-              <a:tr h="364236">
-                <a:tc>
-                  <a:txBody>
-                    <a:bodyPr/>
-                    <a:lstStyle/>
-                    <a:p>
-                      <a:pPr marL="462280">
-                        <a:lnSpc>
-                          <a:spcPct val="100000"/>
-                        </a:lnSpc>
-                        <a:spcBef>
-                          <a:spcPts val="550"/>
-                        </a:spcBef>
-                      </a:pPr>
-                      <a:r>
-                        <a:rPr sz="1200" dirty="0">
-                          <a:solidFill>
-                            <a:srgbClr val="404040"/>
-                          </a:solidFill>
-                          <a:latin typeface="微软雅黑"/>
-                          <a:cs typeface="微软雅黑"/>
-                        </a:rPr>
-                        <a:t>APP轮播</a:t>
-                      </a:r>
-                      <a:endParaRPr sz="1200">
-                        <a:latin typeface="微软雅黑"/>
-                        <a:cs typeface="微软雅黑"/>
-                      </a:endParaRPr>
-                    </a:p>
-                  </a:txBody>
-                  <a:tcPr marL="0" marR="0" marT="69850" marB="0">
-                    <a:lnR w="19050">
-                      <a:solidFill>
-                        <a:srgbClr val="FFFFFF"/>
-                      </a:solidFill>
-                      <a:prstDash val="solid"/>
-                    </a:lnR>
-                    <a:solidFill>
-                      <a:srgbClr val="F1F1F1"/>
-                    </a:solidFill>
-                  </a:tcPr>
-                </a:tc>
-                <a:tc>
-                  <a:txBody>
-                    <a:bodyPr/>
-                    <a:lstStyle/>
-                    <a:p>
-                      <a:pPr algn="ctr">
-                        <a:lnSpc>
-                          <a:spcPct val="100000"/>
-                        </a:lnSpc>
-                        <a:spcBef>
-                          <a:spcPts val="550"/>
-                        </a:spcBef>
-                      </a:pPr>
-                      <a:r>
-                        <a:rPr sz="1200" dirty="0">
-                          <a:solidFill>
-                            <a:srgbClr val="404040"/>
-                          </a:solidFill>
-                          <a:latin typeface="微软雅黑"/>
-                          <a:cs typeface="微软雅黑"/>
-                        </a:rPr>
-                        <a:t>86</a:t>
-                      </a:r>
-                      <a:endParaRPr sz="1200">
-                        <a:latin typeface="微软雅黑"/>
-                        <a:cs typeface="微软雅黑"/>
-                      </a:endParaRPr>
-                    </a:p>
-                  </a:txBody>
-                  <a:tcPr marL="0" marR="0" marT="69850" marB="0">
-                    <a:lnL w="19050">
-                      <a:solidFill>
-                        <a:srgbClr val="FFFFFF"/>
-                      </a:solidFill>
-                      <a:prstDash val="solid"/>
-                    </a:lnL>
-                    <a:solidFill>
-                      <a:srgbClr val="F1F1F1"/>
-                    </a:solidFill>
-                  </a:tcPr>
-                </a:tc>
-              </a:tr>
-              <a:tr h="362712">
-                <a:tc>
-                  <a:txBody>
-                    <a:bodyPr/>
-                    <a:lstStyle/>
-                    <a:p>
-                      <a:pPr marR="346075" algn="r">
-                        <a:lnSpc>
-                          <a:spcPct val="100000"/>
-                        </a:lnSpc>
-                        <a:spcBef>
-                          <a:spcPts val="550"/>
-                        </a:spcBef>
-                      </a:pPr>
-                      <a:r>
-                        <a:rPr sz="1200" dirty="0">
-                          <a:solidFill>
-                            <a:srgbClr val="404040"/>
-                          </a:solidFill>
-                          <a:latin typeface="微软雅黑"/>
-                          <a:cs typeface="微软雅黑"/>
-                        </a:rPr>
-                        <a:t>果园</a:t>
-                      </a:r>
-                      <a:r>
-                        <a:rPr sz="1200" spc="-5" dirty="0">
-                          <a:solidFill>
-                            <a:srgbClr val="404040"/>
-                          </a:solidFill>
-                          <a:latin typeface="微软雅黑"/>
-                          <a:cs typeface="微软雅黑"/>
-                        </a:rPr>
-                        <a:t>banner</a:t>
-                      </a:r>
-                      <a:endParaRPr sz="1200">
-                        <a:latin typeface="微软雅黑"/>
-                        <a:cs typeface="微软雅黑"/>
-                      </a:endParaRPr>
-                    </a:p>
-                  </a:txBody>
-                  <a:tcPr marL="0" marR="0" marT="69850" marB="0">
-                    <a:solidFill>
-                      <a:srgbClr val="FFFFFF"/>
-                    </a:solidFill>
-                  </a:tcPr>
-                </a:tc>
-                <a:tc>
-                  <a:txBody>
-                    <a:bodyPr/>
-                    <a:lstStyle/>
-                    <a:p>
-                      <a:pPr algn="ctr">
-                        <a:lnSpc>
-                          <a:spcPct val="100000"/>
-                        </a:lnSpc>
-                        <a:spcBef>
-                          <a:spcPts val="550"/>
-                        </a:spcBef>
-                      </a:pPr>
-                      <a:r>
-                        <a:rPr sz="1200" dirty="0">
-                          <a:solidFill>
-                            <a:srgbClr val="404040"/>
-                          </a:solidFill>
-                          <a:latin typeface="微软雅黑"/>
-                          <a:cs typeface="微软雅黑"/>
-                        </a:rPr>
-                        <a:t>75</a:t>
-                      </a:r>
-                      <a:endParaRPr sz="1200">
-                        <a:latin typeface="微软雅黑"/>
-                        <a:cs typeface="微软雅黑"/>
-                      </a:endParaRPr>
-                    </a:p>
-                  </a:txBody>
-                  <a:tcPr marL="0" marR="0" marT="69850" marB="0">
-                    <a:solidFill>
-                      <a:srgbClr val="FFFFFF"/>
-                    </a:solidFill>
-                  </a:tcPr>
-                </a:tc>
-              </a:tr>
-              <a:tr h="728472">
-                <a:tc>
-                  <a:txBody>
-                    <a:bodyPr/>
-                    <a:lstStyle/>
-                    <a:p>
-                      <a:pPr algn="ctr">
-                        <a:lnSpc>
-                          <a:spcPct val="100000"/>
-                        </a:lnSpc>
-                        <a:spcBef>
-                          <a:spcPts val="555"/>
-                        </a:spcBef>
-                      </a:pPr>
-                      <a:r>
-                        <a:rPr sz="1200" dirty="0">
-                          <a:solidFill>
-                            <a:srgbClr val="404040"/>
-                          </a:solidFill>
-                          <a:latin typeface="微软雅黑"/>
-                          <a:cs typeface="微软雅黑"/>
-                        </a:rPr>
-                        <a:t>海报2</a:t>
-                      </a:r>
-                      <a:endParaRPr sz="1200">
-                        <a:latin typeface="微软雅黑"/>
-                        <a:cs typeface="微软雅黑"/>
-                      </a:endParaRPr>
-                    </a:p>
-                    <a:p>
-                      <a:pPr algn="ctr">
-                        <a:lnSpc>
-                          <a:spcPct val="100000"/>
-                        </a:lnSpc>
-                        <a:spcBef>
-                          <a:spcPts val="1430"/>
-                        </a:spcBef>
-                      </a:pPr>
-                      <a:r>
-                        <a:rPr sz="1200" dirty="0">
-                          <a:solidFill>
-                            <a:srgbClr val="404040"/>
-                          </a:solidFill>
-                          <a:latin typeface="微软雅黑"/>
-                          <a:cs typeface="微软雅黑"/>
-                        </a:rPr>
-                        <a:t>开店</a:t>
-                      </a:r>
-                      <a:r>
-                        <a:rPr sz="1200" spc="-5" dirty="0">
-                          <a:solidFill>
-                            <a:srgbClr val="404040"/>
-                          </a:solidFill>
-                          <a:latin typeface="微软雅黑"/>
-                          <a:cs typeface="微软雅黑"/>
-                        </a:rPr>
-                        <a:t>banner</a:t>
-                      </a:r>
-                      <a:endParaRPr sz="1200">
-                        <a:latin typeface="微软雅黑"/>
-                        <a:cs typeface="微软雅黑"/>
-                      </a:endParaRPr>
-                    </a:p>
-                  </a:txBody>
-                  <a:tcPr marL="0" marR="0" marT="70485" marB="0">
-                    <a:lnR w="19050">
-                      <a:solidFill>
-                        <a:srgbClr val="FFFFFF"/>
-                      </a:solidFill>
-                      <a:prstDash val="solid"/>
-                    </a:lnR>
-                    <a:solidFill>
-                      <a:srgbClr val="F1F1F1"/>
-                    </a:solidFill>
-                  </a:tcPr>
-                </a:tc>
-                <a:tc>
-                  <a:txBody>
-                    <a:bodyPr/>
-                    <a:lstStyle/>
-                    <a:p>
-                      <a:pPr algn="ctr">
-                        <a:lnSpc>
-                          <a:spcPct val="100000"/>
-                        </a:lnSpc>
-                        <a:spcBef>
-                          <a:spcPts val="555"/>
-                        </a:spcBef>
-                      </a:pPr>
-                      <a:r>
-                        <a:rPr sz="1200" dirty="0">
-                          <a:solidFill>
-                            <a:srgbClr val="404040"/>
-                          </a:solidFill>
-                          <a:latin typeface="微软雅黑"/>
-                          <a:cs typeface="微软雅黑"/>
-                        </a:rPr>
-                        <a:t>54</a:t>
-                      </a:r>
-                      <a:endParaRPr sz="1200">
-                        <a:latin typeface="微软雅黑"/>
-                        <a:cs typeface="微软雅黑"/>
-                      </a:endParaRPr>
-                    </a:p>
-                    <a:p>
-                      <a:pPr algn="ctr">
-                        <a:lnSpc>
-                          <a:spcPct val="100000"/>
-                        </a:lnSpc>
-                        <a:spcBef>
-                          <a:spcPts val="1430"/>
-                        </a:spcBef>
-                      </a:pPr>
-                      <a:r>
-                        <a:rPr sz="1200" dirty="0">
-                          <a:solidFill>
-                            <a:srgbClr val="404040"/>
-                          </a:solidFill>
-                          <a:latin typeface="微软雅黑"/>
-                          <a:cs typeface="微软雅黑"/>
-                        </a:rPr>
-                        <a:t>53</a:t>
-                      </a:r>
-                      <a:endParaRPr sz="1200">
-                        <a:latin typeface="微软雅黑"/>
-                        <a:cs typeface="微软雅黑"/>
-                      </a:endParaRPr>
-                    </a:p>
-                  </a:txBody>
-                  <a:tcPr marL="0" marR="0" marT="70485" marB="0">
-                    <a:lnL w="19050">
-                      <a:solidFill>
-                        <a:srgbClr val="FFFFFF"/>
-                      </a:solidFill>
-                      <a:prstDash val="solid"/>
-                    </a:lnL>
-                    <a:solidFill>
-                      <a:srgbClr val="F1F1F1"/>
-                    </a:solidFill>
-                  </a:tcPr>
-                </a:tc>
-              </a:tr>
-              <a:tr h="363600">
-                <a:tc>
-                  <a:txBody>
-                    <a:bodyPr/>
-                    <a:lstStyle/>
-                    <a:p>
-                      <a:pPr algn="ctr">
-                        <a:lnSpc>
-                          <a:spcPct val="100000"/>
-                        </a:lnSpc>
-                        <a:spcBef>
-                          <a:spcPts val="550"/>
-                        </a:spcBef>
-                      </a:pPr>
-                      <a:r>
-                        <a:rPr sz="1200" dirty="0">
-                          <a:solidFill>
-                            <a:srgbClr val="404040"/>
-                          </a:solidFill>
-                          <a:latin typeface="微软雅黑"/>
-                          <a:cs typeface="微软雅黑"/>
-                        </a:rPr>
-                        <a:t>短信</a:t>
-                      </a:r>
-                      <a:endParaRPr sz="1200">
-                        <a:latin typeface="微软雅黑"/>
-                        <a:cs typeface="微软雅黑"/>
-                      </a:endParaRPr>
-                    </a:p>
-                  </a:txBody>
-                  <a:tcPr marL="0" marR="0" marT="69850" marB="0">
-                    <a:lnB w="19050">
-                      <a:solidFill>
-                        <a:srgbClr val="E24D4D"/>
-                      </a:solidFill>
-                      <a:prstDash val="solid"/>
-                    </a:lnB>
-                    <a:solidFill>
-                      <a:srgbClr val="FFFFFF"/>
-                    </a:solidFill>
-                  </a:tcPr>
-                </a:tc>
-                <a:tc>
-                  <a:txBody>
-                    <a:bodyPr/>
-                    <a:lstStyle/>
-                    <a:p>
-                      <a:pPr algn="ctr">
-                        <a:lnSpc>
-                          <a:spcPct val="100000"/>
-                        </a:lnSpc>
-                        <a:spcBef>
-                          <a:spcPts val="550"/>
-                        </a:spcBef>
-                      </a:pPr>
-                      <a:r>
-                        <a:rPr sz="1200" dirty="0">
-                          <a:solidFill>
-                            <a:srgbClr val="404040"/>
-                          </a:solidFill>
-                          <a:latin typeface="微软雅黑"/>
-                          <a:cs typeface="微软雅黑"/>
-                        </a:rPr>
-                        <a:t>30</a:t>
-                      </a:r>
-                      <a:endParaRPr sz="1200">
-                        <a:latin typeface="微软雅黑"/>
-                        <a:cs typeface="微软雅黑"/>
-                      </a:endParaRPr>
-                    </a:p>
-                  </a:txBody>
-                  <a:tcPr marL="0" marR="0" marT="69850" marB="0">
-                    <a:lnB w="19050">
-                      <a:solidFill>
-                        <a:srgbClr val="E24D4D"/>
-                      </a:solidFill>
-                      <a:prstDash val="solid"/>
-                    </a:lnB>
-                    <a:solidFill>
-                      <a:srgbClr val="FFFFFF"/>
-                    </a:solidFill>
-                  </a:tcPr>
-                </a:tc>
-              </a:tr>
-            </a:tbl>
-          </a:graphicData>
-        </a:graphic>
-      </p:graphicFrame>
-      <p:graphicFrame>
-        <p:nvGraphicFramePr>
-          <p:cNvPr id="7" name="object 7"/>
-          <p:cNvGraphicFramePr>
-            <a:graphicFrameLocks noGrp="1"/>
-          </p:cNvGraphicFramePr>
-          <p:nvPr/>
-        </p:nvGraphicFramePr>
-        <p:xfrm>
-          <a:off x="4672584" y="1432560"/>
-          <a:ext cx="3048000" cy="4375150"/>
-        </p:xfrm>
-        <a:graphic>
-          <a:graphicData uri="http://schemas.openxmlformats.org/drawingml/2006/table">
-            <a:tbl>
-              <a:tblPr firstRow="1" bandRow="1">
-                <a:tableStyleId>{2D5ABB26-0587-4C30-8999-92F81FD0307C}</a:tableStyleId>
-              </a:tblPr>
-              <a:tblGrid>
-                <a:gridCol w="1524000"/>
-                <a:gridCol w="1524635"/>
-              </a:tblGrid>
-              <a:tr h="362711">
-                <a:tc gridSpan="2">
-                  <a:txBody>
-                    <a:bodyPr/>
-                    <a:lstStyle/>
-                    <a:p>
-                      <a:pPr algn="ctr">
-                        <a:lnSpc>
-                          <a:spcPct val="100000"/>
-                        </a:lnSpc>
-                        <a:spcBef>
-                          <a:spcPts val="425"/>
-                        </a:spcBef>
-                      </a:pPr>
-                      <a:r>
-                        <a:rPr sz="1400" dirty="0">
-                          <a:solidFill>
-                            <a:srgbClr val="FFFFFF"/>
-                          </a:solidFill>
-                          <a:latin typeface="微软雅黑"/>
-                          <a:cs typeface="微软雅黑"/>
-                        </a:rPr>
-                        <a:t>报</a:t>
-                      </a:r>
-                      <a:r>
-                        <a:rPr sz="1400" spc="5" dirty="0">
-                          <a:solidFill>
-                            <a:srgbClr val="FFFFFF"/>
-                          </a:solidFill>
-                          <a:latin typeface="微软雅黑"/>
-                          <a:cs typeface="微软雅黑"/>
-                        </a:rPr>
-                        <a:t>名</a:t>
-                      </a:r>
-                      <a:endParaRPr sz="1400">
-                        <a:latin typeface="微软雅黑"/>
-                        <a:cs typeface="微软雅黑"/>
-                      </a:endParaRPr>
-                    </a:p>
-                  </a:txBody>
-                  <a:tcPr marL="0" marR="0" marT="53975" marB="0">
-                    <a:solidFill>
-                      <a:srgbClr val="BEBEBE"/>
-                    </a:solidFill>
-                  </a:tcPr>
-                </a:tc>
-                <a:tc hMerge="1">
-                  <a:tcPr marL="0" marR="0" marT="0" marB="0"/>
-                </a:tc>
-              </a:tr>
-              <a:tr h="364236">
-                <a:tc>
-                  <a:txBody>
-                    <a:bodyPr/>
-                    <a:lstStyle/>
-                    <a:p>
-                      <a:pPr algn="ctr">
-                        <a:lnSpc>
-                          <a:spcPct val="100000"/>
-                        </a:lnSpc>
-                        <a:spcBef>
-                          <a:spcPts val="435"/>
-                        </a:spcBef>
-                      </a:pPr>
-                      <a:r>
-                        <a:rPr sz="1400" dirty="0">
-                          <a:solidFill>
-                            <a:srgbClr val="FFFFFF"/>
-                          </a:solidFill>
-                          <a:latin typeface="微软雅黑"/>
-                          <a:cs typeface="微软雅黑"/>
-                        </a:rPr>
-                        <a:t>渠</a:t>
-                      </a:r>
-                      <a:r>
-                        <a:rPr sz="1400" spc="5" dirty="0">
-                          <a:solidFill>
-                            <a:srgbClr val="FFFFFF"/>
-                          </a:solidFill>
-                          <a:latin typeface="微软雅黑"/>
-                          <a:cs typeface="微软雅黑"/>
-                        </a:rPr>
-                        <a:t>道</a:t>
-                      </a:r>
-                      <a:endParaRPr sz="1400">
-                        <a:latin typeface="微软雅黑"/>
-                        <a:cs typeface="微软雅黑"/>
-                      </a:endParaRPr>
-                    </a:p>
-                  </a:txBody>
-                  <a:tcPr marL="0" marR="0" marT="55244" marB="0">
-                    <a:lnR w="19050">
-                      <a:solidFill>
-                        <a:srgbClr val="FFFFFF"/>
-                      </a:solidFill>
-                      <a:prstDash val="solid"/>
-                    </a:lnR>
-                    <a:solidFill>
-                      <a:srgbClr val="404040"/>
-                    </a:solidFill>
-                  </a:tcPr>
-                </a:tc>
-                <a:tc>
-                  <a:txBody>
-                    <a:bodyPr/>
-                    <a:lstStyle/>
-                    <a:p>
-                      <a:pPr algn="ctr">
-                        <a:lnSpc>
-                          <a:spcPct val="100000"/>
-                        </a:lnSpc>
-                        <a:spcBef>
-                          <a:spcPts val="435"/>
-                        </a:spcBef>
-                      </a:pPr>
-                      <a:r>
-                        <a:rPr sz="1400" dirty="0">
-                          <a:solidFill>
-                            <a:srgbClr val="FFFFFF"/>
-                          </a:solidFill>
-                          <a:latin typeface="微软雅黑"/>
-                          <a:cs typeface="微软雅黑"/>
-                        </a:rPr>
-                        <a:t>报</a:t>
-                      </a:r>
-                      <a:r>
-                        <a:rPr sz="1400" spc="5" dirty="0">
-                          <a:solidFill>
-                            <a:srgbClr val="FFFFFF"/>
-                          </a:solidFill>
-                          <a:latin typeface="微软雅黑"/>
-                          <a:cs typeface="微软雅黑"/>
-                        </a:rPr>
-                        <a:t>名</a:t>
-                      </a:r>
-                      <a:endParaRPr sz="1400">
-                        <a:latin typeface="微软雅黑"/>
-                        <a:cs typeface="微软雅黑"/>
-                      </a:endParaRPr>
-                    </a:p>
-                  </a:txBody>
-                  <a:tcPr marL="0" marR="0" marT="55244" marB="0">
-                    <a:lnL w="19050">
-                      <a:solidFill>
-                        <a:srgbClr val="FFFFFF"/>
-                      </a:solidFill>
-                      <a:prstDash val="solid"/>
-                    </a:lnL>
-                    <a:solidFill>
-                      <a:srgbClr val="E24D4D"/>
-                    </a:solidFill>
-                  </a:tcPr>
-                </a:tc>
-              </a:tr>
-              <a:tr h="364235">
-                <a:tc>
-                  <a:txBody>
-                    <a:bodyPr/>
-                    <a:lstStyle/>
-                    <a:p>
-                      <a:pPr algn="ctr">
-                        <a:lnSpc>
-                          <a:spcPct val="100000"/>
-                        </a:lnSpc>
-                        <a:spcBef>
-                          <a:spcPts val="555"/>
-                        </a:spcBef>
-                      </a:pPr>
-                      <a:r>
-                        <a:rPr sz="1200" dirty="0">
-                          <a:solidFill>
-                            <a:srgbClr val="404040"/>
-                          </a:solidFill>
-                          <a:latin typeface="微软雅黑"/>
-                          <a:cs typeface="微软雅黑"/>
-                        </a:rPr>
-                        <a:t>弹窗</a:t>
-                      </a:r>
-                      <a:endParaRPr sz="1200">
-                        <a:latin typeface="微软雅黑"/>
-                        <a:cs typeface="微软雅黑"/>
-                      </a:endParaRPr>
-                    </a:p>
-                  </a:txBody>
-                  <a:tcPr marL="0" marR="0" marT="70485" marB="0">
-                    <a:solidFill>
-                      <a:srgbClr val="FFFFFF"/>
-                    </a:solidFill>
-                  </a:tcPr>
-                </a:tc>
-                <a:tc>
-                  <a:txBody>
-                    <a:bodyPr/>
-                    <a:lstStyle/>
-                    <a:p>
-                      <a:pPr algn="ctr">
-                        <a:lnSpc>
-                          <a:spcPct val="100000"/>
-                        </a:lnSpc>
-                        <a:spcBef>
-                          <a:spcPts val="555"/>
-                        </a:spcBef>
-                      </a:pPr>
-                      <a:r>
-                        <a:rPr sz="1200" dirty="0">
-                          <a:solidFill>
-                            <a:srgbClr val="404040"/>
-                          </a:solidFill>
-                          <a:latin typeface="微软雅黑"/>
-                          <a:cs typeface="微软雅黑"/>
-                        </a:rPr>
-                        <a:t>35</a:t>
-                      </a:r>
-                      <a:endParaRPr sz="1200">
-                        <a:latin typeface="微软雅黑"/>
-                        <a:cs typeface="微软雅黑"/>
-                      </a:endParaRPr>
-                    </a:p>
-                  </a:txBody>
-                  <a:tcPr marL="0" marR="0" marT="70485" marB="0">
-                    <a:solidFill>
-                      <a:srgbClr val="FFFFFF"/>
-                    </a:solidFill>
-                  </a:tcPr>
-                </a:tc>
-              </a:tr>
-              <a:tr h="364235">
-                <a:tc>
-                  <a:txBody>
-                    <a:bodyPr/>
-                    <a:lstStyle/>
-                    <a:p>
-                      <a:pPr algn="ctr">
-                        <a:lnSpc>
-                          <a:spcPct val="100000"/>
-                        </a:lnSpc>
-                        <a:spcBef>
-                          <a:spcPts val="550"/>
-                        </a:spcBef>
-                      </a:pPr>
-                      <a:r>
-                        <a:rPr sz="1200" dirty="0">
-                          <a:solidFill>
-                            <a:srgbClr val="404040"/>
-                          </a:solidFill>
-                          <a:latin typeface="微软雅黑"/>
-                          <a:cs typeface="微软雅黑"/>
-                        </a:rPr>
-                        <a:t>首页</a:t>
-                      </a:r>
-                      <a:r>
-                        <a:rPr sz="1200" spc="-5" dirty="0">
-                          <a:solidFill>
-                            <a:srgbClr val="404040"/>
-                          </a:solidFill>
-                          <a:latin typeface="微软雅黑"/>
-                          <a:cs typeface="微软雅黑"/>
-                        </a:rPr>
-                        <a:t>banner</a:t>
-                      </a:r>
-                      <a:endParaRPr sz="1200">
-                        <a:latin typeface="微软雅黑"/>
-                        <a:cs typeface="微软雅黑"/>
-                      </a:endParaRPr>
-                    </a:p>
-                  </a:txBody>
-                  <a:tcPr marL="0" marR="0" marT="69850" marB="0">
-                    <a:lnR w="19050">
-                      <a:solidFill>
-                        <a:srgbClr val="FFFFFF"/>
-                      </a:solidFill>
-                      <a:prstDash val="solid"/>
-                    </a:lnR>
-                    <a:solidFill>
-                      <a:srgbClr val="F1F1F1"/>
-                    </a:solidFill>
-                  </a:tcPr>
-                </a:tc>
-                <a:tc>
-                  <a:txBody>
-                    <a:bodyPr/>
-                    <a:lstStyle/>
-                    <a:p>
-                      <a:pPr algn="ctr">
-                        <a:lnSpc>
-                          <a:spcPct val="100000"/>
-                        </a:lnSpc>
-                        <a:spcBef>
-                          <a:spcPts val="550"/>
-                        </a:spcBef>
-                      </a:pPr>
-                      <a:r>
-                        <a:rPr sz="1200" dirty="0">
-                          <a:solidFill>
-                            <a:srgbClr val="404040"/>
-                          </a:solidFill>
-                          <a:latin typeface="微软雅黑"/>
-                          <a:cs typeface="微软雅黑"/>
-                        </a:rPr>
-                        <a:t>14</a:t>
-                      </a:r>
-                      <a:endParaRPr sz="1200">
-                        <a:latin typeface="微软雅黑"/>
-                        <a:cs typeface="微软雅黑"/>
-                      </a:endParaRPr>
-                    </a:p>
-                  </a:txBody>
-                  <a:tcPr marL="0" marR="0" marT="69850" marB="0">
-                    <a:lnL w="19050">
-                      <a:solidFill>
-                        <a:srgbClr val="FFFFFF"/>
-                      </a:solidFill>
-                      <a:prstDash val="solid"/>
-                    </a:lnL>
-                    <a:solidFill>
-                      <a:srgbClr val="F1F1F1"/>
-                    </a:solidFill>
-                  </a:tcPr>
-                </a:tc>
-              </a:tr>
-              <a:tr h="362712">
-                <a:tc>
-                  <a:txBody>
-                    <a:bodyPr/>
-                    <a:lstStyle/>
-                    <a:p>
-                      <a:pPr algn="ctr">
-                        <a:lnSpc>
-                          <a:spcPct val="100000"/>
-                        </a:lnSpc>
-                        <a:spcBef>
-                          <a:spcPts val="550"/>
-                        </a:spcBef>
-                      </a:pPr>
-                      <a:r>
-                        <a:rPr sz="1200" dirty="0">
-                          <a:solidFill>
-                            <a:srgbClr val="404040"/>
-                          </a:solidFill>
-                          <a:latin typeface="微软雅黑"/>
-                          <a:cs typeface="微软雅黑"/>
-                        </a:rPr>
-                        <a:t>信息流B01</a:t>
-                      </a:r>
-                      <a:endParaRPr sz="1200">
-                        <a:latin typeface="微软雅黑"/>
-                        <a:cs typeface="微软雅黑"/>
-                      </a:endParaRPr>
-                    </a:p>
-                  </a:txBody>
-                  <a:tcPr marL="0" marR="0" marT="69850" marB="0">
-                    <a:solidFill>
-                      <a:srgbClr val="FFFFFF"/>
-                    </a:solidFill>
-                  </a:tcPr>
-                </a:tc>
-                <a:tc>
-                  <a:txBody>
-                    <a:bodyPr/>
-                    <a:lstStyle/>
-                    <a:p>
-                      <a:pPr algn="ctr">
-                        <a:lnSpc>
-                          <a:spcPct val="100000"/>
-                        </a:lnSpc>
-                        <a:spcBef>
-                          <a:spcPts val="550"/>
-                        </a:spcBef>
-                      </a:pPr>
-                      <a:r>
-                        <a:rPr sz="1200" dirty="0">
-                          <a:solidFill>
-                            <a:srgbClr val="404040"/>
-                          </a:solidFill>
-                          <a:latin typeface="微软雅黑"/>
-                          <a:cs typeface="微软雅黑"/>
-                        </a:rPr>
-                        <a:t>7</a:t>
-                      </a:r>
-                      <a:endParaRPr sz="1200">
-                        <a:latin typeface="微软雅黑"/>
-                        <a:cs typeface="微软雅黑"/>
-                      </a:endParaRPr>
-                    </a:p>
-                  </a:txBody>
-                  <a:tcPr marL="0" marR="0" marT="69850" marB="0">
-                    <a:solidFill>
-                      <a:srgbClr val="FFFFFF"/>
-                    </a:solidFill>
-                  </a:tcPr>
-                </a:tc>
-              </a:tr>
-              <a:tr h="364235">
-                <a:tc>
-                  <a:txBody>
-                    <a:bodyPr/>
-                    <a:lstStyle/>
-                    <a:p>
-                      <a:pPr algn="ctr">
-                        <a:lnSpc>
-                          <a:spcPct val="100000"/>
-                        </a:lnSpc>
-                        <a:spcBef>
-                          <a:spcPts val="555"/>
-                        </a:spcBef>
-                      </a:pPr>
-                      <a:r>
-                        <a:rPr sz="1200" dirty="0">
-                          <a:solidFill>
-                            <a:srgbClr val="404040"/>
-                          </a:solidFill>
-                          <a:latin typeface="微软雅黑"/>
-                          <a:cs typeface="微软雅黑"/>
-                        </a:rPr>
-                        <a:t>海报1</a:t>
-                      </a:r>
-                      <a:endParaRPr sz="1200">
-                        <a:latin typeface="微软雅黑"/>
-                        <a:cs typeface="微软雅黑"/>
-                      </a:endParaRPr>
-                    </a:p>
-                  </a:txBody>
-                  <a:tcPr marL="0" marR="0" marT="70485" marB="0">
-                    <a:lnR w="19050">
-                      <a:solidFill>
-                        <a:srgbClr val="FFFFFF"/>
-                      </a:solidFill>
-                      <a:prstDash val="solid"/>
-                    </a:lnR>
-                    <a:solidFill>
-                      <a:srgbClr val="F1F1F1"/>
-                    </a:solidFill>
-                  </a:tcPr>
-                </a:tc>
-                <a:tc>
-                  <a:txBody>
-                    <a:bodyPr/>
-                    <a:lstStyle/>
-                    <a:p>
-                      <a:pPr algn="ctr">
-                        <a:lnSpc>
-                          <a:spcPct val="100000"/>
-                        </a:lnSpc>
-                        <a:spcBef>
-                          <a:spcPts val="555"/>
-                        </a:spcBef>
-                      </a:pPr>
-                      <a:r>
-                        <a:rPr sz="1200" dirty="0">
-                          <a:solidFill>
-                            <a:srgbClr val="404040"/>
-                          </a:solidFill>
-                          <a:latin typeface="微软雅黑"/>
-                          <a:cs typeface="微软雅黑"/>
-                        </a:rPr>
-                        <a:t>16</a:t>
-                      </a:r>
-                      <a:endParaRPr sz="1200">
-                        <a:latin typeface="微软雅黑"/>
-                        <a:cs typeface="微软雅黑"/>
-                      </a:endParaRPr>
-                    </a:p>
-                  </a:txBody>
-                  <a:tcPr marL="0" marR="0" marT="70485" marB="0">
-                    <a:lnL w="19050">
-                      <a:solidFill>
-                        <a:srgbClr val="FFFFFF"/>
-                      </a:solidFill>
-                      <a:prstDash val="solid"/>
-                    </a:lnL>
-                    <a:solidFill>
-                      <a:srgbClr val="F1F1F1"/>
-                    </a:solidFill>
-                  </a:tcPr>
-                </a:tc>
-              </a:tr>
-              <a:tr h="364236">
-                <a:tc>
-                  <a:txBody>
-                    <a:bodyPr/>
-                    <a:lstStyle/>
-                    <a:p>
-                      <a:pPr algn="ctr">
-                        <a:lnSpc>
-                          <a:spcPct val="100000"/>
-                        </a:lnSpc>
-                        <a:spcBef>
-                          <a:spcPts val="555"/>
-                        </a:spcBef>
-                      </a:pPr>
-                      <a:r>
-                        <a:rPr sz="1200" dirty="0">
-                          <a:solidFill>
-                            <a:srgbClr val="404040"/>
-                          </a:solidFill>
-                          <a:latin typeface="微软雅黑"/>
-                          <a:cs typeface="微软雅黑"/>
-                        </a:rPr>
-                        <a:t>首页轮播</a:t>
-                      </a:r>
-                      <a:endParaRPr sz="1200">
-                        <a:latin typeface="微软雅黑"/>
-                        <a:cs typeface="微软雅黑"/>
-                      </a:endParaRPr>
-                    </a:p>
-                  </a:txBody>
-                  <a:tcPr marL="0" marR="0" marT="70485" marB="0">
-                    <a:solidFill>
-                      <a:srgbClr val="FFFFFF"/>
-                    </a:solidFill>
-                  </a:tcPr>
-                </a:tc>
-                <a:tc>
-                  <a:txBody>
-                    <a:bodyPr/>
-                    <a:lstStyle/>
-                    <a:p>
-                      <a:pPr algn="ctr">
-                        <a:lnSpc>
-                          <a:spcPct val="100000"/>
-                        </a:lnSpc>
-                        <a:spcBef>
-                          <a:spcPts val="555"/>
-                        </a:spcBef>
-                      </a:pPr>
-                      <a:r>
-                        <a:rPr sz="1200" dirty="0">
-                          <a:solidFill>
-                            <a:srgbClr val="404040"/>
-                          </a:solidFill>
-                          <a:latin typeface="微软雅黑"/>
-                          <a:cs typeface="微软雅黑"/>
-                        </a:rPr>
-                        <a:t>2</a:t>
-                      </a:r>
-                      <a:endParaRPr sz="1200">
-                        <a:latin typeface="微软雅黑"/>
-                        <a:cs typeface="微软雅黑"/>
-                      </a:endParaRPr>
-                    </a:p>
-                  </a:txBody>
-                  <a:tcPr marL="0" marR="0" marT="70485" marB="0">
-                    <a:solidFill>
-                      <a:srgbClr val="FFFFFF"/>
-                    </a:solidFill>
-                  </a:tcPr>
-                </a:tc>
-              </a:tr>
-              <a:tr h="364236">
-                <a:tc>
-                  <a:txBody>
-                    <a:bodyPr/>
-                    <a:lstStyle/>
-                    <a:p>
-                      <a:pPr algn="ctr">
-                        <a:lnSpc>
-                          <a:spcPct val="100000"/>
-                        </a:lnSpc>
-                        <a:spcBef>
-                          <a:spcPts val="550"/>
-                        </a:spcBef>
-                      </a:pPr>
-                      <a:r>
-                        <a:rPr sz="1200" dirty="0">
-                          <a:solidFill>
-                            <a:srgbClr val="404040"/>
-                          </a:solidFill>
-                          <a:latin typeface="微软雅黑"/>
-                          <a:cs typeface="微软雅黑"/>
-                        </a:rPr>
-                        <a:t>APP轮播</a:t>
-                      </a:r>
-                      <a:endParaRPr sz="1200">
-                        <a:latin typeface="微软雅黑"/>
-                        <a:cs typeface="微软雅黑"/>
-                      </a:endParaRPr>
-                    </a:p>
-                  </a:txBody>
-                  <a:tcPr marL="0" marR="0" marT="69850" marB="0">
-                    <a:lnR w="19050">
-                      <a:solidFill>
-                        <a:srgbClr val="FFFFFF"/>
-                      </a:solidFill>
-                      <a:prstDash val="solid"/>
-                    </a:lnR>
-                    <a:solidFill>
-                      <a:srgbClr val="F1F1F1"/>
-                    </a:solidFill>
-                  </a:tcPr>
-                </a:tc>
-                <a:tc>
-                  <a:txBody>
-                    <a:bodyPr/>
-                    <a:lstStyle/>
-                    <a:p>
-                      <a:pPr algn="ctr">
-                        <a:lnSpc>
-                          <a:spcPct val="100000"/>
-                        </a:lnSpc>
-                        <a:spcBef>
-                          <a:spcPts val="550"/>
-                        </a:spcBef>
-                      </a:pPr>
-                      <a:r>
-                        <a:rPr sz="1200" dirty="0">
-                          <a:solidFill>
-                            <a:srgbClr val="404040"/>
-                          </a:solidFill>
-                          <a:latin typeface="微软雅黑"/>
-                          <a:cs typeface="微软雅黑"/>
-                        </a:rPr>
-                        <a:t>8</a:t>
-                      </a:r>
-                      <a:endParaRPr sz="1200">
-                        <a:latin typeface="微软雅黑"/>
-                        <a:cs typeface="微软雅黑"/>
-                      </a:endParaRPr>
-                    </a:p>
-                  </a:txBody>
-                  <a:tcPr marL="0" marR="0" marT="69850" marB="0">
-                    <a:lnL w="19050">
-                      <a:solidFill>
-                        <a:srgbClr val="FFFFFF"/>
-                      </a:solidFill>
-                      <a:prstDash val="solid"/>
-                    </a:lnL>
-                    <a:solidFill>
-                      <a:srgbClr val="F1F1F1"/>
-                    </a:solidFill>
-                  </a:tcPr>
-                </a:tc>
-              </a:tr>
-              <a:tr h="362712">
-                <a:tc>
-                  <a:txBody>
-                    <a:bodyPr/>
-                    <a:lstStyle/>
-                    <a:p>
-                      <a:pPr algn="ctr">
-                        <a:lnSpc>
-                          <a:spcPct val="100000"/>
-                        </a:lnSpc>
-                        <a:spcBef>
-                          <a:spcPts val="550"/>
-                        </a:spcBef>
-                      </a:pPr>
-                      <a:r>
-                        <a:rPr sz="1200" dirty="0">
-                          <a:solidFill>
-                            <a:srgbClr val="404040"/>
-                          </a:solidFill>
-                          <a:latin typeface="微软雅黑"/>
-                          <a:cs typeface="微软雅黑"/>
-                        </a:rPr>
-                        <a:t>果园</a:t>
-                      </a:r>
-                      <a:r>
-                        <a:rPr sz="1200" spc="-5" dirty="0">
-                          <a:solidFill>
-                            <a:srgbClr val="404040"/>
-                          </a:solidFill>
-                          <a:latin typeface="微软雅黑"/>
-                          <a:cs typeface="微软雅黑"/>
-                        </a:rPr>
-                        <a:t>banner</a:t>
-                      </a:r>
-                      <a:endParaRPr sz="1200">
-                        <a:latin typeface="微软雅黑"/>
-                        <a:cs typeface="微软雅黑"/>
-                      </a:endParaRPr>
-                    </a:p>
-                  </a:txBody>
-                  <a:tcPr marL="0" marR="0" marT="69850" marB="0">
-                    <a:solidFill>
-                      <a:srgbClr val="FFFFFF"/>
-                    </a:solidFill>
-                  </a:tcPr>
-                </a:tc>
-                <a:tc>
-                  <a:txBody>
-                    <a:bodyPr/>
-                    <a:lstStyle/>
-                    <a:p>
-                      <a:pPr algn="ctr">
-                        <a:lnSpc>
-                          <a:spcPct val="100000"/>
-                        </a:lnSpc>
-                        <a:spcBef>
-                          <a:spcPts val="550"/>
-                        </a:spcBef>
-                      </a:pPr>
-                      <a:r>
-                        <a:rPr sz="1200" dirty="0">
-                          <a:solidFill>
-                            <a:srgbClr val="404040"/>
-                          </a:solidFill>
-                          <a:latin typeface="微软雅黑"/>
-                          <a:cs typeface="微软雅黑"/>
-                        </a:rPr>
-                        <a:t>8</a:t>
-                      </a:r>
-                      <a:endParaRPr sz="1200">
-                        <a:latin typeface="微软雅黑"/>
-                        <a:cs typeface="微软雅黑"/>
-                      </a:endParaRPr>
-                    </a:p>
-                  </a:txBody>
-                  <a:tcPr marL="0" marR="0" marT="69850" marB="0">
-                    <a:solidFill>
-                      <a:srgbClr val="FFFFFF"/>
-                    </a:solidFill>
-                  </a:tcPr>
-                </a:tc>
-              </a:tr>
-              <a:tr h="728472">
-                <a:tc>
-                  <a:txBody>
-                    <a:bodyPr/>
-                    <a:lstStyle/>
-                    <a:p>
-                      <a:pPr algn="ctr">
-                        <a:lnSpc>
-                          <a:spcPct val="100000"/>
-                        </a:lnSpc>
-                        <a:spcBef>
-                          <a:spcPts val="555"/>
-                        </a:spcBef>
-                      </a:pPr>
-                      <a:r>
-                        <a:rPr sz="1200" dirty="0">
-                          <a:solidFill>
-                            <a:srgbClr val="404040"/>
-                          </a:solidFill>
-                          <a:latin typeface="微软雅黑"/>
-                          <a:cs typeface="微软雅黑"/>
-                        </a:rPr>
-                        <a:t>海报2</a:t>
-                      </a:r>
-                      <a:endParaRPr sz="1200">
-                        <a:latin typeface="微软雅黑"/>
-                        <a:cs typeface="微软雅黑"/>
-                      </a:endParaRPr>
-                    </a:p>
-                    <a:p>
-                      <a:pPr algn="ctr">
-                        <a:lnSpc>
-                          <a:spcPct val="100000"/>
-                        </a:lnSpc>
-                        <a:spcBef>
-                          <a:spcPts val="1430"/>
-                        </a:spcBef>
-                      </a:pPr>
-                      <a:r>
-                        <a:rPr sz="1200" dirty="0">
-                          <a:solidFill>
-                            <a:srgbClr val="404040"/>
-                          </a:solidFill>
-                          <a:latin typeface="微软雅黑"/>
-                          <a:cs typeface="微软雅黑"/>
-                        </a:rPr>
-                        <a:t>开店</a:t>
-                      </a:r>
-                      <a:r>
-                        <a:rPr sz="1200" spc="-5" dirty="0">
-                          <a:solidFill>
-                            <a:srgbClr val="404040"/>
-                          </a:solidFill>
-                          <a:latin typeface="微软雅黑"/>
-                          <a:cs typeface="微软雅黑"/>
-                        </a:rPr>
-                        <a:t>banner</a:t>
-                      </a:r>
-                      <a:endParaRPr sz="1200">
-                        <a:latin typeface="微软雅黑"/>
-                        <a:cs typeface="微软雅黑"/>
-                      </a:endParaRPr>
-                    </a:p>
-                  </a:txBody>
-                  <a:tcPr marL="0" marR="0" marT="70485" marB="0">
-                    <a:lnR w="19050">
-                      <a:solidFill>
-                        <a:srgbClr val="FFFFFF"/>
-                      </a:solidFill>
-                      <a:prstDash val="solid"/>
-                    </a:lnR>
-                    <a:solidFill>
-                      <a:srgbClr val="F1F1F1"/>
-                    </a:solidFill>
-                  </a:tcPr>
-                </a:tc>
-                <a:tc>
-                  <a:txBody>
-                    <a:bodyPr/>
-                    <a:lstStyle/>
-                    <a:p>
-                      <a:pPr algn="ctr">
-                        <a:lnSpc>
-                          <a:spcPct val="100000"/>
-                        </a:lnSpc>
-                        <a:spcBef>
-                          <a:spcPts val="555"/>
-                        </a:spcBef>
-                      </a:pPr>
-                      <a:r>
-                        <a:rPr sz="1200" dirty="0">
-                          <a:solidFill>
-                            <a:srgbClr val="404040"/>
-                          </a:solidFill>
-                          <a:latin typeface="微软雅黑"/>
-                          <a:cs typeface="微软雅黑"/>
-                        </a:rPr>
-                        <a:t>11</a:t>
-                      </a:r>
-                      <a:endParaRPr sz="1200">
-                        <a:latin typeface="微软雅黑"/>
-                        <a:cs typeface="微软雅黑"/>
-                      </a:endParaRPr>
-                    </a:p>
-                    <a:p>
-                      <a:pPr algn="ctr">
-                        <a:lnSpc>
-                          <a:spcPct val="100000"/>
-                        </a:lnSpc>
-                        <a:spcBef>
-                          <a:spcPts val="1430"/>
-                        </a:spcBef>
-                      </a:pPr>
-                      <a:r>
-                        <a:rPr sz="1200" dirty="0">
-                          <a:solidFill>
-                            <a:srgbClr val="404040"/>
-                          </a:solidFill>
-                          <a:latin typeface="微软雅黑"/>
-                          <a:cs typeface="微软雅黑"/>
-                        </a:rPr>
-                        <a:t>8</a:t>
-                      </a:r>
-                      <a:endParaRPr sz="1200">
-                        <a:latin typeface="微软雅黑"/>
-                        <a:cs typeface="微软雅黑"/>
-                      </a:endParaRPr>
-                    </a:p>
-                  </a:txBody>
-                  <a:tcPr marL="0" marR="0" marT="70485" marB="0">
-                    <a:lnL w="19050">
-                      <a:solidFill>
-                        <a:srgbClr val="FFFFFF"/>
-                      </a:solidFill>
-                      <a:prstDash val="solid"/>
-                    </a:lnL>
-                    <a:solidFill>
-                      <a:srgbClr val="F1F1F1"/>
-                    </a:solidFill>
-                  </a:tcPr>
-                </a:tc>
-              </a:tr>
-              <a:tr h="363600">
-                <a:tc>
-                  <a:txBody>
-                    <a:bodyPr/>
-                    <a:lstStyle/>
-                    <a:p>
-                      <a:pPr algn="ctr">
-                        <a:lnSpc>
-                          <a:spcPct val="100000"/>
-                        </a:lnSpc>
-                        <a:spcBef>
-                          <a:spcPts val="550"/>
-                        </a:spcBef>
-                      </a:pPr>
-                      <a:r>
-                        <a:rPr sz="1200" dirty="0">
-                          <a:solidFill>
-                            <a:srgbClr val="404040"/>
-                          </a:solidFill>
-                          <a:latin typeface="微软雅黑"/>
-                          <a:cs typeface="微软雅黑"/>
-                        </a:rPr>
-                        <a:t>短信</a:t>
-                      </a:r>
-                      <a:endParaRPr sz="1200">
-                        <a:latin typeface="微软雅黑"/>
-                        <a:cs typeface="微软雅黑"/>
-                      </a:endParaRPr>
-                    </a:p>
-                  </a:txBody>
-                  <a:tcPr marL="0" marR="0" marT="69850" marB="0">
-                    <a:lnB w="19050">
-                      <a:solidFill>
-                        <a:srgbClr val="E24D4D"/>
-                      </a:solidFill>
-                      <a:prstDash val="solid"/>
-                    </a:lnB>
-                    <a:solidFill>
-                      <a:srgbClr val="FFFFFF"/>
-                    </a:solidFill>
-                  </a:tcPr>
-                </a:tc>
-                <a:tc>
-                  <a:txBody>
-                    <a:bodyPr/>
-                    <a:lstStyle/>
-                    <a:p>
-                      <a:pPr algn="ctr">
-                        <a:lnSpc>
-                          <a:spcPct val="100000"/>
-                        </a:lnSpc>
-                        <a:spcBef>
-                          <a:spcPts val="550"/>
-                        </a:spcBef>
-                      </a:pPr>
-                      <a:r>
-                        <a:rPr sz="1200" dirty="0">
-                          <a:solidFill>
-                            <a:srgbClr val="404040"/>
-                          </a:solidFill>
-                          <a:latin typeface="微软雅黑"/>
-                          <a:cs typeface="微软雅黑"/>
-                        </a:rPr>
-                        <a:t>3</a:t>
-                      </a:r>
-                      <a:endParaRPr sz="1200">
-                        <a:latin typeface="微软雅黑"/>
-                        <a:cs typeface="微软雅黑"/>
-                      </a:endParaRPr>
-                    </a:p>
-                  </a:txBody>
-                  <a:tcPr marL="0" marR="0" marT="69850" marB="0">
-                    <a:lnB w="19050">
-                      <a:solidFill>
-                        <a:srgbClr val="E24D4D"/>
-                      </a:solidFill>
-                      <a:prstDash val="solid"/>
-                    </a:lnB>
-                    <a:solidFill>
-                      <a:srgbClr val="FFFFFF"/>
-                    </a:solidFill>
-                  </a:tcPr>
-                </a:tc>
-              </a:tr>
-            </a:tbl>
-          </a:graphicData>
-        </a:graphic>
-      </p:graphicFrame>
-      <p:graphicFrame>
-        <p:nvGraphicFramePr>
-          <p:cNvPr id="8" name="object 8"/>
-          <p:cNvGraphicFramePr>
-            <a:graphicFrameLocks noGrp="1"/>
-          </p:cNvGraphicFramePr>
-          <p:nvPr/>
-        </p:nvGraphicFramePr>
-        <p:xfrm>
-          <a:off x="8033004" y="1432560"/>
-          <a:ext cx="3048000" cy="4375150"/>
-        </p:xfrm>
-        <a:graphic>
-          <a:graphicData uri="http://schemas.openxmlformats.org/drawingml/2006/table">
-            <a:tbl>
-              <a:tblPr firstRow="1" bandRow="1">
-                <a:tableStyleId>{2D5ABB26-0587-4C30-8999-92F81FD0307C}</a:tableStyleId>
-              </a:tblPr>
-              <a:tblGrid>
-                <a:gridCol w="1524000"/>
-                <a:gridCol w="1524635"/>
-              </a:tblGrid>
-              <a:tr h="362711">
-                <a:tc gridSpan="2">
-                  <a:txBody>
-                    <a:bodyPr/>
-                    <a:lstStyle/>
-                    <a:p>
-                      <a:pPr algn="ctr">
-                        <a:lnSpc>
-                          <a:spcPct val="100000"/>
-                        </a:lnSpc>
-                        <a:spcBef>
-                          <a:spcPts val="425"/>
-                        </a:spcBef>
-                      </a:pPr>
-                      <a:r>
-                        <a:rPr sz="1400" dirty="0">
-                          <a:solidFill>
-                            <a:srgbClr val="FFFFFF"/>
-                          </a:solidFill>
-                          <a:latin typeface="微软雅黑"/>
-                          <a:cs typeface="微软雅黑"/>
-                        </a:rPr>
-                        <a:t>转</a:t>
-                      </a:r>
-                      <a:r>
-                        <a:rPr sz="1400" spc="5" dirty="0">
-                          <a:solidFill>
-                            <a:srgbClr val="FFFFFF"/>
-                          </a:solidFill>
-                          <a:latin typeface="微软雅黑"/>
-                          <a:cs typeface="微软雅黑"/>
-                        </a:rPr>
-                        <a:t>化</a:t>
-                      </a:r>
-                      <a:endParaRPr sz="1400">
-                        <a:latin typeface="微软雅黑"/>
-                        <a:cs typeface="微软雅黑"/>
-                      </a:endParaRPr>
-                    </a:p>
-                  </a:txBody>
-                  <a:tcPr marL="0" marR="0" marT="53975" marB="0">
-                    <a:solidFill>
-                      <a:srgbClr val="BEBEBE"/>
-                    </a:solidFill>
-                  </a:tcPr>
-                </a:tc>
-                <a:tc hMerge="1">
-                  <a:tcPr marL="0" marR="0" marT="0" marB="0"/>
-                </a:tc>
-              </a:tr>
-              <a:tr h="364236">
-                <a:tc>
-                  <a:txBody>
-                    <a:bodyPr/>
-                    <a:lstStyle/>
-                    <a:p>
-                      <a:pPr algn="ctr">
-                        <a:lnSpc>
-                          <a:spcPct val="100000"/>
-                        </a:lnSpc>
-                        <a:spcBef>
-                          <a:spcPts val="435"/>
-                        </a:spcBef>
-                      </a:pPr>
-                      <a:r>
-                        <a:rPr sz="1400" dirty="0">
-                          <a:solidFill>
-                            <a:srgbClr val="FFFFFF"/>
-                          </a:solidFill>
-                          <a:latin typeface="微软雅黑"/>
-                          <a:cs typeface="微软雅黑"/>
-                        </a:rPr>
-                        <a:t>渠</a:t>
-                      </a:r>
-                      <a:r>
-                        <a:rPr sz="1400" spc="5" dirty="0">
-                          <a:solidFill>
-                            <a:srgbClr val="FFFFFF"/>
-                          </a:solidFill>
-                          <a:latin typeface="微软雅黑"/>
-                          <a:cs typeface="微软雅黑"/>
-                        </a:rPr>
-                        <a:t>道</a:t>
-                      </a:r>
-                      <a:endParaRPr sz="1400">
-                        <a:latin typeface="微软雅黑"/>
-                        <a:cs typeface="微软雅黑"/>
-                      </a:endParaRPr>
-                    </a:p>
-                  </a:txBody>
-                  <a:tcPr marL="0" marR="0" marT="55244" marB="0">
-                    <a:lnR w="19050">
-                      <a:solidFill>
-                        <a:srgbClr val="FFFFFF"/>
-                      </a:solidFill>
-                      <a:prstDash val="solid"/>
-                    </a:lnR>
-                    <a:solidFill>
-                      <a:srgbClr val="404040"/>
-                    </a:solidFill>
-                  </a:tcPr>
-                </a:tc>
-                <a:tc>
-                  <a:txBody>
-                    <a:bodyPr/>
-                    <a:lstStyle/>
-                    <a:p>
-                      <a:pPr algn="ctr">
-                        <a:lnSpc>
-                          <a:spcPct val="100000"/>
-                        </a:lnSpc>
-                        <a:spcBef>
-                          <a:spcPts val="435"/>
-                        </a:spcBef>
-                      </a:pPr>
-                      <a:r>
-                        <a:rPr sz="1400" dirty="0">
-                          <a:solidFill>
-                            <a:srgbClr val="FFFFFF"/>
-                          </a:solidFill>
-                          <a:latin typeface="微软雅黑"/>
-                          <a:cs typeface="微软雅黑"/>
-                        </a:rPr>
-                        <a:t>转化</a:t>
-                      </a:r>
-                      <a:r>
-                        <a:rPr sz="1400" spc="5" dirty="0">
-                          <a:solidFill>
-                            <a:srgbClr val="FFFFFF"/>
-                          </a:solidFill>
-                          <a:latin typeface="微软雅黑"/>
-                          <a:cs typeface="微软雅黑"/>
-                        </a:rPr>
-                        <a:t>率</a:t>
-                      </a:r>
-                      <a:endParaRPr sz="1400">
-                        <a:latin typeface="微软雅黑"/>
-                        <a:cs typeface="微软雅黑"/>
-                      </a:endParaRPr>
-                    </a:p>
-                  </a:txBody>
-                  <a:tcPr marL="0" marR="0" marT="55244" marB="0">
-                    <a:lnL w="19050">
-                      <a:solidFill>
-                        <a:srgbClr val="FFFFFF"/>
-                      </a:solidFill>
-                      <a:prstDash val="solid"/>
-                    </a:lnL>
-                    <a:solidFill>
-                      <a:srgbClr val="E24D4D"/>
-                    </a:solidFill>
-                  </a:tcPr>
-                </a:tc>
-              </a:tr>
-              <a:tr h="364235">
-                <a:tc>
-                  <a:txBody>
-                    <a:bodyPr/>
-                    <a:lstStyle/>
-                    <a:p>
-                      <a:pPr algn="ctr">
-                        <a:lnSpc>
-                          <a:spcPct val="100000"/>
-                        </a:lnSpc>
-                        <a:spcBef>
-                          <a:spcPts val="555"/>
-                        </a:spcBef>
-                      </a:pPr>
-                      <a:r>
-                        <a:rPr sz="1200" dirty="0">
-                          <a:solidFill>
-                            <a:srgbClr val="404040"/>
-                          </a:solidFill>
-                          <a:latin typeface="微软雅黑"/>
-                          <a:cs typeface="微软雅黑"/>
-                        </a:rPr>
-                        <a:t>弹窗</a:t>
-                      </a:r>
-                      <a:endParaRPr sz="1200">
-                        <a:latin typeface="微软雅黑"/>
-                        <a:cs typeface="微软雅黑"/>
-                      </a:endParaRPr>
-                    </a:p>
-                  </a:txBody>
-                  <a:tcPr marL="0" marR="0" marT="70485" marB="0">
-                    <a:solidFill>
-                      <a:srgbClr val="FFFFFF"/>
-                    </a:solidFill>
-                  </a:tcPr>
-                </a:tc>
-                <a:tc>
-                  <a:txBody>
-                    <a:bodyPr/>
-                    <a:lstStyle/>
-                    <a:p>
-                      <a:pPr algn="ctr">
-                        <a:lnSpc>
-                          <a:spcPct val="100000"/>
-                        </a:lnSpc>
-                        <a:spcBef>
-                          <a:spcPts val="555"/>
-                        </a:spcBef>
-                      </a:pPr>
-                      <a:r>
-                        <a:rPr sz="1200" dirty="0">
-                          <a:solidFill>
-                            <a:srgbClr val="404040"/>
-                          </a:solidFill>
-                          <a:latin typeface="微软雅黑"/>
-                          <a:cs typeface="微软雅黑"/>
-                        </a:rPr>
-                        <a:t>4.8%</a:t>
-                      </a:r>
-                      <a:endParaRPr sz="1200">
-                        <a:latin typeface="微软雅黑"/>
-                        <a:cs typeface="微软雅黑"/>
-                      </a:endParaRPr>
-                    </a:p>
-                  </a:txBody>
-                  <a:tcPr marL="0" marR="0" marT="70485" marB="0">
-                    <a:solidFill>
-                      <a:srgbClr val="FFFFFF"/>
-                    </a:solidFill>
-                  </a:tcPr>
-                </a:tc>
-              </a:tr>
-              <a:tr h="364235">
-                <a:tc>
-                  <a:txBody>
-                    <a:bodyPr/>
-                    <a:lstStyle/>
-                    <a:p>
-                      <a:pPr algn="ctr">
-                        <a:lnSpc>
-                          <a:spcPct val="100000"/>
-                        </a:lnSpc>
-                        <a:spcBef>
-                          <a:spcPts val="550"/>
-                        </a:spcBef>
-                      </a:pPr>
-                      <a:r>
-                        <a:rPr sz="1200" dirty="0">
-                          <a:solidFill>
-                            <a:srgbClr val="404040"/>
-                          </a:solidFill>
-                          <a:latin typeface="微软雅黑"/>
-                          <a:cs typeface="微软雅黑"/>
-                        </a:rPr>
-                        <a:t>首页</a:t>
-                      </a:r>
-                      <a:r>
-                        <a:rPr sz="1200" spc="-5" dirty="0">
-                          <a:solidFill>
-                            <a:srgbClr val="404040"/>
-                          </a:solidFill>
-                          <a:latin typeface="微软雅黑"/>
-                          <a:cs typeface="微软雅黑"/>
-                        </a:rPr>
-                        <a:t>banner</a:t>
-                      </a:r>
-                      <a:endParaRPr sz="1200">
-                        <a:latin typeface="微软雅黑"/>
-                        <a:cs typeface="微软雅黑"/>
-                      </a:endParaRPr>
-                    </a:p>
-                  </a:txBody>
-                  <a:tcPr marL="0" marR="0" marT="69850" marB="0">
-                    <a:lnR w="19050">
-                      <a:solidFill>
-                        <a:srgbClr val="FFFFFF"/>
-                      </a:solidFill>
-                      <a:prstDash val="solid"/>
-                    </a:lnR>
-                    <a:solidFill>
-                      <a:srgbClr val="F1F1F1"/>
-                    </a:solidFill>
-                  </a:tcPr>
-                </a:tc>
-                <a:tc>
-                  <a:txBody>
-                    <a:bodyPr/>
-                    <a:lstStyle/>
-                    <a:p>
-                      <a:pPr algn="ctr">
-                        <a:lnSpc>
-                          <a:spcPct val="100000"/>
-                        </a:lnSpc>
-                        <a:spcBef>
-                          <a:spcPts val="550"/>
-                        </a:spcBef>
-                      </a:pPr>
-                      <a:r>
-                        <a:rPr sz="1200" dirty="0">
-                          <a:solidFill>
-                            <a:srgbClr val="404040"/>
-                          </a:solidFill>
-                          <a:latin typeface="微软雅黑"/>
-                          <a:cs typeface="微软雅黑"/>
-                        </a:rPr>
-                        <a:t>7%</a:t>
-                      </a:r>
-                      <a:endParaRPr sz="1200">
-                        <a:latin typeface="微软雅黑"/>
-                        <a:cs typeface="微软雅黑"/>
-                      </a:endParaRPr>
-                    </a:p>
-                  </a:txBody>
-                  <a:tcPr marL="0" marR="0" marT="69850" marB="0">
-                    <a:lnL w="19050">
-                      <a:solidFill>
-                        <a:srgbClr val="FFFFFF"/>
-                      </a:solidFill>
-                      <a:prstDash val="solid"/>
-                    </a:lnL>
-                    <a:solidFill>
-                      <a:srgbClr val="F1F1F1"/>
-                    </a:solidFill>
-                  </a:tcPr>
-                </a:tc>
-              </a:tr>
-              <a:tr h="362712">
-                <a:tc>
-                  <a:txBody>
-                    <a:bodyPr/>
-                    <a:lstStyle/>
-                    <a:p>
-                      <a:pPr algn="ctr">
-                        <a:lnSpc>
-                          <a:spcPct val="100000"/>
-                        </a:lnSpc>
-                        <a:spcBef>
-                          <a:spcPts val="550"/>
-                        </a:spcBef>
-                      </a:pPr>
-                      <a:r>
-                        <a:rPr sz="1200" dirty="0">
-                          <a:solidFill>
-                            <a:srgbClr val="404040"/>
-                          </a:solidFill>
-                          <a:latin typeface="微软雅黑"/>
-                          <a:cs typeface="微软雅黑"/>
-                        </a:rPr>
-                        <a:t>信息流B01</a:t>
-                      </a:r>
-                      <a:endParaRPr sz="1200">
-                        <a:latin typeface="微软雅黑"/>
-                        <a:cs typeface="微软雅黑"/>
-                      </a:endParaRPr>
-                    </a:p>
-                  </a:txBody>
-                  <a:tcPr marL="0" marR="0" marT="69850" marB="0">
-                    <a:solidFill>
-                      <a:srgbClr val="FFFFFF"/>
-                    </a:solidFill>
-                  </a:tcPr>
-                </a:tc>
-                <a:tc>
-                  <a:txBody>
-                    <a:bodyPr/>
-                    <a:lstStyle/>
-                    <a:p>
-                      <a:pPr algn="ctr">
-                        <a:lnSpc>
-                          <a:spcPct val="100000"/>
-                        </a:lnSpc>
-                        <a:spcBef>
-                          <a:spcPts val="550"/>
-                        </a:spcBef>
-                      </a:pPr>
-                      <a:r>
-                        <a:rPr sz="1200" dirty="0">
-                          <a:solidFill>
-                            <a:srgbClr val="404040"/>
-                          </a:solidFill>
-                          <a:latin typeface="微软雅黑"/>
-                          <a:cs typeface="微软雅黑"/>
-                        </a:rPr>
-                        <a:t>4.3%</a:t>
-                      </a:r>
-                      <a:endParaRPr sz="1200">
-                        <a:latin typeface="微软雅黑"/>
-                        <a:cs typeface="微软雅黑"/>
-                      </a:endParaRPr>
-                    </a:p>
-                  </a:txBody>
-                  <a:tcPr marL="0" marR="0" marT="69850" marB="0">
-                    <a:solidFill>
-                      <a:srgbClr val="FFFFFF"/>
-                    </a:solidFill>
-                  </a:tcPr>
-                </a:tc>
-              </a:tr>
-              <a:tr h="364235">
-                <a:tc>
-                  <a:txBody>
-                    <a:bodyPr/>
-                    <a:lstStyle/>
-                    <a:p>
-                      <a:pPr algn="ctr">
-                        <a:lnSpc>
-                          <a:spcPct val="100000"/>
-                        </a:lnSpc>
-                        <a:spcBef>
-                          <a:spcPts val="555"/>
-                        </a:spcBef>
-                      </a:pPr>
-                      <a:r>
-                        <a:rPr sz="1200" dirty="0">
-                          <a:solidFill>
-                            <a:srgbClr val="404040"/>
-                          </a:solidFill>
-                          <a:latin typeface="微软雅黑"/>
-                          <a:cs typeface="微软雅黑"/>
-                        </a:rPr>
-                        <a:t>海报1</a:t>
-                      </a:r>
-                      <a:endParaRPr sz="1200">
-                        <a:latin typeface="微软雅黑"/>
-                        <a:cs typeface="微软雅黑"/>
-                      </a:endParaRPr>
-                    </a:p>
-                  </a:txBody>
-                  <a:tcPr marL="0" marR="0" marT="70485" marB="0">
-                    <a:lnR w="19050">
-                      <a:solidFill>
-                        <a:srgbClr val="FFFFFF"/>
-                      </a:solidFill>
-                      <a:prstDash val="solid"/>
-                    </a:lnR>
-                    <a:solidFill>
-                      <a:srgbClr val="F1F1F1"/>
-                    </a:solidFill>
-                  </a:tcPr>
-                </a:tc>
-                <a:tc>
-                  <a:txBody>
-                    <a:bodyPr/>
-                    <a:lstStyle/>
-                    <a:p>
-                      <a:pPr algn="ctr">
-                        <a:lnSpc>
-                          <a:spcPct val="100000"/>
-                        </a:lnSpc>
-                        <a:spcBef>
-                          <a:spcPts val="555"/>
-                        </a:spcBef>
-                      </a:pPr>
-                      <a:r>
-                        <a:rPr sz="1200" dirty="0">
-                          <a:solidFill>
-                            <a:srgbClr val="404040"/>
-                          </a:solidFill>
-                          <a:latin typeface="微软雅黑"/>
-                          <a:cs typeface="微软雅黑"/>
-                        </a:rPr>
-                        <a:t>14%</a:t>
-                      </a:r>
-                      <a:endParaRPr sz="1200">
-                        <a:latin typeface="微软雅黑"/>
-                        <a:cs typeface="微软雅黑"/>
-                      </a:endParaRPr>
-                    </a:p>
-                  </a:txBody>
-                  <a:tcPr marL="0" marR="0" marT="70485" marB="0">
-                    <a:lnL w="19050">
-                      <a:solidFill>
-                        <a:srgbClr val="FFFFFF"/>
-                      </a:solidFill>
-                      <a:prstDash val="solid"/>
-                    </a:lnL>
-                    <a:solidFill>
-                      <a:srgbClr val="F1F1F1"/>
-                    </a:solidFill>
-                  </a:tcPr>
-                </a:tc>
-              </a:tr>
-              <a:tr h="364236">
-                <a:tc>
-                  <a:txBody>
-                    <a:bodyPr/>
-                    <a:lstStyle/>
-                    <a:p>
-                      <a:pPr algn="ctr">
-                        <a:lnSpc>
-                          <a:spcPct val="100000"/>
-                        </a:lnSpc>
-                        <a:spcBef>
-                          <a:spcPts val="555"/>
-                        </a:spcBef>
-                      </a:pPr>
-                      <a:r>
-                        <a:rPr sz="1200" dirty="0">
-                          <a:solidFill>
-                            <a:srgbClr val="404040"/>
-                          </a:solidFill>
-                          <a:latin typeface="微软雅黑"/>
-                          <a:cs typeface="微软雅黑"/>
-                        </a:rPr>
-                        <a:t>首页轮播</a:t>
-                      </a:r>
-                      <a:endParaRPr sz="1200">
-                        <a:latin typeface="微软雅黑"/>
-                        <a:cs typeface="微软雅黑"/>
-                      </a:endParaRPr>
-                    </a:p>
-                  </a:txBody>
-                  <a:tcPr marL="0" marR="0" marT="70485" marB="0">
-                    <a:solidFill>
-                      <a:srgbClr val="FFFFFF"/>
-                    </a:solidFill>
-                  </a:tcPr>
-                </a:tc>
-                <a:tc>
-                  <a:txBody>
-                    <a:bodyPr/>
-                    <a:lstStyle/>
-                    <a:p>
-                      <a:pPr algn="ctr">
-                        <a:lnSpc>
-                          <a:spcPct val="100000"/>
-                        </a:lnSpc>
-                        <a:spcBef>
-                          <a:spcPts val="555"/>
-                        </a:spcBef>
-                      </a:pPr>
-                      <a:r>
-                        <a:rPr sz="1200" dirty="0">
-                          <a:solidFill>
-                            <a:srgbClr val="404040"/>
-                          </a:solidFill>
-                          <a:latin typeface="微软雅黑"/>
-                          <a:cs typeface="微软雅黑"/>
-                        </a:rPr>
-                        <a:t>2.1%</a:t>
-                      </a:r>
-                      <a:endParaRPr sz="1200">
-                        <a:latin typeface="微软雅黑"/>
-                        <a:cs typeface="微软雅黑"/>
-                      </a:endParaRPr>
-                    </a:p>
-                  </a:txBody>
-                  <a:tcPr marL="0" marR="0" marT="70485" marB="0">
-                    <a:solidFill>
-                      <a:srgbClr val="FFFFFF"/>
-                    </a:solidFill>
-                  </a:tcPr>
-                </a:tc>
-              </a:tr>
-              <a:tr h="364236">
-                <a:tc>
-                  <a:txBody>
-                    <a:bodyPr/>
-                    <a:lstStyle/>
-                    <a:p>
-                      <a:pPr algn="ctr">
-                        <a:lnSpc>
-                          <a:spcPct val="100000"/>
-                        </a:lnSpc>
-                        <a:spcBef>
-                          <a:spcPts val="550"/>
-                        </a:spcBef>
-                      </a:pPr>
-                      <a:r>
-                        <a:rPr sz="1200" dirty="0">
-                          <a:solidFill>
-                            <a:srgbClr val="404040"/>
-                          </a:solidFill>
-                          <a:latin typeface="微软雅黑"/>
-                          <a:cs typeface="微软雅黑"/>
-                        </a:rPr>
-                        <a:t>APP轮播</a:t>
-                      </a:r>
-                      <a:endParaRPr sz="1200">
-                        <a:latin typeface="微软雅黑"/>
-                        <a:cs typeface="微软雅黑"/>
-                      </a:endParaRPr>
-                    </a:p>
-                  </a:txBody>
-                  <a:tcPr marL="0" marR="0" marT="69850" marB="0">
-                    <a:lnR w="19050">
-                      <a:solidFill>
-                        <a:srgbClr val="FFFFFF"/>
-                      </a:solidFill>
-                      <a:prstDash val="solid"/>
-                    </a:lnR>
-                    <a:solidFill>
-                      <a:srgbClr val="F1F1F1"/>
-                    </a:solidFill>
-                  </a:tcPr>
-                </a:tc>
-                <a:tc>
-                  <a:txBody>
-                    <a:bodyPr/>
-                    <a:lstStyle/>
-                    <a:p>
-                      <a:pPr algn="ctr">
-                        <a:lnSpc>
-                          <a:spcPct val="100000"/>
-                        </a:lnSpc>
-                        <a:spcBef>
-                          <a:spcPts val="550"/>
-                        </a:spcBef>
-                      </a:pPr>
-                      <a:r>
-                        <a:rPr sz="1200" dirty="0">
-                          <a:solidFill>
-                            <a:srgbClr val="404040"/>
-                          </a:solidFill>
-                          <a:latin typeface="微软雅黑"/>
-                          <a:cs typeface="微软雅黑"/>
-                        </a:rPr>
-                        <a:t>9.3%</a:t>
-                      </a:r>
-                      <a:endParaRPr sz="1200">
-                        <a:latin typeface="微软雅黑"/>
-                        <a:cs typeface="微软雅黑"/>
-                      </a:endParaRPr>
-                    </a:p>
-                  </a:txBody>
-                  <a:tcPr marL="0" marR="0" marT="69850" marB="0">
-                    <a:lnL w="19050">
-                      <a:solidFill>
-                        <a:srgbClr val="FFFFFF"/>
-                      </a:solidFill>
-                      <a:prstDash val="solid"/>
-                    </a:lnL>
-                    <a:solidFill>
-                      <a:srgbClr val="F1F1F1"/>
-                    </a:solidFill>
-                  </a:tcPr>
-                </a:tc>
-              </a:tr>
-              <a:tr h="362712">
-                <a:tc>
-                  <a:txBody>
-                    <a:bodyPr/>
-                    <a:lstStyle/>
-                    <a:p>
-                      <a:pPr algn="ctr">
-                        <a:lnSpc>
-                          <a:spcPct val="100000"/>
-                        </a:lnSpc>
-                        <a:spcBef>
-                          <a:spcPts val="550"/>
-                        </a:spcBef>
-                      </a:pPr>
-                      <a:r>
-                        <a:rPr sz="1200" dirty="0">
-                          <a:solidFill>
-                            <a:srgbClr val="404040"/>
-                          </a:solidFill>
-                          <a:latin typeface="微软雅黑"/>
-                          <a:cs typeface="微软雅黑"/>
-                        </a:rPr>
-                        <a:t>果园</a:t>
-                      </a:r>
-                      <a:r>
-                        <a:rPr sz="1200" spc="-5" dirty="0">
-                          <a:solidFill>
-                            <a:srgbClr val="404040"/>
-                          </a:solidFill>
-                          <a:latin typeface="微软雅黑"/>
-                          <a:cs typeface="微软雅黑"/>
-                        </a:rPr>
-                        <a:t>banner</a:t>
-                      </a:r>
-                      <a:endParaRPr sz="1200">
-                        <a:latin typeface="微软雅黑"/>
-                        <a:cs typeface="微软雅黑"/>
-                      </a:endParaRPr>
-                    </a:p>
-                  </a:txBody>
-                  <a:tcPr marL="0" marR="0" marT="69850" marB="0">
-                    <a:solidFill>
-                      <a:srgbClr val="FFFFFF"/>
-                    </a:solidFill>
-                  </a:tcPr>
-                </a:tc>
-                <a:tc>
-                  <a:txBody>
-                    <a:bodyPr/>
-                    <a:lstStyle/>
-                    <a:p>
-                      <a:pPr algn="ctr">
-                        <a:lnSpc>
-                          <a:spcPct val="100000"/>
-                        </a:lnSpc>
-                        <a:spcBef>
-                          <a:spcPts val="550"/>
-                        </a:spcBef>
-                      </a:pPr>
-                      <a:r>
-                        <a:rPr sz="1200" dirty="0">
-                          <a:solidFill>
-                            <a:srgbClr val="404040"/>
-                          </a:solidFill>
-                          <a:latin typeface="微软雅黑"/>
-                          <a:cs typeface="微软雅黑"/>
-                        </a:rPr>
-                        <a:t>10.7%</a:t>
-                      </a:r>
-                      <a:endParaRPr sz="1200">
-                        <a:latin typeface="微软雅黑"/>
-                        <a:cs typeface="微软雅黑"/>
-                      </a:endParaRPr>
-                    </a:p>
-                  </a:txBody>
-                  <a:tcPr marL="0" marR="0" marT="69850" marB="0">
-                    <a:solidFill>
-                      <a:srgbClr val="FFFFFF"/>
-                    </a:solidFill>
-                  </a:tcPr>
-                </a:tc>
-              </a:tr>
-              <a:tr h="728472">
-                <a:tc>
-                  <a:txBody>
-                    <a:bodyPr/>
-                    <a:lstStyle/>
-                    <a:p>
-                      <a:pPr algn="ctr">
-                        <a:lnSpc>
-                          <a:spcPct val="100000"/>
-                        </a:lnSpc>
-                        <a:spcBef>
-                          <a:spcPts val="555"/>
-                        </a:spcBef>
-                      </a:pPr>
-                      <a:r>
-                        <a:rPr sz="1200" dirty="0">
-                          <a:solidFill>
-                            <a:srgbClr val="404040"/>
-                          </a:solidFill>
-                          <a:latin typeface="微软雅黑"/>
-                          <a:cs typeface="微软雅黑"/>
-                        </a:rPr>
-                        <a:t>海报2</a:t>
-                      </a:r>
-                      <a:endParaRPr sz="1200">
-                        <a:latin typeface="微软雅黑"/>
-                        <a:cs typeface="微软雅黑"/>
-                      </a:endParaRPr>
-                    </a:p>
-                    <a:p>
-                      <a:pPr algn="ctr">
-                        <a:lnSpc>
-                          <a:spcPct val="100000"/>
-                        </a:lnSpc>
-                        <a:spcBef>
-                          <a:spcPts val="1430"/>
-                        </a:spcBef>
-                      </a:pPr>
-                      <a:r>
-                        <a:rPr sz="1200" dirty="0">
-                          <a:solidFill>
-                            <a:srgbClr val="404040"/>
-                          </a:solidFill>
-                          <a:latin typeface="微软雅黑"/>
-                          <a:cs typeface="微软雅黑"/>
-                        </a:rPr>
-                        <a:t>开店</a:t>
-                      </a:r>
-                      <a:r>
-                        <a:rPr sz="1200" spc="-5" dirty="0">
-                          <a:solidFill>
-                            <a:srgbClr val="404040"/>
-                          </a:solidFill>
-                          <a:latin typeface="微软雅黑"/>
-                          <a:cs typeface="微软雅黑"/>
-                        </a:rPr>
-                        <a:t>banner</a:t>
-                      </a:r>
-                      <a:endParaRPr sz="1200">
-                        <a:latin typeface="微软雅黑"/>
-                        <a:cs typeface="微软雅黑"/>
-                      </a:endParaRPr>
-                    </a:p>
-                  </a:txBody>
-                  <a:tcPr marL="0" marR="0" marT="70485" marB="0">
-                    <a:lnR w="19050">
-                      <a:solidFill>
-                        <a:srgbClr val="FFFFFF"/>
-                      </a:solidFill>
-                      <a:prstDash val="solid"/>
-                    </a:lnR>
-                    <a:solidFill>
-                      <a:srgbClr val="F1F1F1"/>
-                    </a:solidFill>
-                  </a:tcPr>
-                </a:tc>
-                <a:tc>
-                  <a:txBody>
-                    <a:bodyPr/>
-                    <a:lstStyle/>
-                    <a:p>
-                      <a:pPr algn="ctr">
-                        <a:lnSpc>
-                          <a:spcPct val="100000"/>
-                        </a:lnSpc>
-                        <a:spcBef>
-                          <a:spcPts val="555"/>
-                        </a:spcBef>
-                      </a:pPr>
-                      <a:r>
-                        <a:rPr sz="1200" dirty="0">
-                          <a:solidFill>
-                            <a:srgbClr val="404040"/>
-                          </a:solidFill>
-                          <a:latin typeface="微软雅黑"/>
-                          <a:cs typeface="微软雅黑"/>
-                        </a:rPr>
-                        <a:t>20.37%</a:t>
-                      </a:r>
-                      <a:endParaRPr sz="1200">
-                        <a:latin typeface="微软雅黑"/>
-                        <a:cs typeface="微软雅黑"/>
-                      </a:endParaRPr>
-                    </a:p>
-                    <a:p>
-                      <a:pPr algn="ctr">
-                        <a:lnSpc>
-                          <a:spcPct val="100000"/>
-                        </a:lnSpc>
-                        <a:spcBef>
-                          <a:spcPts val="1430"/>
-                        </a:spcBef>
-                      </a:pPr>
-                      <a:r>
-                        <a:rPr sz="1200" dirty="0">
-                          <a:solidFill>
-                            <a:srgbClr val="404040"/>
-                          </a:solidFill>
-                          <a:latin typeface="微软雅黑"/>
-                          <a:cs typeface="微软雅黑"/>
-                        </a:rPr>
-                        <a:t>15.1%</a:t>
-                      </a:r>
-                      <a:endParaRPr sz="1200">
-                        <a:latin typeface="微软雅黑"/>
-                        <a:cs typeface="微软雅黑"/>
-                      </a:endParaRPr>
-                    </a:p>
-                  </a:txBody>
-                  <a:tcPr marL="0" marR="0" marT="70485" marB="0">
-                    <a:lnL w="19050">
-                      <a:solidFill>
-                        <a:srgbClr val="FFFFFF"/>
-                      </a:solidFill>
-                      <a:prstDash val="solid"/>
-                    </a:lnL>
-                    <a:solidFill>
-                      <a:srgbClr val="F1F1F1"/>
-                    </a:solidFill>
-                  </a:tcPr>
-                </a:tc>
-              </a:tr>
-              <a:tr h="363600">
-                <a:tc>
-                  <a:txBody>
-                    <a:bodyPr/>
-                    <a:lstStyle/>
-                    <a:p>
-                      <a:pPr algn="ctr">
-                        <a:lnSpc>
-                          <a:spcPct val="100000"/>
-                        </a:lnSpc>
-                        <a:spcBef>
-                          <a:spcPts val="550"/>
-                        </a:spcBef>
-                      </a:pPr>
-                      <a:r>
-                        <a:rPr sz="1200" dirty="0">
-                          <a:solidFill>
-                            <a:srgbClr val="404040"/>
-                          </a:solidFill>
-                          <a:latin typeface="微软雅黑"/>
-                          <a:cs typeface="微软雅黑"/>
-                        </a:rPr>
-                        <a:t>短信</a:t>
-                      </a:r>
-                      <a:endParaRPr sz="1200">
-                        <a:latin typeface="微软雅黑"/>
-                        <a:cs typeface="微软雅黑"/>
-                      </a:endParaRPr>
-                    </a:p>
-                  </a:txBody>
-                  <a:tcPr marL="0" marR="0" marT="69850" marB="0">
-                    <a:lnB w="19050">
-                      <a:solidFill>
-                        <a:srgbClr val="E24D4D"/>
-                      </a:solidFill>
-                      <a:prstDash val="solid"/>
-                    </a:lnB>
-                    <a:solidFill>
-                      <a:srgbClr val="FFFFFF"/>
-                    </a:solidFill>
-                  </a:tcPr>
-                </a:tc>
-                <a:tc>
-                  <a:txBody>
-                    <a:bodyPr/>
-                    <a:lstStyle/>
-                    <a:p>
-                      <a:pPr algn="ctr">
-                        <a:lnSpc>
-                          <a:spcPct val="100000"/>
-                        </a:lnSpc>
-                        <a:spcBef>
-                          <a:spcPts val="550"/>
-                        </a:spcBef>
-                      </a:pPr>
-                      <a:r>
-                        <a:rPr sz="1200" dirty="0">
-                          <a:solidFill>
-                            <a:srgbClr val="404040"/>
-                          </a:solidFill>
-                          <a:latin typeface="微软雅黑"/>
-                          <a:cs typeface="微软雅黑"/>
-                        </a:rPr>
-                        <a:t>10%</a:t>
-                      </a:r>
-                      <a:endParaRPr sz="1200">
-                        <a:latin typeface="微软雅黑"/>
-                        <a:cs typeface="微软雅黑"/>
-                      </a:endParaRPr>
-                    </a:p>
-                  </a:txBody>
-                  <a:tcPr marL="0" marR="0" marT="69850" marB="0">
-                    <a:lnB w="19050">
-                      <a:solidFill>
-                        <a:srgbClr val="E24D4D"/>
-                      </a:solidFill>
-                      <a:prstDash val="solid"/>
-                    </a:lnB>
-                    <a:solidFill>
-                      <a:srgbClr val="FFFFFF"/>
-                    </a:solidFill>
-                  </a:tcPr>
-                </a:tc>
-              </a:tr>
-            </a:tbl>
-          </a:graphicData>
-        </a:graphic>
-      </p:graphicFrame>
       <p:sp>
         <p:nvSpPr>
           <p:cNvPr id="9" name="object 9"/>
@@ -8119,7 +5290,7 @@
         <p:spPr>
           <a:xfrm>
             <a:off x="922019" y="5966459"/>
-            <a:ext cx="7025640" cy="391160"/>
+            <a:ext cx="7025640" cy="628015"/>
           </a:xfrm>
           <a:prstGeom prst="rect">
             <a:avLst/>
@@ -8253,6 +5424,108 @@
               <a:latin typeface="微软雅黑"/>
               <a:cs typeface="微软雅黑"/>
             </a:endParaRPr>
+          </a:p>
+        </p:txBody>
+      </p:sp>
+      <p:sp>
+        <p:nvSpPr>
+          <p:cNvPr id="13" name="文本框 12"/>
+          <p:cNvSpPr txBox="1"/>
+          <p:nvPr/>
+        </p:nvSpPr>
+        <p:spPr>
+          <a:xfrm>
+            <a:off x="1080135" y="1493520"/>
+            <a:ext cx="2879725" cy="306705"/>
+          </a:xfrm>
+          <a:prstGeom prst="rect">
+            <a:avLst/>
+          </a:prstGeom>
+          <a:solidFill>
+            <a:schemeClr val="bg1">
+              <a:lumMod val="75000"/>
+            </a:schemeClr>
+          </a:solidFill>
+        </p:spPr>
+        <p:txBody>
+          <a:bodyPr wrap="square" rtlCol="0">
+            <a:spAutoFit/>
+          </a:bodyPr>
+          <a:p>
+            <a:pPr algn="ctr"/>
+            <a:r>
+              <a:rPr lang="zh-CN" altLang="en-US" sz="1400"/>
+              <a:t>流量</a:t>
+            </a:r>
+            <a:endParaRPr lang="zh-CN" altLang="en-US" sz="1400"/>
+          </a:p>
+        </p:txBody>
+      </p:sp>
+      <p:sp>
+        <p:nvSpPr>
+          <p:cNvPr id="14" name="文本框 13"/>
+          <p:cNvSpPr txBox="1"/>
+          <p:nvPr/>
+        </p:nvSpPr>
+        <p:spPr>
+          <a:xfrm>
+            <a:off x="4679950" y="1493520"/>
+            <a:ext cx="2879725" cy="306705"/>
+          </a:xfrm>
+          <a:prstGeom prst="rect">
+            <a:avLst/>
+          </a:prstGeom>
+          <a:solidFill>
+            <a:schemeClr val="bg1">
+              <a:lumMod val="75000"/>
+            </a:schemeClr>
+          </a:solidFill>
+        </p:spPr>
+        <p:txBody>
+          <a:bodyPr wrap="square" rtlCol="0">
+            <a:spAutoFit/>
+          </a:bodyPr>
+          <a:p>
+            <a:pPr algn="ctr"/>
+            <a:r>
+              <a:rPr lang="zh-CN" altLang="en-US" sz="1400"/>
+              <a:t>报名</a:t>
+            </a:r>
+            <a:endParaRPr lang="zh-CN" altLang="en-US" sz="1400"/>
+          </a:p>
+        </p:txBody>
+      </p:sp>
+      <p:sp>
+        <p:nvSpPr>
+          <p:cNvPr id="15" name="文本框 14"/>
+          <p:cNvSpPr txBox="1"/>
+          <p:nvPr/>
+        </p:nvSpPr>
+        <p:spPr>
+          <a:xfrm>
+            <a:off x="8279765" y="1493520"/>
+            <a:ext cx="2879725" cy="306705"/>
+          </a:xfrm>
+          <a:prstGeom prst="rect">
+            <a:avLst/>
+          </a:prstGeom>
+          <a:solidFill>
+            <a:schemeClr val="bg1">
+              <a:lumMod val="75000"/>
+            </a:schemeClr>
+          </a:solidFill>
+        </p:spPr>
+        <p:txBody>
+          <a:bodyPr wrap="square" rtlCol="0">
+            <a:spAutoFit/>
+          </a:bodyPr>
+          <a:p>
+            <a:pPr algn="ctr"/>
+            <a:r>
+              <a:rPr lang="zh-CN" altLang="en-US" sz="1400"/>
+              <a:t>转化</a:t>
+            </a:r>
+            <a:endParaRPr lang="zh-CN" altLang="en-US" sz="1400"/>
           </a:p>
         </p:txBody>
       </p:sp>
@@ -10471,309 +7744,6 @@
           </a:p>
         </p:txBody>
       </p:sp>
-      <p:grpSp>
-        <p:nvGrpSpPr>
-          <p:cNvPr id="50" name="object 3"/>
-          <p:cNvGrpSpPr/>
-          <p:nvPr/>
-        </p:nvGrpSpPr>
-        <p:grpSpPr>
-          <a:xfrm>
-            <a:off x="830580" y="1123314"/>
-            <a:ext cx="5688965" cy="4894580"/>
-            <a:chOff x="836930" y="1123314"/>
-            <a:chExt cx="5688965" cy="4894580"/>
-          </a:xfrm>
-        </p:grpSpPr>
-        <p:sp>
-          <p:nvSpPr>
-            <p:cNvPr id="51" name="object 4"/>
-            <p:cNvSpPr/>
-            <p:nvPr/>
-          </p:nvSpPr>
-          <p:spPr>
-            <a:xfrm>
-              <a:off x="842772" y="1129283"/>
-              <a:ext cx="2167255" cy="91440"/>
-            </a:xfrm>
-            <a:custGeom>
-              <a:avLst/>
-              <a:gdLst/>
-              <a:ahLst/>
-              <a:cxnLst/>
-              <a:rect l="l" t="t" r="r" b="b"/>
-              <a:pathLst>
-                <a:path w="2167255" h="91440">
-                  <a:moveTo>
-                    <a:pt x="2167128" y="91439"/>
-                  </a:moveTo>
-                  <a:lnTo>
-                    <a:pt x="0" y="91439"/>
-                  </a:lnTo>
-                  <a:lnTo>
-                    <a:pt x="0" y="0"/>
-                  </a:lnTo>
-                  <a:lnTo>
-                    <a:pt x="2167128" y="0"/>
-                  </a:lnTo>
-                  <a:lnTo>
-                    <a:pt x="2167128" y="91439"/>
-                  </a:lnTo>
-                  <a:close/>
-                </a:path>
-              </a:pathLst>
-            </a:custGeom>
-            <a:solidFill>
-              <a:srgbClr val="E0525D"/>
-            </a:solidFill>
-          </p:spPr>
-          <p:txBody>
-            <a:bodyPr wrap="square" lIns="0" tIns="0" rIns="0" bIns="0" rtlCol="0"/>
-            <a:p/>
-          </p:txBody>
-        </p:sp>
-        <p:sp>
-          <p:nvSpPr>
-            <p:cNvPr id="52" name="object 5"/>
-            <p:cNvSpPr/>
-            <p:nvPr/>
-          </p:nvSpPr>
-          <p:spPr>
-            <a:xfrm>
-              <a:off x="836930" y="1123314"/>
-              <a:ext cx="2179955" cy="104139"/>
-            </a:xfrm>
-            <a:custGeom>
-              <a:avLst/>
-              <a:gdLst/>
-              <a:ahLst/>
-              <a:cxnLst/>
-              <a:rect l="l" t="t" r="r" b="b"/>
-              <a:pathLst>
-                <a:path w="2179955" h="104140">
-                  <a:moveTo>
-                    <a:pt x="2179955" y="104140"/>
-                  </a:moveTo>
-                  <a:lnTo>
-                    <a:pt x="0" y="104140"/>
-                  </a:lnTo>
-                  <a:lnTo>
-                    <a:pt x="0" y="0"/>
-                  </a:lnTo>
-                  <a:lnTo>
-                    <a:pt x="2179955" y="0"/>
-                  </a:lnTo>
-                  <a:lnTo>
-                    <a:pt x="2179955" y="6350"/>
-                  </a:lnTo>
-                  <a:lnTo>
-                    <a:pt x="12700" y="6350"/>
-                  </a:lnTo>
-                  <a:lnTo>
-                    <a:pt x="6350" y="12700"/>
-                  </a:lnTo>
-                  <a:lnTo>
-                    <a:pt x="12700" y="12700"/>
-                  </a:lnTo>
-                  <a:lnTo>
-                    <a:pt x="12700" y="91440"/>
-                  </a:lnTo>
-                  <a:lnTo>
-                    <a:pt x="6350" y="91440"/>
-                  </a:lnTo>
-                  <a:lnTo>
-                    <a:pt x="12700" y="97790"/>
-                  </a:lnTo>
-                  <a:lnTo>
-                    <a:pt x="2179955" y="97790"/>
-                  </a:lnTo>
-                  <a:lnTo>
-                    <a:pt x="2179955" y="104140"/>
-                  </a:lnTo>
-                  <a:close/>
-                </a:path>
-                <a:path w="2179955" h="104140">
-                  <a:moveTo>
-                    <a:pt x="12700" y="12700"/>
-                  </a:moveTo>
-                  <a:lnTo>
-                    <a:pt x="6350" y="12700"/>
-                  </a:lnTo>
-                  <a:lnTo>
-                    <a:pt x="12700" y="6350"/>
-                  </a:lnTo>
-                  <a:lnTo>
-                    <a:pt x="12700" y="12700"/>
-                  </a:lnTo>
-                  <a:close/>
-                </a:path>
-                <a:path w="2179955" h="104140">
-                  <a:moveTo>
-                    <a:pt x="2167255" y="12700"/>
-                  </a:moveTo>
-                  <a:lnTo>
-                    <a:pt x="12700" y="12700"/>
-                  </a:lnTo>
-                  <a:lnTo>
-                    <a:pt x="12700" y="6350"/>
-                  </a:lnTo>
-                  <a:lnTo>
-                    <a:pt x="2167255" y="6350"/>
-                  </a:lnTo>
-                  <a:lnTo>
-                    <a:pt x="2167255" y="12700"/>
-                  </a:lnTo>
-                  <a:close/>
-                </a:path>
-                <a:path w="2179955" h="104140">
-                  <a:moveTo>
-                    <a:pt x="2167255" y="97790"/>
-                  </a:moveTo>
-                  <a:lnTo>
-                    <a:pt x="2167255" y="6350"/>
-                  </a:lnTo>
-                  <a:lnTo>
-                    <a:pt x="2173605" y="12700"/>
-                  </a:lnTo>
-                  <a:lnTo>
-                    <a:pt x="2179955" y="12700"/>
-                  </a:lnTo>
-                  <a:lnTo>
-                    <a:pt x="2179955" y="91440"/>
-                  </a:lnTo>
-                  <a:lnTo>
-                    <a:pt x="2173605" y="91440"/>
-                  </a:lnTo>
-                  <a:lnTo>
-                    <a:pt x="2167255" y="97790"/>
-                  </a:lnTo>
-                  <a:close/>
-                </a:path>
-                <a:path w="2179955" h="104140">
-                  <a:moveTo>
-                    <a:pt x="2179955" y="12700"/>
-                  </a:moveTo>
-                  <a:lnTo>
-                    <a:pt x="2173605" y="12700"/>
-                  </a:lnTo>
-                  <a:lnTo>
-                    <a:pt x="2167255" y="6350"/>
-                  </a:lnTo>
-                  <a:lnTo>
-                    <a:pt x="2179955" y="6350"/>
-                  </a:lnTo>
-                  <a:lnTo>
-                    <a:pt x="2179955" y="12700"/>
-                  </a:lnTo>
-                  <a:close/>
-                </a:path>
-                <a:path w="2179955" h="104140">
-                  <a:moveTo>
-                    <a:pt x="12700" y="97790"/>
-                  </a:moveTo>
-                  <a:lnTo>
-                    <a:pt x="6350" y="91440"/>
-                  </a:lnTo>
-                  <a:lnTo>
-                    <a:pt x="12700" y="91440"/>
-                  </a:lnTo>
-                  <a:lnTo>
-                    <a:pt x="12700" y="97790"/>
-                  </a:lnTo>
-                  <a:close/>
-                </a:path>
-                <a:path w="2179955" h="104140">
-                  <a:moveTo>
-                    <a:pt x="2167255" y="97790"/>
-                  </a:moveTo>
-                  <a:lnTo>
-                    <a:pt x="12700" y="97790"/>
-                  </a:lnTo>
-                  <a:lnTo>
-                    <a:pt x="12700" y="91440"/>
-                  </a:lnTo>
-                  <a:lnTo>
-                    <a:pt x="2167255" y="91440"/>
-                  </a:lnTo>
-                  <a:lnTo>
-                    <a:pt x="2167255" y="97790"/>
-                  </a:lnTo>
-                  <a:close/>
-                </a:path>
-                <a:path w="2179955" h="104140">
-                  <a:moveTo>
-                    <a:pt x="2179955" y="97790"/>
-                  </a:moveTo>
-                  <a:lnTo>
-                    <a:pt x="2167255" y="97790"/>
-                  </a:lnTo>
-                  <a:lnTo>
-                    <a:pt x="2173605" y="91440"/>
-                  </a:lnTo>
-                  <a:lnTo>
-                    <a:pt x="2179955" y="91440"/>
-                  </a:lnTo>
-                  <a:lnTo>
-                    <a:pt x="2179955" y="97790"/>
-                  </a:lnTo>
-                  <a:close/>
-                </a:path>
-              </a:pathLst>
-            </a:custGeom>
-            <a:solidFill>
-              <a:srgbClr val="DE545C"/>
-            </a:solidFill>
-          </p:spPr>
-          <p:txBody>
-            <a:bodyPr wrap="square" lIns="0" tIns="0" rIns="0" bIns="0" rtlCol="0"/>
-            <a:p/>
-          </p:txBody>
-        </p:sp>
-        <p:pic>
-          <p:nvPicPr>
-            <p:cNvPr id="53" name="object 6"/>
-            <p:cNvPicPr/>
-            <p:nvPr/>
-          </p:nvPicPr>
-          <p:blipFill>
-            <a:blip r:embed="rId1" cstate="print"/>
-            <a:stretch>
-              <a:fillRect/>
-            </a:stretch>
-          </p:blipFill>
-          <p:spPr>
-            <a:xfrm>
-              <a:off x="3806952" y="1703831"/>
-              <a:ext cx="2237231" cy="900684"/>
-            </a:xfrm>
-            <a:prstGeom prst="rect">
-              <a:avLst/>
-            </a:prstGeom>
-          </p:spPr>
-        </p:pic>
-        <p:pic>
-          <p:nvPicPr>
-            <p:cNvPr id="54" name="object 7"/>
-            <p:cNvPicPr/>
-            <p:nvPr/>
-          </p:nvPicPr>
-          <p:blipFill>
-            <a:blip r:embed="rId2" cstate="print"/>
-            <a:stretch>
-              <a:fillRect/>
-            </a:stretch>
-          </p:blipFill>
-          <p:spPr>
-            <a:xfrm>
-              <a:off x="3447402" y="2400553"/>
-              <a:ext cx="3078403" cy="3616883"/>
-            </a:xfrm>
-            <a:prstGeom prst="rect">
-              <a:avLst/>
-            </a:prstGeom>
-          </p:spPr>
-        </p:pic>
-      </p:grpSp>
       <p:sp>
         <p:nvSpPr>
           <p:cNvPr id="55" name="object 8"/>
@@ -10881,212 +7851,28 @@
       </p:sp>
       <p:grpSp>
         <p:nvGrpSpPr>
-          <p:cNvPr id="56" name="object 10"/>
+          <p:cNvPr id="3" name="object 3"/>
           <p:cNvGrpSpPr/>
           <p:nvPr/>
         </p:nvGrpSpPr>
         <p:grpSpPr>
           <a:xfrm>
-            <a:off x="6076302" y="1703197"/>
-            <a:ext cx="3078480" cy="4314190"/>
-            <a:chOff x="6121387" y="1703832"/>
-            <a:chExt cx="3078480" cy="4314190"/>
+            <a:off x="859790" y="1084579"/>
+            <a:ext cx="2179955" cy="104139"/>
+            <a:chOff x="836930" y="1123314"/>
+            <a:chExt cx="2179955" cy="104139"/>
           </a:xfrm>
         </p:grpSpPr>
-        <p:pic>
-          <p:nvPicPr>
-            <p:cNvPr id="57" name="object 11"/>
-            <p:cNvPicPr/>
-            <p:nvPr/>
-          </p:nvPicPr>
-          <p:blipFill>
-            <a:blip r:embed="rId1" cstate="print"/>
-            <a:stretch>
-              <a:fillRect/>
-            </a:stretch>
-          </p:blipFill>
-          <p:spPr>
-            <a:xfrm>
-              <a:off x="6484619" y="1703832"/>
-              <a:ext cx="2237231" cy="900684"/>
-            </a:xfrm>
-            <a:prstGeom prst="rect">
-              <a:avLst/>
-            </a:prstGeom>
-          </p:spPr>
-        </p:pic>
-        <p:pic>
-          <p:nvPicPr>
-            <p:cNvPr id="58" name="object 12"/>
-            <p:cNvPicPr/>
-            <p:nvPr/>
-          </p:nvPicPr>
-          <p:blipFill>
-            <a:blip r:embed="rId3" cstate="print"/>
-            <a:stretch>
-              <a:fillRect/>
-            </a:stretch>
-          </p:blipFill>
-          <p:spPr>
-            <a:xfrm>
-              <a:off x="6121387" y="2400554"/>
-              <a:ext cx="3078403" cy="3616883"/>
-            </a:xfrm>
-            <a:prstGeom prst="rect">
-              <a:avLst/>
-            </a:prstGeom>
-          </p:spPr>
-        </p:pic>
-        <p:pic>
-          <p:nvPicPr>
-            <p:cNvPr id="59" name="object 13"/>
-            <p:cNvPicPr/>
-            <p:nvPr/>
-          </p:nvPicPr>
-          <p:blipFill>
-            <a:blip r:embed="rId4" cstate="print"/>
-            <a:stretch>
-              <a:fillRect/>
-            </a:stretch>
-          </p:blipFill>
-          <p:spPr>
-            <a:xfrm>
-              <a:off x="7290815" y="2968752"/>
-              <a:ext cx="624840" cy="624839"/>
-            </a:xfrm>
-            <a:prstGeom prst="rect">
-              <a:avLst/>
-            </a:prstGeom>
-          </p:spPr>
-        </p:pic>
-        <p:pic>
-          <p:nvPicPr>
-            <p:cNvPr id="60" name="object 14"/>
-            <p:cNvPicPr/>
-            <p:nvPr/>
-          </p:nvPicPr>
-          <p:blipFill>
-            <a:blip r:embed="rId5" cstate="print"/>
-            <a:stretch>
-              <a:fillRect/>
-            </a:stretch>
-          </p:blipFill>
-          <p:spPr>
-            <a:xfrm>
-              <a:off x="7418831" y="3108960"/>
-              <a:ext cx="368807" cy="297179"/>
-            </a:xfrm>
-            <a:prstGeom prst="rect">
-              <a:avLst/>
-            </a:prstGeom>
-          </p:spPr>
-        </p:pic>
-      </p:grpSp>
-      <p:grpSp>
-        <p:nvGrpSpPr>
-          <p:cNvPr id="61" name="object 16"/>
-          <p:cNvGrpSpPr/>
-          <p:nvPr/>
-        </p:nvGrpSpPr>
-        <p:grpSpPr>
-          <a:xfrm>
-            <a:off x="8792197" y="1703832"/>
-            <a:ext cx="3078480" cy="4314190"/>
-            <a:chOff x="8792197" y="1703832"/>
-            <a:chExt cx="3078480" cy="4314190"/>
-          </a:xfrm>
-        </p:grpSpPr>
-        <p:pic>
-          <p:nvPicPr>
-            <p:cNvPr id="62" name="object 17"/>
-            <p:cNvPicPr/>
-            <p:nvPr/>
-          </p:nvPicPr>
-          <p:blipFill>
-            <a:blip r:embed="rId1" cstate="print"/>
-            <a:stretch>
-              <a:fillRect/>
-            </a:stretch>
-          </p:blipFill>
-          <p:spPr>
-            <a:xfrm>
-              <a:off x="9154668" y="1703832"/>
-              <a:ext cx="2237231" cy="900684"/>
-            </a:xfrm>
-            <a:prstGeom prst="rect">
-              <a:avLst/>
-            </a:prstGeom>
-          </p:spPr>
-        </p:pic>
-        <p:pic>
-          <p:nvPicPr>
-            <p:cNvPr id="63" name="object 18"/>
-            <p:cNvPicPr/>
-            <p:nvPr/>
-          </p:nvPicPr>
-          <p:blipFill>
-            <a:blip r:embed="rId2" cstate="print"/>
-            <a:stretch>
-              <a:fillRect/>
-            </a:stretch>
-          </p:blipFill>
-          <p:spPr>
-            <a:xfrm>
-              <a:off x="8792197" y="2400554"/>
-              <a:ext cx="3078403" cy="3616883"/>
-            </a:xfrm>
-            <a:prstGeom prst="rect">
-              <a:avLst/>
-            </a:prstGeom>
-          </p:spPr>
-        </p:pic>
-      </p:grpSp>
-      <p:grpSp>
-        <p:nvGrpSpPr>
-          <p:cNvPr id="64" name="object 20"/>
-          <p:cNvGrpSpPr/>
-          <p:nvPr/>
-        </p:nvGrpSpPr>
-        <p:grpSpPr>
-          <a:xfrm>
-            <a:off x="842632" y="1702435"/>
-            <a:ext cx="9728200" cy="4314825"/>
-            <a:chOff x="859142" y="1684020"/>
-            <a:chExt cx="9728200" cy="4314825"/>
-          </a:xfrm>
-        </p:grpSpPr>
-        <p:pic>
-          <p:nvPicPr>
-            <p:cNvPr id="65" name="object 21"/>
-            <p:cNvPicPr/>
-            <p:nvPr/>
-          </p:nvPicPr>
-          <p:blipFill>
-            <a:blip r:embed="rId4" cstate="print"/>
-            <a:stretch>
-              <a:fillRect/>
-            </a:stretch>
-          </p:blipFill>
-          <p:spPr>
-            <a:xfrm>
-              <a:off x="4617719" y="2944368"/>
-              <a:ext cx="624839" cy="624839"/>
-            </a:xfrm>
-            <a:prstGeom prst="rect">
-              <a:avLst/>
-            </a:prstGeom>
-          </p:spPr>
-        </p:pic>
         <p:sp>
           <p:nvSpPr>
-            <p:cNvPr id="66" name="object 22"/>
+            <p:cNvPr id="4" name="object 4"/>
             <p:cNvSpPr/>
             <p:nvPr/>
           </p:nvSpPr>
           <p:spPr>
             <a:xfrm>
-              <a:off x="4760188" y="3095777"/>
-              <a:ext cx="338455" cy="326390"/>
+              <a:off x="842772" y="1129283"/>
+              <a:ext cx="2167255" cy="91440"/>
             </a:xfrm>
             <a:custGeom>
               <a:avLst/>
@@ -11095,349 +7881,28 @@
               <a:cxnLst/>
               <a:rect l="l" t="t" r="r" b="b"/>
               <a:pathLst>
-                <a:path w="338454" h="326389">
+                <a:path w="2167255" h="91440">
                   <a:moveTo>
-                    <a:pt x="260553" y="259803"/>
+                    <a:pt x="2167128" y="91439"/>
                   </a:moveTo>
                   <a:lnTo>
-                    <a:pt x="257314" y="258114"/>
-                  </a:lnTo>
-                  <a:lnTo>
-                    <a:pt x="255625" y="255066"/>
-                  </a:lnTo>
-                  <a:lnTo>
-                    <a:pt x="242516" y="236724"/>
-                  </a:lnTo>
-                  <a:lnTo>
-                    <a:pt x="225648" y="222305"/>
-                  </a:lnTo>
-                  <a:lnTo>
-                    <a:pt x="205849" y="210798"/>
-                  </a:lnTo>
-                  <a:lnTo>
-                    <a:pt x="183946" y="201193"/>
-                  </a:lnTo>
-                  <a:lnTo>
-                    <a:pt x="179362" y="199326"/>
-                  </a:lnTo>
-                  <a:lnTo>
-                    <a:pt x="177495" y="194094"/>
-                  </a:lnTo>
-                  <a:lnTo>
-                    <a:pt x="179705" y="189864"/>
-                  </a:lnTo>
-                  <a:lnTo>
-                    <a:pt x="179705" y="189699"/>
-                  </a:lnTo>
-                  <a:lnTo>
-                    <a:pt x="180212" y="188683"/>
-                  </a:lnTo>
-                  <a:lnTo>
-                    <a:pt x="189824" y="173803"/>
-                  </a:lnTo>
-                  <a:lnTo>
-                    <a:pt x="198021" y="156927"/>
-                  </a:lnTo>
-                  <a:lnTo>
-                    <a:pt x="204023" y="137898"/>
-                  </a:lnTo>
-                  <a:lnTo>
-                    <a:pt x="207048" y="116560"/>
-                  </a:lnTo>
-                  <a:lnTo>
-                    <a:pt x="206585" y="92554"/>
-                  </a:lnTo>
-                  <a:lnTo>
-                    <a:pt x="201058" y="71966"/>
-                  </a:lnTo>
-                  <a:lnTo>
-                    <a:pt x="191519" y="54418"/>
-                  </a:lnTo>
-                  <a:lnTo>
-                    <a:pt x="179019" y="39535"/>
-                  </a:lnTo>
-                  <a:lnTo>
-                    <a:pt x="176466" y="36995"/>
-                  </a:lnTo>
-                  <a:lnTo>
-                    <a:pt x="175793" y="33108"/>
-                  </a:lnTo>
-                  <a:lnTo>
-                    <a:pt x="207656" y="3081"/>
-                  </a:lnTo>
-                  <a:lnTo>
-                    <a:pt x="224028" y="0"/>
-                  </a:lnTo>
-                  <a:lnTo>
-                    <a:pt x="248872" y="3195"/>
-                  </a:lnTo>
-                  <a:lnTo>
-                    <a:pt x="267342" y="14152"/>
-                  </a:lnTo>
-                  <a:lnTo>
-                    <a:pt x="279443" y="31127"/>
-                  </a:lnTo>
-                  <a:lnTo>
-                    <a:pt x="285178" y="52374"/>
-                  </a:lnTo>
-                  <a:lnTo>
-                    <a:pt x="286042" y="76444"/>
-                  </a:lnTo>
-                  <a:lnTo>
-                    <a:pt x="281992" y="97558"/>
-                  </a:lnTo>
-                  <a:lnTo>
-                    <a:pt x="274428" y="115557"/>
-                  </a:lnTo>
-                  <a:lnTo>
-                    <a:pt x="264795" y="130073"/>
-                  </a:lnTo>
-                  <a:lnTo>
-                    <a:pt x="263093" y="133451"/>
-                  </a:lnTo>
-                  <a:lnTo>
-                    <a:pt x="259702" y="135140"/>
-                  </a:lnTo>
-                  <a:lnTo>
-                    <a:pt x="256641" y="141224"/>
-                  </a:lnTo>
-                  <a:lnTo>
-                    <a:pt x="256298" y="147472"/>
-                  </a:lnTo>
-                  <a:lnTo>
-                    <a:pt x="257314" y="151523"/>
-                  </a:lnTo>
-                  <a:lnTo>
-                    <a:pt x="257657" y="153212"/>
-                  </a:lnTo>
-                  <a:lnTo>
-                    <a:pt x="258508" y="154571"/>
-                  </a:lnTo>
-                  <a:lnTo>
-                    <a:pt x="259867" y="155752"/>
-                  </a:lnTo>
-                  <a:lnTo>
-                    <a:pt x="264629" y="159804"/>
-                  </a:lnTo>
-                  <a:lnTo>
-                    <a:pt x="274307" y="162674"/>
-                  </a:lnTo>
-                  <a:lnTo>
-                    <a:pt x="280250" y="165709"/>
-                  </a:lnTo>
-                  <a:lnTo>
-                    <a:pt x="322503" y="188525"/>
-                  </a:lnTo>
-                  <a:lnTo>
-                    <a:pt x="337923" y="213888"/>
-                  </a:lnTo>
-                  <a:lnTo>
-                    <a:pt x="337788" y="222940"/>
-                  </a:lnTo>
-                  <a:lnTo>
-                    <a:pt x="304096" y="253744"/>
-                  </a:lnTo>
-                  <a:lnTo>
-                    <a:pt x="263944" y="259638"/>
-                  </a:lnTo>
-                  <a:lnTo>
-                    <a:pt x="260553" y="259803"/>
-                  </a:lnTo>
-                  <a:close/>
-                </a:path>
-                <a:path w="338454" h="326389">
-                  <a:moveTo>
-                    <a:pt x="121226" y="326021"/>
-                  </a:moveTo>
-                  <a:lnTo>
-                    <a:pt x="56045" y="320954"/>
-                  </a:lnTo>
-                  <a:lnTo>
-                    <a:pt x="16159" y="308365"/>
-                  </a:lnTo>
-                  <a:lnTo>
-                    <a:pt x="6794" y="300685"/>
-                  </a:lnTo>
-                  <a:lnTo>
-                    <a:pt x="3390" y="298996"/>
-                  </a:lnTo>
-                  <a:lnTo>
-                    <a:pt x="1701" y="295617"/>
-                  </a:lnTo>
-                  <a:lnTo>
-                    <a:pt x="0" y="288861"/>
-                  </a:lnTo>
-                  <a:lnTo>
-                    <a:pt x="0" y="273659"/>
-                  </a:lnTo>
-                  <a:lnTo>
-                    <a:pt x="26177" y="243144"/>
-                  </a:lnTo>
-                  <a:lnTo>
-                    <a:pt x="35496" y="236664"/>
-                  </a:lnTo>
-                  <a:lnTo>
-                    <a:pt x="35839" y="236321"/>
-                  </a:lnTo>
-                  <a:lnTo>
-                    <a:pt x="51422" y="228720"/>
-                  </a:lnTo>
-                  <a:lnTo>
-                    <a:pt x="59440" y="224987"/>
-                  </a:lnTo>
-                  <a:lnTo>
-                    <a:pt x="67932" y="221284"/>
-                  </a:lnTo>
-                  <a:lnTo>
-                    <a:pt x="70827" y="219938"/>
-                  </a:lnTo>
-                  <a:lnTo>
-                    <a:pt x="88301" y="194868"/>
-                  </a:lnTo>
-                  <a:lnTo>
-                    <a:pt x="86448" y="187502"/>
-                  </a:lnTo>
-                  <a:lnTo>
-                    <a:pt x="84747" y="184124"/>
-                  </a:lnTo>
-                  <a:lnTo>
-                    <a:pt x="79489" y="178892"/>
-                  </a:lnTo>
-                  <a:lnTo>
-                    <a:pt x="68606" y="164115"/>
-                  </a:lnTo>
-                  <a:lnTo>
-                    <a:pt x="59828" y="145553"/>
-                  </a:lnTo>
-                  <a:lnTo>
-                    <a:pt x="54552" y="123854"/>
-                  </a:lnTo>
-                  <a:lnTo>
-                    <a:pt x="54186" y="100177"/>
-                  </a:lnTo>
-                  <a:lnTo>
-                    <a:pt x="54266" y="99326"/>
-                  </a:lnTo>
-                  <a:lnTo>
-                    <a:pt x="60178" y="76444"/>
-                  </a:lnTo>
-                  <a:lnTo>
-                    <a:pt x="72864" y="58286"/>
-                  </a:lnTo>
-                  <a:lnTo>
-                    <a:pt x="91920" y="46462"/>
-                  </a:lnTo>
-                  <a:lnTo>
-                    <a:pt x="117030" y="42240"/>
-                  </a:lnTo>
-                  <a:lnTo>
-                    <a:pt x="142061" y="46432"/>
-                  </a:lnTo>
-                  <a:lnTo>
-                    <a:pt x="161269" y="58177"/>
-                  </a:lnTo>
-                  <a:lnTo>
-                    <a:pt x="174493" y="76224"/>
-                  </a:lnTo>
-                  <a:lnTo>
-                    <a:pt x="181571" y="99326"/>
-                  </a:lnTo>
-                  <a:lnTo>
-                    <a:pt x="181571" y="99834"/>
-                  </a:lnTo>
-                  <a:lnTo>
-                    <a:pt x="181737" y="100177"/>
-                  </a:lnTo>
-                  <a:lnTo>
-                    <a:pt x="176936" y="140482"/>
-                  </a:lnTo>
-                  <a:lnTo>
-                    <a:pt x="156603" y="178727"/>
-                  </a:lnTo>
-                  <a:lnTo>
-                    <a:pt x="156260" y="179057"/>
-                  </a:lnTo>
-                  <a:lnTo>
-                    <a:pt x="155917" y="179730"/>
-                  </a:lnTo>
-                  <a:lnTo>
-                    <a:pt x="154216" y="182435"/>
-                  </a:lnTo>
-                  <a:lnTo>
-                    <a:pt x="151498" y="184124"/>
-                  </a:lnTo>
-                  <a:lnTo>
-                    <a:pt x="149809" y="186829"/>
-                  </a:lnTo>
-                  <a:lnTo>
-                    <a:pt x="149466" y="187337"/>
-                  </a:lnTo>
-                  <a:lnTo>
-                    <a:pt x="149301" y="187845"/>
-                  </a:lnTo>
-                  <a:lnTo>
-                    <a:pt x="149123" y="188518"/>
-                  </a:lnTo>
-                  <a:lnTo>
-                    <a:pt x="148013" y="196391"/>
-                  </a:lnTo>
-                  <a:lnTo>
-                    <a:pt x="148637" y="204357"/>
-                  </a:lnTo>
-                  <a:lnTo>
-                    <a:pt x="150437" y="211373"/>
-                  </a:lnTo>
-                  <a:lnTo>
-                    <a:pt x="152944" y="216560"/>
-                  </a:lnTo>
-                  <a:lnTo>
-                    <a:pt x="154559" y="219595"/>
-                  </a:lnTo>
-                  <a:lnTo>
-                    <a:pt x="161010" y="219773"/>
-                  </a:lnTo>
-                  <a:lnTo>
-                    <a:pt x="166116" y="221284"/>
-                  </a:lnTo>
-                  <a:lnTo>
-                    <a:pt x="166446" y="221462"/>
-                  </a:lnTo>
-                  <a:lnTo>
-                    <a:pt x="166624" y="221462"/>
-                  </a:lnTo>
-                  <a:lnTo>
-                    <a:pt x="166954" y="221627"/>
-                  </a:lnTo>
-                  <a:lnTo>
-                    <a:pt x="210141" y="243984"/>
-                  </a:lnTo>
-                  <a:lnTo>
-                    <a:pt x="222669" y="253720"/>
-                  </a:lnTo>
-                  <a:lnTo>
-                    <a:pt x="222846" y="253720"/>
-                  </a:lnTo>
-                  <a:lnTo>
-                    <a:pt x="236093" y="276021"/>
-                  </a:lnTo>
-                  <a:lnTo>
-                    <a:pt x="236093" y="291896"/>
-                  </a:lnTo>
-                  <a:lnTo>
-                    <a:pt x="201333" y="317054"/>
-                  </a:lnTo>
-                  <a:lnTo>
-                    <a:pt x="154694" y="324754"/>
-                  </a:lnTo>
-                  <a:lnTo>
-                    <a:pt x="121226" y="326021"/>
+                    <a:pt x="0" y="91439"/>
+                  </a:lnTo>
+                  <a:lnTo>
+                    <a:pt x="0" y="0"/>
+                  </a:lnTo>
+                  <a:lnTo>
+                    <a:pt x="2167128" y="0"/>
+                  </a:lnTo>
+                  <a:lnTo>
+                    <a:pt x="2167128" y="91439"/>
                   </a:lnTo>
                   <a:close/>
                 </a:path>
               </a:pathLst>
             </a:custGeom>
             <a:solidFill>
-              <a:srgbClr val="FFFFFF"/>
+              <a:srgbClr val="DF535D"/>
             </a:solidFill>
           </p:spPr>
           <p:txBody>
@@ -11445,38 +7910,16 @@
             <a:p/>
           </p:txBody>
         </p:sp>
-        <p:pic>
-          <p:nvPicPr>
-            <p:cNvPr id="67" name="object 23"/>
-            <p:cNvPicPr/>
-            <p:nvPr/>
-          </p:nvPicPr>
-          <p:blipFill>
-            <a:blip r:embed="rId4" cstate="print"/>
-            <a:stretch>
-              <a:fillRect/>
-            </a:stretch>
-          </p:blipFill>
-          <p:spPr>
-            <a:xfrm>
-              <a:off x="9962388" y="2968752"/>
-              <a:ext cx="624840" cy="624839"/>
-            </a:xfrm>
-            <a:prstGeom prst="rect">
-              <a:avLst/>
-            </a:prstGeom>
-          </p:spPr>
-        </p:pic>
         <p:sp>
           <p:nvSpPr>
-            <p:cNvPr id="68" name="object 24"/>
+            <p:cNvPr id="5" name="object 5"/>
             <p:cNvSpPr/>
             <p:nvPr/>
           </p:nvSpPr>
           <p:spPr>
             <a:xfrm>
-              <a:off x="10081260" y="3086100"/>
-              <a:ext cx="386080" cy="387350"/>
+              <a:off x="836930" y="1123314"/>
+              <a:ext cx="2179955" cy="104139"/>
             </a:xfrm>
             <a:custGeom>
               <a:avLst/>
@@ -11485,184 +7928,178 @@
               <a:cxnLst/>
               <a:rect l="l" t="t" r="r" b="b"/>
               <a:pathLst>
-                <a:path w="386079" h="387350">
+                <a:path w="2179955" h="104140">
                   <a:moveTo>
-                    <a:pt x="289560" y="214884"/>
+                    <a:pt x="2179955" y="104140"/>
                   </a:moveTo>
                   <a:lnTo>
-                    <a:pt x="289560" y="173736"/>
-                  </a:lnTo>
-                  <a:lnTo>
-                    <a:pt x="385572" y="193548"/>
-                  </a:lnTo>
-                  <a:lnTo>
-                    <a:pt x="289560" y="214884"/>
+                    <a:pt x="0" y="104140"/>
+                  </a:lnTo>
+                  <a:lnTo>
+                    <a:pt x="0" y="0"/>
+                  </a:lnTo>
+                  <a:lnTo>
+                    <a:pt x="2179955" y="0"/>
+                  </a:lnTo>
+                  <a:lnTo>
+                    <a:pt x="2179955" y="6350"/>
+                  </a:lnTo>
+                  <a:lnTo>
+                    <a:pt x="12700" y="6350"/>
+                  </a:lnTo>
+                  <a:lnTo>
+                    <a:pt x="6350" y="12700"/>
+                  </a:lnTo>
+                  <a:lnTo>
+                    <a:pt x="12700" y="12700"/>
+                  </a:lnTo>
+                  <a:lnTo>
+                    <a:pt x="12700" y="91440"/>
+                  </a:lnTo>
+                  <a:lnTo>
+                    <a:pt x="6350" y="91440"/>
+                  </a:lnTo>
+                  <a:lnTo>
+                    <a:pt x="12700" y="97790"/>
+                  </a:lnTo>
+                  <a:lnTo>
+                    <a:pt x="2179955" y="97790"/>
+                  </a:lnTo>
+                  <a:lnTo>
+                    <a:pt x="2179955" y="104140"/>
                   </a:lnTo>
                   <a:close/>
                 </a:path>
-                <a:path w="386079" h="387350">
+                <a:path w="2179955" h="104140">
                   <a:moveTo>
-                    <a:pt x="213360" y="96012"/>
+                    <a:pt x="12700" y="12700"/>
                   </a:moveTo>
                   <a:lnTo>
-                    <a:pt x="172212" y="96012"/>
-                  </a:lnTo>
-                  <a:lnTo>
-                    <a:pt x="192024" y="0"/>
-                  </a:lnTo>
-                  <a:lnTo>
-                    <a:pt x="213360" y="96012"/>
+                    <a:pt x="6350" y="12700"/>
+                  </a:lnTo>
+                  <a:lnTo>
+                    <a:pt x="12700" y="6350"/>
+                  </a:lnTo>
+                  <a:lnTo>
+                    <a:pt x="12700" y="12700"/>
                   </a:lnTo>
                   <a:close/>
                 </a:path>
-                <a:path w="386079" h="387350">
+                <a:path w="2179955" h="104140">
                   <a:moveTo>
-                    <a:pt x="109728" y="140207"/>
+                    <a:pt x="2167255" y="12700"/>
                   </a:moveTo>
                   <a:lnTo>
-                    <a:pt x="56388" y="57912"/>
-                  </a:lnTo>
-                  <a:lnTo>
-                    <a:pt x="138684" y="111251"/>
-                  </a:lnTo>
-                  <a:lnTo>
-                    <a:pt x="109728" y="140207"/>
+                    <a:pt x="12700" y="12700"/>
+                  </a:lnTo>
+                  <a:lnTo>
+                    <a:pt x="12700" y="6350"/>
+                  </a:lnTo>
+                  <a:lnTo>
+                    <a:pt x="2167255" y="6350"/>
+                  </a:lnTo>
+                  <a:lnTo>
+                    <a:pt x="2167255" y="12700"/>
                   </a:lnTo>
                   <a:close/>
                 </a:path>
-                <a:path w="386079" h="387350">
+                <a:path w="2179955" h="104140">
                   <a:moveTo>
-                    <a:pt x="275844" y="140207"/>
+                    <a:pt x="2167255" y="97790"/>
                   </a:moveTo>
                   <a:lnTo>
-                    <a:pt x="246888" y="111251"/>
-                  </a:lnTo>
-                  <a:lnTo>
-                    <a:pt x="329184" y="57912"/>
-                  </a:lnTo>
-                  <a:lnTo>
-                    <a:pt x="275844" y="140207"/>
+                    <a:pt x="2167255" y="6350"/>
+                  </a:lnTo>
+                  <a:lnTo>
+                    <a:pt x="2173605" y="12700"/>
+                  </a:lnTo>
+                  <a:lnTo>
+                    <a:pt x="2179955" y="12700"/>
+                  </a:lnTo>
+                  <a:lnTo>
+                    <a:pt x="2179955" y="91440"/>
+                  </a:lnTo>
+                  <a:lnTo>
+                    <a:pt x="2173605" y="91440"/>
+                  </a:lnTo>
+                  <a:lnTo>
+                    <a:pt x="2167255" y="97790"/>
                   </a:lnTo>
                   <a:close/>
                 </a:path>
-                <a:path w="386079" h="387350">
+                <a:path w="2179955" h="104140">
                   <a:moveTo>
-                    <a:pt x="192722" y="264896"/>
+                    <a:pt x="2179955" y="12700"/>
                   </a:moveTo>
                   <a:lnTo>
-                    <a:pt x="165127" y="259316"/>
-                  </a:lnTo>
-                  <a:lnTo>
-                    <a:pt x="142600" y="244071"/>
-                  </a:lnTo>
-                  <a:lnTo>
-                    <a:pt x="127433" y="221401"/>
-                  </a:lnTo>
-                  <a:lnTo>
-                    <a:pt x="121920" y="193548"/>
-                  </a:lnTo>
-                  <a:lnTo>
-                    <a:pt x="127433" y="166208"/>
-                  </a:lnTo>
-                  <a:lnTo>
-                    <a:pt x="142600" y="143802"/>
-                  </a:lnTo>
-                  <a:lnTo>
-                    <a:pt x="165127" y="128654"/>
-                  </a:lnTo>
-                  <a:lnTo>
-                    <a:pt x="192722" y="123088"/>
-                  </a:lnTo>
-                  <a:lnTo>
-                    <a:pt x="220319" y="128661"/>
-                  </a:lnTo>
-                  <a:lnTo>
-                    <a:pt x="242857" y="143857"/>
-                  </a:lnTo>
-                  <a:lnTo>
-                    <a:pt x="258053" y="166395"/>
-                  </a:lnTo>
-                  <a:lnTo>
-                    <a:pt x="263626" y="193992"/>
-                  </a:lnTo>
-                  <a:lnTo>
-                    <a:pt x="258053" y="221589"/>
-                  </a:lnTo>
-                  <a:lnTo>
-                    <a:pt x="242857" y="244127"/>
-                  </a:lnTo>
-                  <a:lnTo>
-                    <a:pt x="220319" y="259323"/>
-                  </a:lnTo>
-                  <a:lnTo>
-                    <a:pt x="192722" y="264896"/>
+                    <a:pt x="2173605" y="12700"/>
+                  </a:lnTo>
+                  <a:lnTo>
+                    <a:pt x="2167255" y="6350"/>
+                  </a:lnTo>
+                  <a:lnTo>
+                    <a:pt x="2179955" y="6350"/>
+                  </a:lnTo>
+                  <a:lnTo>
+                    <a:pt x="2179955" y="12700"/>
                   </a:lnTo>
                   <a:close/>
                 </a:path>
-                <a:path w="386079" h="387350">
+                <a:path w="2179955" h="104140">
                   <a:moveTo>
-                    <a:pt x="96012" y="214884"/>
+                    <a:pt x="12700" y="97790"/>
                   </a:moveTo>
                   <a:lnTo>
-                    <a:pt x="0" y="193548"/>
-                  </a:lnTo>
-                  <a:lnTo>
-                    <a:pt x="96012" y="173736"/>
-                  </a:lnTo>
-                  <a:lnTo>
-                    <a:pt x="96012" y="214884"/>
+                    <a:pt x="6350" y="91440"/>
+                  </a:lnTo>
+                  <a:lnTo>
+                    <a:pt x="12700" y="91440"/>
+                  </a:lnTo>
+                  <a:lnTo>
+                    <a:pt x="12700" y="97790"/>
                   </a:lnTo>
                   <a:close/>
                 </a:path>
-                <a:path w="386079" h="387350">
+                <a:path w="2179955" h="104140">
                   <a:moveTo>
-                    <a:pt x="56388" y="330708"/>
+                    <a:pt x="2167255" y="97790"/>
                   </a:moveTo>
                   <a:lnTo>
-                    <a:pt x="109728" y="248412"/>
-                  </a:lnTo>
-                  <a:lnTo>
-                    <a:pt x="138684" y="277367"/>
-                  </a:lnTo>
-                  <a:lnTo>
-                    <a:pt x="56388" y="330708"/>
+                    <a:pt x="12700" y="97790"/>
+                  </a:lnTo>
+                  <a:lnTo>
+                    <a:pt x="12700" y="91440"/>
+                  </a:lnTo>
+                  <a:lnTo>
+                    <a:pt x="2167255" y="91440"/>
+                  </a:lnTo>
+                  <a:lnTo>
+                    <a:pt x="2167255" y="97790"/>
                   </a:lnTo>
                   <a:close/>
                 </a:path>
-                <a:path w="386079" h="387350">
+                <a:path w="2179955" h="104140">
                   <a:moveTo>
-                    <a:pt x="329184" y="330708"/>
+                    <a:pt x="2179955" y="97790"/>
                   </a:moveTo>
                   <a:lnTo>
-                    <a:pt x="246888" y="277367"/>
-                  </a:lnTo>
-                  <a:lnTo>
-                    <a:pt x="275844" y="248412"/>
-                  </a:lnTo>
-                  <a:lnTo>
-                    <a:pt x="329184" y="330708"/>
-                  </a:lnTo>
-                  <a:close/>
-                </a:path>
-                <a:path w="386079" h="387350">
-                  <a:moveTo>
-                    <a:pt x="192024" y="387096"/>
-                  </a:moveTo>
-                  <a:lnTo>
-                    <a:pt x="172212" y="291084"/>
-                  </a:lnTo>
-                  <a:lnTo>
-                    <a:pt x="213360" y="291084"/>
-                  </a:lnTo>
-                  <a:lnTo>
-                    <a:pt x="192024" y="387096"/>
+                    <a:pt x="2167255" y="97790"/>
+                  </a:lnTo>
+                  <a:lnTo>
+                    <a:pt x="2173605" y="91440"/>
+                  </a:lnTo>
+                  <a:lnTo>
+                    <a:pt x="2179955" y="91440"/>
+                  </a:lnTo>
+                  <a:lnTo>
+                    <a:pt x="2179955" y="97790"/>
                   </a:lnTo>
                   <a:close/>
                 </a:path>
               </a:pathLst>
             </a:custGeom>
             <a:solidFill>
-              <a:srgbClr val="FFFFFF"/>
+              <a:srgbClr val="DE545C"/>
             </a:solidFill>
           </p:spPr>
           <p:txBody>
@@ -11670,794 +8107,763 @@
             <a:p/>
           </p:txBody>
         </p:sp>
-        <p:pic>
-          <p:nvPicPr>
-            <p:cNvPr id="69" name="object 25"/>
-            <p:cNvPicPr/>
-            <p:nvPr/>
-          </p:nvPicPr>
-          <p:blipFill>
-            <a:blip r:embed="rId6" cstate="print"/>
-            <a:stretch>
-              <a:fillRect/>
-            </a:stretch>
-          </p:blipFill>
-          <p:spPr>
-            <a:xfrm>
-              <a:off x="1222248" y="1684020"/>
-              <a:ext cx="2237231" cy="1043939"/>
-            </a:xfrm>
-            <a:prstGeom prst="rect">
-              <a:avLst/>
-            </a:prstGeom>
-          </p:spPr>
-        </p:pic>
-        <p:pic>
-          <p:nvPicPr>
-            <p:cNvPr id="70" name="object 26"/>
-            <p:cNvPicPr/>
-            <p:nvPr/>
-          </p:nvPicPr>
-          <p:blipFill>
-            <a:blip r:embed="rId3" cstate="print"/>
-            <a:stretch>
-              <a:fillRect/>
-            </a:stretch>
-          </p:blipFill>
-          <p:spPr>
-            <a:xfrm>
-              <a:off x="859142" y="2381580"/>
-              <a:ext cx="3078403" cy="3616705"/>
-            </a:xfrm>
-            <a:prstGeom prst="rect">
-              <a:avLst/>
-            </a:prstGeom>
-          </p:spPr>
-        </p:pic>
       </p:grpSp>
-      <p:grpSp>
-        <p:nvGrpSpPr>
-          <p:cNvPr id="71" name="组合 70"/>
-          <p:cNvGrpSpPr/>
+      <p:pic>
+        <p:nvPicPr>
+          <p:cNvPr id="2" name="图片 1" descr="05_04"/>
+          <p:cNvPicPr>
+            <a:picLocks noChangeAspect="1"/>
+          </p:cNvPicPr>
           <p:nvPr/>
-        </p:nvGrpSpPr>
-        <p:grpSpPr>
+        </p:nvPicPr>
+        <p:blipFill>
+          <a:blip r:embed="rId1"/>
+          <a:stretch>
+            <a:fillRect/>
+          </a:stretch>
+        </p:blipFill>
+        <p:spPr>
           <a:xfrm>
-            <a:off x="1689735" y="1899920"/>
-            <a:ext cx="9365615" cy="2884170"/>
-            <a:chOff x="2661" y="2992"/>
-            <a:chExt cx="14749" cy="4542"/>
+            <a:off x="1419225" y="1544955"/>
+            <a:ext cx="2183130" cy="1019810"/>
           </a:xfrm>
-        </p:grpSpPr>
-        <p:sp>
-          <p:nvSpPr>
-            <p:cNvPr id="72" name="object 9"/>
-            <p:cNvSpPr txBox="1"/>
-            <p:nvPr/>
-          </p:nvSpPr>
-          <p:spPr>
-            <a:xfrm>
-              <a:off x="6525" y="2997"/>
-              <a:ext cx="2476" cy="876"/>
-            </a:xfrm>
-            <a:prstGeom prst="rect">
-              <a:avLst/>
-            </a:prstGeom>
-          </p:spPr>
-          <p:txBody>
-            <a:bodyPr vert="horz" wrap="square" lIns="0" tIns="16510" rIns="0" bIns="0" rtlCol="0">
-              <a:spAutoFit/>
-            </a:bodyPr>
-            <a:p>
-              <a:pPr marL="12700">
-                <a:lnSpc>
-                  <a:spcPct val="100000"/>
-                </a:lnSpc>
-                <a:spcBef>
-                  <a:spcPts val="130"/>
-                </a:spcBef>
-              </a:pPr>
-              <a:r>
-                <a:rPr sz="3450" spc="15" dirty="0">
-                  <a:solidFill>
-                    <a:srgbClr val="FFFFFF"/>
-                  </a:solidFill>
-                  <a:latin typeface="宋体"/>
-                  <a:cs typeface="宋体"/>
-                </a:rPr>
-                <a:t>1678</a:t>
-              </a:r>
-              <a:r>
-                <a:rPr sz="3450" spc="-80" dirty="0">
-                  <a:solidFill>
-                    <a:srgbClr val="FFFFFF"/>
-                  </a:solidFill>
-                  <a:latin typeface="宋体"/>
-                  <a:cs typeface="宋体"/>
-                </a:rPr>
-                <a:t> </a:t>
-              </a:r>
-              <a:r>
-                <a:rPr sz="3450" spc="15" dirty="0">
-                  <a:solidFill>
-                    <a:srgbClr val="FFFFFF"/>
-                  </a:solidFill>
-                  <a:latin typeface="宋体"/>
-                  <a:cs typeface="宋体"/>
-                </a:rPr>
-                <a:t>UV</a:t>
-              </a:r>
-              <a:endParaRPr sz="3450">
-                <a:latin typeface="宋体"/>
-                <a:cs typeface="宋体"/>
-              </a:endParaRPr>
-            </a:p>
-          </p:txBody>
-        </p:sp>
-        <p:sp>
-          <p:nvSpPr>
-            <p:cNvPr id="73" name="object 15"/>
-            <p:cNvSpPr txBox="1"/>
-            <p:nvPr/>
-          </p:nvSpPr>
-          <p:spPr>
-            <a:xfrm>
-              <a:off x="11270" y="3023"/>
-              <a:ext cx="1780" cy="876"/>
-            </a:xfrm>
-            <a:prstGeom prst="rect">
-              <a:avLst/>
-            </a:prstGeom>
-          </p:spPr>
-          <p:txBody>
-            <a:bodyPr vert="horz" wrap="square" lIns="0" tIns="16510" rIns="0" bIns="0" rtlCol="0">
-              <a:spAutoFit/>
-            </a:bodyPr>
-            <a:p>
-              <a:pPr marL="12700">
-                <a:lnSpc>
-                  <a:spcPct val="100000"/>
-                </a:lnSpc>
-                <a:spcBef>
-                  <a:spcPts val="130"/>
-                </a:spcBef>
-              </a:pPr>
-              <a:r>
-                <a:rPr sz="3450" spc="15" dirty="0">
-                  <a:solidFill>
-                    <a:srgbClr val="FFFFFF"/>
-                  </a:solidFill>
-                  <a:latin typeface="宋体"/>
-                  <a:cs typeface="宋体"/>
-                </a:rPr>
-                <a:t>136人</a:t>
-              </a:r>
-              <a:endParaRPr sz="3450">
-                <a:latin typeface="宋体"/>
-                <a:cs typeface="宋体"/>
-              </a:endParaRPr>
-            </a:p>
-          </p:txBody>
-        </p:sp>
-        <p:sp>
-          <p:nvSpPr>
-            <p:cNvPr id="74" name="object 19"/>
-            <p:cNvSpPr txBox="1"/>
-            <p:nvPr/>
-          </p:nvSpPr>
-          <p:spPr>
-            <a:xfrm>
-              <a:off x="15654" y="3020"/>
-              <a:ext cx="1432" cy="876"/>
-            </a:xfrm>
-            <a:prstGeom prst="rect">
-              <a:avLst/>
-            </a:prstGeom>
-          </p:spPr>
-          <p:txBody>
-            <a:bodyPr vert="horz" wrap="square" lIns="0" tIns="16510" rIns="0" bIns="0" rtlCol="0">
-              <a:spAutoFit/>
-            </a:bodyPr>
-            <a:p>
-              <a:pPr marL="12700">
-                <a:lnSpc>
-                  <a:spcPct val="100000"/>
-                </a:lnSpc>
-                <a:spcBef>
-                  <a:spcPts val="130"/>
-                </a:spcBef>
-              </a:pPr>
-              <a:r>
-                <a:rPr sz="3450" spc="20" dirty="0">
-                  <a:solidFill>
-                    <a:srgbClr val="FFFFFF"/>
-                  </a:solidFill>
-                  <a:latin typeface="宋体"/>
-                  <a:cs typeface="宋体"/>
-                </a:rPr>
-                <a:t>62人</a:t>
-              </a:r>
-              <a:endParaRPr sz="3450">
-                <a:latin typeface="宋体"/>
-                <a:cs typeface="宋体"/>
-              </a:endParaRPr>
-            </a:p>
-          </p:txBody>
-        </p:sp>
-        <p:sp>
-          <p:nvSpPr>
-            <p:cNvPr id="75" name="object 27"/>
-            <p:cNvSpPr txBox="1"/>
-            <p:nvPr/>
-          </p:nvSpPr>
-          <p:spPr>
-            <a:xfrm>
-              <a:off x="2873" y="5992"/>
-              <a:ext cx="1680" cy="532"/>
-            </a:xfrm>
-            <a:prstGeom prst="rect">
-              <a:avLst/>
-            </a:prstGeom>
-          </p:spPr>
-          <p:txBody>
-            <a:bodyPr vert="horz" wrap="square" lIns="0" tIns="12700" rIns="0" bIns="0" rtlCol="0">
-              <a:spAutoFit/>
-            </a:bodyPr>
-            <a:p>
-              <a:pPr marL="12700">
-                <a:lnSpc>
-                  <a:spcPct val="100000"/>
-                </a:lnSpc>
-                <a:spcBef>
-                  <a:spcPts val="100"/>
-                </a:spcBef>
-              </a:pPr>
-              <a:r>
-                <a:rPr sz="2050" dirty="0">
-                  <a:latin typeface="宋体"/>
-                  <a:cs typeface="宋体"/>
-                </a:rPr>
-                <a:t>推广时长</a:t>
-              </a:r>
-              <a:endParaRPr sz="2050">
-                <a:latin typeface="宋体"/>
-                <a:cs typeface="宋体"/>
-              </a:endParaRPr>
-            </a:p>
-          </p:txBody>
-        </p:sp>
-        <p:sp>
-          <p:nvSpPr>
-            <p:cNvPr id="76" name="object 28"/>
-            <p:cNvSpPr txBox="1"/>
-            <p:nvPr/>
-          </p:nvSpPr>
-          <p:spPr>
-            <a:xfrm>
-              <a:off x="2661" y="7071"/>
-              <a:ext cx="2026" cy="423"/>
-            </a:xfrm>
-            <a:prstGeom prst="rect">
-              <a:avLst/>
-            </a:prstGeom>
-          </p:spPr>
-          <p:txBody>
-            <a:bodyPr vert="horz" wrap="square" lIns="0" tIns="12065" rIns="0" bIns="0" rtlCol="0">
-              <a:spAutoFit/>
-            </a:bodyPr>
-            <a:p>
-              <a:pPr marL="12700">
-                <a:lnSpc>
-                  <a:spcPct val="100000"/>
-                </a:lnSpc>
-                <a:spcBef>
-                  <a:spcPts val="95"/>
-                </a:spcBef>
-              </a:pPr>
-              <a:r>
-                <a:rPr sz="1600" spc="-5" dirty="0">
-                  <a:latin typeface="微软雅黑"/>
-                  <a:cs typeface="微软雅黑"/>
-                </a:rPr>
-                <a:t>10.22 -</a:t>
-              </a:r>
-              <a:r>
-                <a:rPr sz="1600" spc="-55" dirty="0">
-                  <a:latin typeface="微软雅黑"/>
-                  <a:cs typeface="微软雅黑"/>
-                </a:rPr>
-                <a:t> </a:t>
-              </a:r>
-              <a:r>
-                <a:rPr sz="1600" spc="-5" dirty="0">
-                  <a:latin typeface="微软雅黑"/>
-                  <a:cs typeface="微软雅黑"/>
-                </a:rPr>
-                <a:t>10.28</a:t>
-              </a:r>
-              <a:endParaRPr sz="1600">
-                <a:latin typeface="微软雅黑"/>
-                <a:cs typeface="微软雅黑"/>
-              </a:endParaRPr>
-            </a:p>
-          </p:txBody>
-        </p:sp>
-        <p:grpSp>
-          <p:nvGrpSpPr>
-            <p:cNvPr id="77" name="object 29"/>
-            <p:cNvGrpSpPr/>
-            <p:nvPr/>
-          </p:nvGrpSpPr>
-          <p:grpSpPr>
-            <a:xfrm>
-              <a:off x="3194" y="4651"/>
-              <a:ext cx="4928" cy="2086"/>
-              <a:chOff x="2028444" y="2953511"/>
-              <a:chExt cx="3129280" cy="1324610"/>
-            </a:xfrm>
-          </p:grpSpPr>
-          <p:pic>
-            <p:nvPicPr>
-              <p:cNvPr id="78" name="object 30"/>
-              <p:cNvPicPr/>
-              <p:nvPr/>
-            </p:nvPicPr>
-            <p:blipFill>
-              <a:blip r:embed="rId7" cstate="print"/>
-              <a:stretch>
-                <a:fillRect/>
-              </a:stretch>
-            </p:blipFill>
-            <p:spPr>
-              <a:xfrm>
-                <a:off x="2164080" y="4229100"/>
-                <a:ext cx="353568" cy="48768"/>
-              </a:xfrm>
-              <a:prstGeom prst="rect">
-                <a:avLst/>
-              </a:prstGeom>
-            </p:spPr>
-          </p:pic>
-          <p:pic>
-            <p:nvPicPr>
-              <p:cNvPr id="79" name="object 31"/>
-              <p:cNvPicPr/>
-              <p:nvPr/>
-            </p:nvPicPr>
-            <p:blipFill>
-              <a:blip r:embed="rId4" cstate="print"/>
-              <a:stretch>
-                <a:fillRect/>
-              </a:stretch>
-            </p:blipFill>
-            <p:spPr>
-              <a:xfrm>
-                <a:off x="2028444" y="2953511"/>
-                <a:ext cx="624840" cy="624839"/>
-              </a:xfrm>
-              <a:prstGeom prst="rect">
-                <a:avLst/>
-              </a:prstGeom>
-            </p:spPr>
-          </p:pic>
-          <p:pic>
-            <p:nvPicPr>
-              <p:cNvPr id="80" name="object 32"/>
-              <p:cNvPicPr/>
-              <p:nvPr/>
-            </p:nvPicPr>
-            <p:blipFill>
-              <a:blip r:embed="rId8" cstate="print"/>
-              <a:stretch>
-                <a:fillRect/>
-              </a:stretch>
-            </p:blipFill>
-            <p:spPr>
-              <a:xfrm>
-                <a:off x="2093976" y="3025139"/>
-                <a:ext cx="478536" cy="478536"/>
-              </a:xfrm>
-              <a:prstGeom prst="rect">
-                <a:avLst/>
-              </a:prstGeom>
-            </p:spPr>
-          </p:pic>
-          <p:pic>
-            <p:nvPicPr>
-              <p:cNvPr id="81" name="object 33"/>
-              <p:cNvPicPr/>
-              <p:nvPr/>
-            </p:nvPicPr>
-            <p:blipFill>
-              <a:blip r:embed="rId7" cstate="print"/>
-              <a:stretch>
-                <a:fillRect/>
-              </a:stretch>
-            </p:blipFill>
-            <p:spPr>
-              <a:xfrm>
-                <a:off x="4803648" y="4229100"/>
-                <a:ext cx="353567" cy="48768"/>
-              </a:xfrm>
-              <a:prstGeom prst="rect">
-                <a:avLst/>
-              </a:prstGeom>
-            </p:spPr>
-          </p:pic>
-        </p:grpSp>
-        <p:sp>
-          <p:nvSpPr>
-            <p:cNvPr id="82" name="object 34"/>
-            <p:cNvSpPr txBox="1"/>
-            <p:nvPr/>
-          </p:nvSpPr>
-          <p:spPr>
-            <a:xfrm>
-              <a:off x="3174" y="2992"/>
-              <a:ext cx="1084" cy="876"/>
-            </a:xfrm>
-            <a:prstGeom prst="rect">
-              <a:avLst/>
-            </a:prstGeom>
-          </p:spPr>
-          <p:txBody>
-            <a:bodyPr vert="horz" wrap="square" lIns="0" tIns="16510" rIns="0" bIns="0" rtlCol="0">
-              <a:spAutoFit/>
-            </a:bodyPr>
-            <a:p>
-              <a:pPr marL="12700">
-                <a:lnSpc>
-                  <a:spcPct val="100000"/>
-                </a:lnSpc>
-                <a:spcBef>
-                  <a:spcPts val="130"/>
-                </a:spcBef>
-              </a:pPr>
-              <a:r>
-                <a:rPr sz="3450" spc="20" dirty="0">
-                  <a:solidFill>
-                    <a:srgbClr val="FFFFFF"/>
-                  </a:solidFill>
-                  <a:latin typeface="宋体"/>
-                  <a:cs typeface="宋体"/>
-                </a:rPr>
-                <a:t>6天</a:t>
-              </a:r>
-              <a:endParaRPr sz="3450">
-                <a:latin typeface="宋体"/>
-                <a:cs typeface="宋体"/>
-              </a:endParaRPr>
-            </a:p>
-          </p:txBody>
-        </p:sp>
-        <p:sp>
-          <p:nvSpPr>
-            <p:cNvPr id="83" name="object 35"/>
-            <p:cNvSpPr txBox="1"/>
-            <p:nvPr/>
-          </p:nvSpPr>
-          <p:spPr>
-            <a:xfrm>
-              <a:off x="7031" y="5992"/>
-              <a:ext cx="1680" cy="532"/>
-            </a:xfrm>
-            <a:prstGeom prst="rect">
-              <a:avLst/>
-            </a:prstGeom>
-          </p:spPr>
-          <p:txBody>
-            <a:bodyPr vert="horz" wrap="square" lIns="0" tIns="12700" rIns="0" bIns="0" rtlCol="0">
-              <a:spAutoFit/>
-            </a:bodyPr>
-            <a:p>
-              <a:pPr marL="12700">
-                <a:lnSpc>
-                  <a:spcPct val="100000"/>
-                </a:lnSpc>
-                <a:spcBef>
-                  <a:spcPts val="100"/>
-                </a:spcBef>
-              </a:pPr>
-              <a:r>
-                <a:rPr sz="2050" dirty="0">
-                  <a:latin typeface="宋体"/>
-                  <a:cs typeface="宋体"/>
-                </a:rPr>
-                <a:t>专题流量</a:t>
-              </a:r>
-              <a:endParaRPr sz="2050">
-                <a:latin typeface="宋体"/>
-                <a:cs typeface="宋体"/>
-              </a:endParaRPr>
-            </a:p>
-          </p:txBody>
-        </p:sp>
-        <p:sp>
-          <p:nvSpPr>
-            <p:cNvPr id="84" name="object 36"/>
-            <p:cNvSpPr txBox="1"/>
-            <p:nvPr/>
-          </p:nvSpPr>
-          <p:spPr>
-            <a:xfrm>
-              <a:off x="6659" y="7071"/>
-              <a:ext cx="2262" cy="423"/>
-            </a:xfrm>
-            <a:prstGeom prst="rect">
-              <a:avLst/>
-            </a:prstGeom>
-          </p:spPr>
-          <p:txBody>
-            <a:bodyPr vert="horz" wrap="square" lIns="0" tIns="12065" rIns="0" bIns="0" rtlCol="0">
-              <a:spAutoFit/>
-            </a:bodyPr>
-            <a:p>
-              <a:pPr marL="12700">
-                <a:lnSpc>
-                  <a:spcPct val="100000"/>
-                </a:lnSpc>
-                <a:spcBef>
-                  <a:spcPts val="95"/>
-                </a:spcBef>
-              </a:pPr>
-              <a:r>
-                <a:rPr sz="1600" dirty="0">
-                  <a:latin typeface="微软雅黑"/>
-                  <a:cs typeface="微软雅黑"/>
-                </a:rPr>
-                <a:t>浏览次</a:t>
-              </a:r>
-              <a:r>
-                <a:rPr sz="1600" spc="-5" dirty="0">
-                  <a:latin typeface="微软雅黑"/>
-                  <a:cs typeface="微软雅黑"/>
-                </a:rPr>
-                <a:t>数</a:t>
-              </a:r>
-              <a:r>
-                <a:rPr sz="1600" spc="395" dirty="0">
-                  <a:latin typeface="微软雅黑"/>
-                  <a:cs typeface="微软雅黑"/>
-                </a:rPr>
-                <a:t> </a:t>
-              </a:r>
-              <a:r>
-                <a:rPr sz="1600" spc="-5" dirty="0">
-                  <a:latin typeface="微软雅黑"/>
-                  <a:cs typeface="微软雅黑"/>
-                </a:rPr>
-                <a:t>2069</a:t>
-              </a:r>
-              <a:endParaRPr sz="1600">
-                <a:latin typeface="微软雅黑"/>
-                <a:cs typeface="微软雅黑"/>
-              </a:endParaRPr>
-            </a:p>
-          </p:txBody>
-        </p:sp>
-        <p:sp>
-          <p:nvSpPr>
-            <p:cNvPr id="85" name="object 37"/>
-            <p:cNvSpPr txBox="1"/>
-            <p:nvPr/>
-          </p:nvSpPr>
-          <p:spPr>
-            <a:xfrm>
-              <a:off x="10962" y="6032"/>
-              <a:ext cx="2022" cy="1503"/>
-            </a:xfrm>
-            <a:prstGeom prst="rect">
-              <a:avLst/>
-            </a:prstGeom>
-          </p:spPr>
-          <p:txBody>
-            <a:bodyPr vert="horz" wrap="square" lIns="0" tIns="12700" rIns="0" bIns="0" rtlCol="0">
-              <a:spAutoFit/>
-            </a:bodyPr>
-            <a:p>
-              <a:pPr marL="50800" algn="ctr">
-                <a:lnSpc>
-                  <a:spcPct val="100000"/>
-                </a:lnSpc>
-                <a:spcBef>
-                  <a:spcPts val="100"/>
-                </a:spcBef>
-              </a:pPr>
-              <a:r>
-                <a:rPr sz="2050" dirty="0">
-                  <a:latin typeface="宋体"/>
-                  <a:cs typeface="宋体"/>
-                </a:rPr>
-                <a:t>报名人数</a:t>
-              </a:r>
-              <a:endParaRPr sz="2050">
-                <a:latin typeface="宋体"/>
-                <a:cs typeface="宋体"/>
-              </a:endParaRPr>
-            </a:p>
-            <a:p>
-              <a:pPr>
-                <a:lnSpc>
-                  <a:spcPct val="100000"/>
-                </a:lnSpc>
-                <a:spcBef>
-                  <a:spcPts val="50"/>
-                </a:spcBef>
-              </a:pPr>
-              <a:endParaRPr sz="2250">
-                <a:latin typeface="宋体"/>
-                <a:cs typeface="宋体"/>
-              </a:endParaRPr>
-            </a:p>
-            <a:p>
-              <a:pPr algn="ctr">
-                <a:lnSpc>
-                  <a:spcPct val="100000"/>
-                </a:lnSpc>
-                <a:tabLst>
-                  <a:tab pos="789940" algn="l"/>
-                </a:tabLst>
-              </a:pPr>
-              <a:r>
-                <a:rPr sz="1600" dirty="0">
-                  <a:latin typeface="微软雅黑"/>
-                  <a:cs typeface="微软雅黑"/>
-                </a:rPr>
-                <a:t>转化</a:t>
-              </a:r>
-              <a:r>
-                <a:rPr sz="1600" spc="-5" dirty="0">
-                  <a:latin typeface="微软雅黑"/>
-                  <a:cs typeface="微软雅黑"/>
-                </a:rPr>
-                <a:t>率	8.1%</a:t>
-              </a:r>
-              <a:endParaRPr sz="1600">
-                <a:latin typeface="微软雅黑"/>
-                <a:cs typeface="微软雅黑"/>
-              </a:endParaRPr>
-            </a:p>
-          </p:txBody>
-        </p:sp>
-        <p:pic>
-          <p:nvPicPr>
-            <p:cNvPr id="86" name="object 38"/>
-            <p:cNvPicPr/>
-            <p:nvPr/>
-          </p:nvPicPr>
-          <p:blipFill>
-            <a:blip r:embed="rId7" cstate="print"/>
-            <a:stretch>
-              <a:fillRect/>
-            </a:stretch>
-          </p:blipFill>
-          <p:spPr>
-            <a:xfrm>
-              <a:off x="11707" y="6701"/>
-              <a:ext cx="557" cy="77"/>
-            </a:xfrm>
-            <a:prstGeom prst="rect">
-              <a:avLst/>
-            </a:prstGeom>
-          </p:spPr>
-        </p:pic>
-        <p:sp>
-          <p:nvSpPr>
-            <p:cNvPr id="87" name="object 39"/>
-            <p:cNvSpPr txBox="1"/>
-            <p:nvPr/>
-          </p:nvSpPr>
-          <p:spPr>
-            <a:xfrm>
-              <a:off x="14948" y="5992"/>
-              <a:ext cx="2462" cy="1503"/>
-            </a:xfrm>
-            <a:prstGeom prst="rect">
-              <a:avLst/>
-            </a:prstGeom>
-          </p:spPr>
-          <p:txBody>
-            <a:bodyPr vert="horz" wrap="square" lIns="0" tIns="12700" rIns="0" bIns="0" rtlCol="0">
-              <a:spAutoFit/>
-            </a:bodyPr>
-            <a:p>
-              <a:pPr marL="50165" algn="ctr">
-                <a:lnSpc>
-                  <a:spcPct val="100000"/>
-                </a:lnSpc>
-                <a:spcBef>
-                  <a:spcPts val="100"/>
-                </a:spcBef>
-              </a:pPr>
-              <a:r>
-                <a:rPr sz="2050" dirty="0">
-                  <a:latin typeface="宋体"/>
-                  <a:cs typeface="宋体"/>
-                </a:rPr>
-                <a:t>到场人数</a:t>
-              </a:r>
-              <a:endParaRPr sz="2050">
-                <a:latin typeface="宋体"/>
-                <a:cs typeface="宋体"/>
-              </a:endParaRPr>
-            </a:p>
-            <a:p>
-              <a:pPr>
-                <a:lnSpc>
-                  <a:spcPct val="100000"/>
-                </a:lnSpc>
-                <a:spcBef>
-                  <a:spcPts val="50"/>
-                </a:spcBef>
-              </a:pPr>
-              <a:endParaRPr sz="2250">
-                <a:latin typeface="宋体"/>
-                <a:cs typeface="宋体"/>
-              </a:endParaRPr>
-            </a:p>
-            <a:p>
-              <a:pPr algn="ctr">
-                <a:lnSpc>
-                  <a:spcPct val="100000"/>
-                </a:lnSpc>
-                <a:tabLst>
-                  <a:tab pos="789940" algn="l"/>
-                </a:tabLst>
-              </a:pPr>
-              <a:r>
-                <a:rPr sz="1600" dirty="0">
-                  <a:latin typeface="微软雅黑"/>
-                  <a:cs typeface="微软雅黑"/>
-                </a:rPr>
-                <a:t>到场</a:t>
-              </a:r>
-              <a:r>
-                <a:rPr sz="1600" spc="-5" dirty="0">
-                  <a:latin typeface="微软雅黑"/>
-                  <a:cs typeface="微软雅黑"/>
-                </a:rPr>
-                <a:t>率	</a:t>
-              </a:r>
-              <a:r>
-                <a:rPr sz="1600" b="1" spc="-5" dirty="0">
-                  <a:solidFill>
-                    <a:srgbClr val="FF0000"/>
-                  </a:solidFill>
-                  <a:latin typeface="微软雅黑"/>
-                  <a:cs typeface="微软雅黑"/>
-                </a:rPr>
-                <a:t>45.59%</a:t>
-              </a:r>
-              <a:endParaRPr sz="1600">
-                <a:latin typeface="微软雅黑"/>
-                <a:cs typeface="微软雅黑"/>
-              </a:endParaRPr>
-            </a:p>
-          </p:txBody>
-        </p:sp>
-        <p:pic>
-          <p:nvPicPr>
-            <p:cNvPr id="88" name="object 40"/>
-            <p:cNvPicPr/>
-            <p:nvPr/>
-          </p:nvPicPr>
-          <p:blipFill>
-            <a:blip r:embed="rId7" cstate="print"/>
-            <a:stretch>
-              <a:fillRect/>
-            </a:stretch>
-          </p:blipFill>
-          <p:spPr>
-            <a:xfrm>
-              <a:off x="15912" y="6660"/>
-              <a:ext cx="557" cy="77"/>
-            </a:xfrm>
-            <a:prstGeom prst="rect">
-              <a:avLst/>
-            </a:prstGeom>
-          </p:spPr>
-        </p:pic>
-      </p:grpSp>
+          <a:prstGeom prst="rect">
+            <a:avLst/>
+          </a:prstGeom>
+        </p:spPr>
+      </p:pic>
+      <p:pic>
+        <p:nvPicPr>
+          <p:cNvPr id="8" name="图片 7" descr="05_04"/>
+          <p:cNvPicPr>
+            <a:picLocks noChangeAspect="1"/>
+          </p:cNvPicPr>
+          <p:nvPr/>
+        </p:nvPicPr>
+        <p:blipFill>
+          <a:blip r:embed="rId1"/>
+          <a:stretch>
+            <a:fillRect/>
+          </a:stretch>
+        </p:blipFill>
+        <p:spPr>
+          <a:xfrm>
+            <a:off x="3875405" y="1544955"/>
+            <a:ext cx="2183130" cy="1019810"/>
+          </a:xfrm>
+          <a:prstGeom prst="rect">
+            <a:avLst/>
+          </a:prstGeom>
+        </p:spPr>
+      </p:pic>
+      <p:pic>
+        <p:nvPicPr>
+          <p:cNvPr id="9" name="图片 8" descr="05_04"/>
+          <p:cNvPicPr>
+            <a:picLocks noChangeAspect="1"/>
+          </p:cNvPicPr>
+          <p:nvPr/>
+        </p:nvPicPr>
+        <p:blipFill>
+          <a:blip r:embed="rId1"/>
+          <a:stretch>
+            <a:fillRect/>
+          </a:stretch>
+        </p:blipFill>
+        <p:spPr>
+          <a:xfrm>
+            <a:off x="6353175" y="1544955"/>
+            <a:ext cx="2183130" cy="1019810"/>
+          </a:xfrm>
+          <a:prstGeom prst="rect">
+            <a:avLst/>
+          </a:prstGeom>
+        </p:spPr>
+      </p:pic>
+      <p:pic>
+        <p:nvPicPr>
+          <p:cNvPr id="10" name="图片 9" descr="05_04"/>
+          <p:cNvPicPr>
+            <a:picLocks noChangeAspect="1"/>
+          </p:cNvPicPr>
+          <p:nvPr/>
+        </p:nvPicPr>
+        <p:blipFill>
+          <a:blip r:embed="rId1"/>
+          <a:stretch>
+            <a:fillRect/>
+          </a:stretch>
+        </p:blipFill>
+        <p:spPr>
+          <a:xfrm>
+            <a:off x="8809355" y="1544955"/>
+            <a:ext cx="2183130" cy="1019810"/>
+          </a:xfrm>
+          <a:prstGeom prst="rect">
+            <a:avLst/>
+          </a:prstGeom>
+        </p:spPr>
+      </p:pic>
+      <p:pic>
+        <p:nvPicPr>
+          <p:cNvPr id="11" name="图片 10" descr="05_01"/>
+          <p:cNvPicPr>
+            <a:picLocks noChangeAspect="1"/>
+          </p:cNvPicPr>
+          <p:nvPr/>
+        </p:nvPicPr>
+        <p:blipFill>
+          <a:blip r:embed="rId2"/>
+          <a:stretch>
+            <a:fillRect/>
+          </a:stretch>
+        </p:blipFill>
+        <p:spPr>
+          <a:xfrm>
+            <a:off x="1057910" y="2341245"/>
+            <a:ext cx="3022600" cy="3554730"/>
+          </a:xfrm>
+          <a:prstGeom prst="rect">
+            <a:avLst/>
+          </a:prstGeom>
+        </p:spPr>
+      </p:pic>
+      <p:pic>
+        <p:nvPicPr>
+          <p:cNvPr id="12" name="图片 11" descr="05_01"/>
+          <p:cNvPicPr>
+            <a:picLocks noChangeAspect="1"/>
+          </p:cNvPicPr>
+          <p:nvPr/>
+        </p:nvPicPr>
+        <p:blipFill>
+          <a:blip r:embed="rId2"/>
+          <a:stretch>
+            <a:fillRect/>
+          </a:stretch>
+        </p:blipFill>
+        <p:spPr>
+          <a:xfrm>
+            <a:off x="3522980" y="2341245"/>
+            <a:ext cx="3022600" cy="3554730"/>
+          </a:xfrm>
+          <a:prstGeom prst="rect">
+            <a:avLst/>
+          </a:prstGeom>
+        </p:spPr>
+      </p:pic>
+      <p:pic>
+        <p:nvPicPr>
+          <p:cNvPr id="13" name="图片 12" descr="05_01"/>
+          <p:cNvPicPr>
+            <a:picLocks noChangeAspect="1"/>
+          </p:cNvPicPr>
+          <p:nvPr/>
+        </p:nvPicPr>
+        <p:blipFill>
+          <a:blip r:embed="rId2"/>
+          <a:stretch>
+            <a:fillRect/>
+          </a:stretch>
+        </p:blipFill>
+        <p:spPr>
+          <a:xfrm>
+            <a:off x="6000115" y="2341245"/>
+            <a:ext cx="3022600" cy="3554730"/>
+          </a:xfrm>
+          <a:prstGeom prst="rect">
+            <a:avLst/>
+          </a:prstGeom>
+        </p:spPr>
+      </p:pic>
+      <p:pic>
+        <p:nvPicPr>
+          <p:cNvPr id="14" name="图片 13" descr="05_01"/>
+          <p:cNvPicPr>
+            <a:picLocks noChangeAspect="1"/>
+          </p:cNvPicPr>
+          <p:nvPr/>
+        </p:nvPicPr>
+        <p:blipFill>
+          <a:blip r:embed="rId2"/>
+          <a:stretch>
+            <a:fillRect/>
+          </a:stretch>
+        </p:blipFill>
+        <p:spPr>
+          <a:xfrm>
+            <a:off x="8463280" y="2341245"/>
+            <a:ext cx="3022600" cy="3554730"/>
+          </a:xfrm>
+          <a:prstGeom prst="rect">
+            <a:avLst/>
+          </a:prstGeom>
+        </p:spPr>
+      </p:pic>
+      <p:pic>
+        <p:nvPicPr>
+          <p:cNvPr id="15" name="图片 14" descr="05_02"/>
+          <p:cNvPicPr>
+            <a:picLocks noChangeAspect="1"/>
+          </p:cNvPicPr>
+          <p:nvPr/>
+        </p:nvPicPr>
+        <p:blipFill>
+          <a:blip r:embed="rId3"/>
+          <a:stretch>
+            <a:fillRect/>
+          </a:stretch>
+        </p:blipFill>
+        <p:spPr>
+          <a:xfrm>
+            <a:off x="2193290" y="3111500"/>
+            <a:ext cx="635000" cy="635000"/>
+          </a:xfrm>
+          <a:prstGeom prst="rect">
+            <a:avLst/>
+          </a:prstGeom>
+        </p:spPr>
+      </p:pic>
+      <p:pic>
+        <p:nvPicPr>
+          <p:cNvPr id="16" name="图片 15" descr="05_06"/>
+          <p:cNvPicPr>
+            <a:picLocks noChangeAspect="1"/>
+          </p:cNvPicPr>
+          <p:nvPr/>
+        </p:nvPicPr>
+        <p:blipFill>
+          <a:blip r:embed="rId4"/>
+          <a:stretch>
+            <a:fillRect/>
+          </a:stretch>
+        </p:blipFill>
+        <p:spPr>
+          <a:xfrm>
+            <a:off x="4716780" y="3111500"/>
+            <a:ext cx="635000" cy="635000"/>
+          </a:xfrm>
+          <a:prstGeom prst="rect">
+            <a:avLst/>
+          </a:prstGeom>
+        </p:spPr>
+      </p:pic>
+      <p:pic>
+        <p:nvPicPr>
+          <p:cNvPr id="17" name="图片 16" descr="05_07"/>
+          <p:cNvPicPr>
+            <a:picLocks noChangeAspect="1"/>
+          </p:cNvPicPr>
+          <p:nvPr/>
+        </p:nvPicPr>
+        <p:blipFill>
+          <a:blip r:embed="rId5"/>
+          <a:stretch>
+            <a:fillRect/>
+          </a:stretch>
+        </p:blipFill>
+        <p:spPr>
+          <a:xfrm>
+            <a:off x="7127240" y="3111500"/>
+            <a:ext cx="635000" cy="635000"/>
+          </a:xfrm>
+          <a:prstGeom prst="rect">
+            <a:avLst/>
+          </a:prstGeom>
+        </p:spPr>
+      </p:pic>
+      <p:pic>
+        <p:nvPicPr>
+          <p:cNvPr id="18" name="图片 17" descr="05_08"/>
+          <p:cNvPicPr>
+            <a:picLocks noChangeAspect="1"/>
+          </p:cNvPicPr>
+          <p:nvPr/>
+        </p:nvPicPr>
+        <p:blipFill>
+          <a:blip r:embed="rId6"/>
+          <a:stretch>
+            <a:fillRect/>
+          </a:stretch>
+        </p:blipFill>
+        <p:spPr>
+          <a:xfrm>
+            <a:off x="9583420" y="3111500"/>
+            <a:ext cx="635000" cy="635000"/>
+          </a:xfrm>
+          <a:prstGeom prst="rect">
+            <a:avLst/>
+          </a:prstGeom>
+        </p:spPr>
+      </p:pic>
+      <p:sp>
+        <p:nvSpPr>
+          <p:cNvPr id="19" name="文本框 18"/>
+          <p:cNvSpPr txBox="1"/>
+          <p:nvPr/>
+        </p:nvSpPr>
+        <p:spPr>
+          <a:xfrm>
+            <a:off x="2020570" y="3934460"/>
+            <a:ext cx="1097280" cy="368300"/>
+          </a:xfrm>
+          <a:prstGeom prst="rect">
+            <a:avLst/>
+          </a:prstGeom>
+          <a:noFill/>
+        </p:spPr>
+        <p:txBody>
+          <a:bodyPr wrap="none" rtlCol="0">
+            <a:spAutoFit/>
+          </a:bodyPr>
+          <a:p>
+            <a:r>
+              <a:rPr lang="zh-CN" altLang="en-US"/>
+              <a:t>推广时长</a:t>
+            </a:r>
+            <a:endParaRPr lang="zh-CN" altLang="en-US"/>
+          </a:p>
+        </p:txBody>
+      </p:sp>
+      <p:sp>
+        <p:nvSpPr>
+          <p:cNvPr id="21" name="文本框 20"/>
+          <p:cNvSpPr txBox="1"/>
+          <p:nvPr/>
+        </p:nvSpPr>
+        <p:spPr>
+          <a:xfrm>
+            <a:off x="4476115" y="3934460"/>
+            <a:ext cx="1116330" cy="368300"/>
+          </a:xfrm>
+          <a:prstGeom prst="rect">
+            <a:avLst/>
+          </a:prstGeom>
+          <a:noFill/>
+        </p:spPr>
+        <p:txBody>
+          <a:bodyPr wrap="square" rtlCol="0">
+            <a:spAutoFit/>
+          </a:bodyPr>
+          <a:p>
+            <a:r>
+              <a:rPr lang="zh-CN" altLang="en-US"/>
+              <a:t>专题流量</a:t>
+            </a:r>
+            <a:endParaRPr lang="zh-CN" altLang="en-US"/>
+          </a:p>
+        </p:txBody>
+      </p:sp>
+      <p:sp>
+        <p:nvSpPr>
+          <p:cNvPr id="22" name="文本框 21"/>
+          <p:cNvSpPr txBox="1"/>
+          <p:nvPr/>
+        </p:nvSpPr>
+        <p:spPr>
+          <a:xfrm>
+            <a:off x="6962775" y="3934460"/>
+            <a:ext cx="1097280" cy="368300"/>
+          </a:xfrm>
+          <a:prstGeom prst="rect">
+            <a:avLst/>
+          </a:prstGeom>
+          <a:noFill/>
+        </p:spPr>
+        <p:txBody>
+          <a:bodyPr wrap="none" rtlCol="0">
+            <a:spAutoFit/>
+          </a:bodyPr>
+          <a:p>
+            <a:r>
+              <a:rPr lang="zh-CN" altLang="en-US"/>
+              <a:t>报名人数</a:t>
+            </a:r>
+            <a:endParaRPr lang="zh-CN" altLang="en-US"/>
+          </a:p>
+        </p:txBody>
+      </p:sp>
+      <p:sp>
+        <p:nvSpPr>
+          <p:cNvPr id="23" name="文本框 22"/>
+          <p:cNvSpPr txBox="1"/>
+          <p:nvPr/>
+        </p:nvSpPr>
+        <p:spPr>
+          <a:xfrm>
+            <a:off x="9324975" y="3934460"/>
+            <a:ext cx="1299210" cy="368300"/>
+          </a:xfrm>
+          <a:prstGeom prst="rect">
+            <a:avLst/>
+          </a:prstGeom>
+          <a:noFill/>
+        </p:spPr>
+        <p:txBody>
+          <a:bodyPr wrap="square" rtlCol="0">
+            <a:spAutoFit/>
+          </a:bodyPr>
+          <a:p>
+            <a:r>
+              <a:rPr lang="zh-CN" altLang="en-US"/>
+              <a:t>到场人数</a:t>
+            </a:r>
+            <a:endParaRPr lang="zh-CN" altLang="en-US"/>
+          </a:p>
+        </p:txBody>
+      </p:sp>
+      <p:pic>
+        <p:nvPicPr>
+          <p:cNvPr id="24" name="图片 23" descr="05_03"/>
+          <p:cNvPicPr>
+            <a:picLocks noChangeAspect="1"/>
+          </p:cNvPicPr>
+          <p:nvPr/>
+        </p:nvPicPr>
+        <p:blipFill>
+          <a:blip r:embed="rId7"/>
+          <a:stretch>
+            <a:fillRect/>
+          </a:stretch>
+        </p:blipFill>
+        <p:spPr>
+          <a:xfrm>
+            <a:off x="2199640" y="4302760"/>
+            <a:ext cx="628650" cy="85725"/>
+          </a:xfrm>
+          <a:prstGeom prst="rect">
+            <a:avLst/>
+          </a:prstGeom>
+        </p:spPr>
+      </p:pic>
+      <p:pic>
+        <p:nvPicPr>
+          <p:cNvPr id="25" name="图片 24" descr="05_03"/>
+          <p:cNvPicPr>
+            <a:picLocks noChangeAspect="1"/>
+          </p:cNvPicPr>
+          <p:nvPr/>
+        </p:nvPicPr>
+        <p:blipFill>
+          <a:blip r:embed="rId7"/>
+          <a:stretch>
+            <a:fillRect/>
+          </a:stretch>
+        </p:blipFill>
+        <p:spPr>
+          <a:xfrm>
+            <a:off x="4723130" y="4302760"/>
+            <a:ext cx="628650" cy="85725"/>
+          </a:xfrm>
+          <a:prstGeom prst="rect">
+            <a:avLst/>
+          </a:prstGeom>
+        </p:spPr>
+      </p:pic>
+      <p:pic>
+        <p:nvPicPr>
+          <p:cNvPr id="26" name="图片 25" descr="05_03"/>
+          <p:cNvPicPr>
+            <a:picLocks noChangeAspect="1"/>
+          </p:cNvPicPr>
+          <p:nvPr/>
+        </p:nvPicPr>
+        <p:blipFill>
+          <a:blip r:embed="rId7"/>
+          <a:stretch>
+            <a:fillRect/>
+          </a:stretch>
+        </p:blipFill>
+        <p:spPr>
+          <a:xfrm>
+            <a:off x="7133590" y="4302760"/>
+            <a:ext cx="628650" cy="85725"/>
+          </a:xfrm>
+          <a:prstGeom prst="rect">
+            <a:avLst/>
+          </a:prstGeom>
+        </p:spPr>
+      </p:pic>
+      <p:pic>
+        <p:nvPicPr>
+          <p:cNvPr id="27" name="图片 26" descr="05_03"/>
+          <p:cNvPicPr>
+            <a:picLocks noChangeAspect="1"/>
+          </p:cNvPicPr>
+          <p:nvPr/>
+        </p:nvPicPr>
+        <p:blipFill>
+          <a:blip r:embed="rId7"/>
+          <a:stretch>
+            <a:fillRect/>
+          </a:stretch>
+        </p:blipFill>
+        <p:spPr>
+          <a:xfrm>
+            <a:off x="9589770" y="4302760"/>
+            <a:ext cx="628650" cy="85725"/>
+          </a:xfrm>
+          <a:prstGeom prst="rect">
+            <a:avLst/>
+          </a:prstGeom>
+        </p:spPr>
+      </p:pic>
+      <p:sp>
+        <p:nvSpPr>
+          <p:cNvPr id="28" name="文本框 27"/>
+          <p:cNvSpPr txBox="1"/>
+          <p:nvPr/>
+        </p:nvSpPr>
+        <p:spPr>
+          <a:xfrm>
+            <a:off x="2231390" y="1992630"/>
+            <a:ext cx="538480" cy="368300"/>
+          </a:xfrm>
+          <a:prstGeom prst="rect">
+            <a:avLst/>
+          </a:prstGeom>
+          <a:noFill/>
+        </p:spPr>
+        <p:txBody>
+          <a:bodyPr wrap="none" rtlCol="0">
+            <a:spAutoFit/>
+          </a:bodyPr>
+          <a:p>
+            <a:r>
+              <a:rPr lang="en-US" altLang="zh-CN"/>
+              <a:t>6</a:t>
+            </a:r>
+            <a:r>
+              <a:rPr lang="zh-CN" altLang="en-US"/>
+              <a:t>天</a:t>
+            </a:r>
+            <a:endParaRPr lang="zh-CN" altLang="en-US"/>
+          </a:p>
+        </p:txBody>
+      </p:sp>
+      <p:sp>
+        <p:nvSpPr>
+          <p:cNvPr id="29" name="文本框 28"/>
+          <p:cNvSpPr txBox="1"/>
+          <p:nvPr/>
+        </p:nvSpPr>
+        <p:spPr>
+          <a:xfrm>
+            <a:off x="4276090" y="1992630"/>
+            <a:ext cx="1403985" cy="368300"/>
+          </a:xfrm>
+          <a:prstGeom prst="rect">
+            <a:avLst/>
+          </a:prstGeom>
+          <a:noFill/>
+        </p:spPr>
+        <p:txBody>
+          <a:bodyPr wrap="square" rtlCol="0">
+            <a:spAutoFit/>
+          </a:bodyPr>
+          <a:p>
+            <a:r>
+              <a:rPr lang="en-US" altLang="zh-CN"/>
+              <a:t>1678UV</a:t>
+            </a:r>
+            <a:endParaRPr lang="en-US" altLang="zh-CN"/>
+          </a:p>
+        </p:txBody>
+      </p:sp>
+      <p:sp>
+        <p:nvSpPr>
+          <p:cNvPr id="30" name="文本框 29"/>
+          <p:cNvSpPr txBox="1"/>
+          <p:nvPr/>
+        </p:nvSpPr>
+        <p:spPr>
+          <a:xfrm>
+            <a:off x="6962775" y="1992630"/>
+            <a:ext cx="792480" cy="368300"/>
+          </a:xfrm>
+          <a:prstGeom prst="rect">
+            <a:avLst/>
+          </a:prstGeom>
+          <a:noFill/>
+        </p:spPr>
+        <p:txBody>
+          <a:bodyPr wrap="none" rtlCol="0">
+            <a:spAutoFit/>
+          </a:bodyPr>
+          <a:p>
+            <a:r>
+              <a:rPr lang="en-US" altLang="zh-CN"/>
+              <a:t>136</a:t>
+            </a:r>
+            <a:r>
+              <a:rPr lang="zh-CN" altLang="en-US"/>
+              <a:t>人</a:t>
+            </a:r>
+            <a:endParaRPr lang="zh-CN" altLang="en-US"/>
+          </a:p>
+        </p:txBody>
+      </p:sp>
+      <p:sp>
+        <p:nvSpPr>
+          <p:cNvPr id="31" name="文本框 30"/>
+          <p:cNvSpPr txBox="1"/>
+          <p:nvPr/>
+        </p:nvSpPr>
+        <p:spPr>
+          <a:xfrm>
+            <a:off x="9443720" y="1992630"/>
+            <a:ext cx="665480" cy="368300"/>
+          </a:xfrm>
+          <a:prstGeom prst="rect">
+            <a:avLst/>
+          </a:prstGeom>
+          <a:noFill/>
+        </p:spPr>
+        <p:txBody>
+          <a:bodyPr wrap="none" rtlCol="0">
+            <a:spAutoFit/>
+          </a:bodyPr>
+          <a:p>
+            <a:r>
+              <a:rPr lang="en-US" altLang="zh-CN"/>
+              <a:t>62</a:t>
+            </a:r>
+            <a:r>
+              <a:rPr lang="zh-CN" altLang="en-US"/>
+              <a:t>人</a:t>
+            </a:r>
+            <a:endParaRPr lang="zh-CN" altLang="en-US"/>
+          </a:p>
+        </p:txBody>
+      </p:sp>
+      <p:sp>
+        <p:nvSpPr>
+          <p:cNvPr id="32" name="文本框 31"/>
+          <p:cNvSpPr txBox="1"/>
+          <p:nvPr/>
+        </p:nvSpPr>
+        <p:spPr>
+          <a:xfrm>
+            <a:off x="1861820" y="4718050"/>
+            <a:ext cx="1414780" cy="368300"/>
+          </a:xfrm>
+          <a:prstGeom prst="rect">
+            <a:avLst/>
+          </a:prstGeom>
+          <a:noFill/>
+        </p:spPr>
+        <p:txBody>
+          <a:bodyPr wrap="none" rtlCol="0">
+            <a:spAutoFit/>
+          </a:bodyPr>
+          <a:p>
+            <a:r>
+              <a:rPr lang="en-US" altLang="zh-CN"/>
+              <a:t>11.22-11.28</a:t>
+            </a:r>
+            <a:endParaRPr lang="en-US" altLang="zh-CN"/>
+          </a:p>
+        </p:txBody>
+      </p:sp>
+      <p:sp>
+        <p:nvSpPr>
+          <p:cNvPr id="33" name="文本框 32"/>
+          <p:cNvSpPr txBox="1"/>
+          <p:nvPr/>
+        </p:nvSpPr>
+        <p:spPr>
+          <a:xfrm>
+            <a:off x="4298315" y="4718050"/>
+            <a:ext cx="1701800" cy="368300"/>
+          </a:xfrm>
+          <a:prstGeom prst="rect">
+            <a:avLst/>
+          </a:prstGeom>
+          <a:noFill/>
+        </p:spPr>
+        <p:txBody>
+          <a:bodyPr wrap="square" rtlCol="0">
+            <a:spAutoFit/>
+          </a:bodyPr>
+          <a:p>
+            <a:r>
+              <a:rPr lang="zh-CN" altLang="en-US"/>
+              <a:t>浏览次数</a:t>
+            </a:r>
+            <a:r>
+              <a:rPr lang="en-US" altLang="zh-CN"/>
+              <a:t>111</a:t>
+            </a:r>
+            <a:endParaRPr lang="en-US" altLang="zh-CN"/>
+          </a:p>
+        </p:txBody>
+      </p:sp>
+      <p:sp>
+        <p:nvSpPr>
+          <p:cNvPr id="34" name="文本框 33"/>
+          <p:cNvSpPr txBox="1"/>
+          <p:nvPr/>
+        </p:nvSpPr>
+        <p:spPr>
+          <a:xfrm>
+            <a:off x="6772275" y="4718050"/>
+            <a:ext cx="1691005" cy="368300"/>
+          </a:xfrm>
+          <a:prstGeom prst="rect">
+            <a:avLst/>
+          </a:prstGeom>
+          <a:noFill/>
+        </p:spPr>
+        <p:txBody>
+          <a:bodyPr wrap="square" rtlCol="0">
+            <a:spAutoFit/>
+          </a:bodyPr>
+          <a:p>
+            <a:r>
+              <a:rPr lang="zh-CN" altLang="en-US"/>
+              <a:t>转化率 </a:t>
+            </a:r>
+            <a:r>
+              <a:rPr lang="en-US" altLang="zh-CN"/>
+              <a:t>8.1%</a:t>
+            </a:r>
+            <a:endParaRPr lang="en-US" altLang="zh-CN"/>
+          </a:p>
+        </p:txBody>
+      </p:sp>
+      <p:sp>
+        <p:nvSpPr>
+          <p:cNvPr id="35" name="文本框 34"/>
+          <p:cNvSpPr txBox="1"/>
+          <p:nvPr/>
+        </p:nvSpPr>
+        <p:spPr>
+          <a:xfrm>
+            <a:off x="9175750" y="4718050"/>
+            <a:ext cx="1597660" cy="368300"/>
+          </a:xfrm>
+          <a:prstGeom prst="rect">
+            <a:avLst/>
+          </a:prstGeom>
+          <a:noFill/>
+        </p:spPr>
+        <p:txBody>
+          <a:bodyPr wrap="square" rtlCol="0">
+            <a:spAutoFit/>
+          </a:bodyPr>
+          <a:p>
+            <a:r>
+              <a:rPr lang="zh-CN" altLang="en-US"/>
+              <a:t>到场率 </a:t>
+            </a:r>
+            <a:r>
+              <a:rPr lang="en-US" altLang="zh-CN"/>
+              <a:t>44%</a:t>
+            </a:r>
+            <a:endParaRPr lang="en-US" altLang="zh-CN"/>
+          </a:p>
+        </p:txBody>
+      </p:sp>
     </p:spTree>
   </p:cSld>
   <p:clrMapOvr>
@@ -16055,7 +12461,7 @@
         </p:nvGrpSpPr>
         <p:grpSpPr>
           <a:xfrm>
-            <a:off x="836930" y="1123314"/>
+            <a:off x="859790" y="1123314"/>
             <a:ext cx="2179955" cy="4034790"/>
             <a:chOff x="836930" y="1123314"/>
             <a:chExt cx="2179955" cy="4034790"/>
@@ -20965,7 +17371,7 @@
         </p:nvGrpSpPr>
         <p:grpSpPr>
           <a:xfrm>
-            <a:off x="836930" y="1123314"/>
+            <a:off x="859790" y="1123314"/>
             <a:ext cx="2179955" cy="104139"/>
             <a:chOff x="836930" y="1123314"/>
             <a:chExt cx="2179955" cy="104139"/>
